--- a/Apresentação1.pptx
+++ b/Apresentação1.pptx
@@ -2,11 +2,16 @@
 <file path=ppt/presentation.xml><?xml version="1.0" encoding="utf-8"?>
 <p:presentation xmlns:a="http://schemas.openxmlformats.org/drawingml/2006/main" xmlns:r="http://schemas.openxmlformats.org/officeDocument/2006/relationships" xmlns:p="http://schemas.openxmlformats.org/presentationml/2006/main" saveSubsetFonts="1">
   <p:sldMasterIdLst>
-    <p:sldMasterId id="2147483648" r:id="rId1"/>
+    <p:sldMasterId id="2147483791" r:id="rId1"/>
+    <p:sldMasterId id="2147483845" r:id="rId2"/>
   </p:sldMasterIdLst>
   <p:sldIdLst>
-    <p:sldId id="256" r:id="rId2"/>
-    <p:sldId id="257" r:id="rId3"/>
+    <p:sldId id="256" r:id="rId3"/>
+    <p:sldId id="257" r:id="rId4"/>
+    <p:sldId id="258" r:id="rId5"/>
+    <p:sldId id="261" r:id="rId6"/>
+    <p:sldId id="259" r:id="rId7"/>
+    <p:sldId id="260" r:id="rId8"/>
   </p:sldIdLst>
   <p:sldSz cx="12192000" cy="6858000"/>
   <p:notesSz cx="6858000" cy="9144000"/>
@@ -127,7 +132,7 @@
       </p:grpSpPr>
       <p:sp>
         <p:nvSpPr>
-          <p:cNvPr id="2" name="Título 1"/>
+          <p:cNvPr id="2" name="Title 1"/>
           <p:cNvSpPr>
             <a:spLocks noGrp="1"/>
           </p:cNvSpPr>
@@ -137,12 +142,14 @@
         </p:nvSpPr>
         <p:spPr>
           <a:xfrm>
-            <a:off x="1524000" y="1122363"/>
+            <a:off x="1524000" y="1124530"/>
             <a:ext cx="9144000" cy="2387600"/>
           </a:xfrm>
         </p:spPr>
         <p:txBody>
-          <a:bodyPr anchor="b"/>
+          <a:bodyPr anchor="b">
+            <a:normAutofit/>
+          </a:bodyPr>
           <a:lstStyle>
             <a:lvl1pPr algn="ctr">
               <a:defRPr sz="6000"/>
@@ -153,13 +160,13 @@
               <a:rPr lang="pt-BR" smtClean="0"/>
               <a:t>Clique para editar o título mestre</a:t>
             </a:r>
-            <a:endParaRPr lang="pt-BR"/>
-          </a:p>
-        </p:txBody>
-      </p:sp>
-      <p:sp>
-        <p:nvSpPr>
-          <p:cNvPr id="3" name="Subtítulo 2"/>
+            <a:endParaRPr lang="en-US" dirty="0"/>
+          </a:p>
+        </p:txBody>
+      </p:sp>
+      <p:sp>
+        <p:nvSpPr>
+          <p:cNvPr id="3" name="Subtitle 2"/>
           <p:cNvSpPr>
             <a:spLocks noGrp="1"/>
           </p:cNvSpPr>
@@ -174,43 +181,52 @@
           </a:xfrm>
         </p:spPr>
         <p:txBody>
-          <a:bodyPr/>
+          <a:bodyPr>
+            <a:normAutofit/>
+          </a:bodyPr>
           <a:lstStyle>
             <a:lvl1pPr marL="0" indent="0" algn="ctr">
               <a:buNone/>
-              <a:defRPr sz="2400"/>
+              <a:defRPr sz="2400">
+                <a:solidFill>
+                  <a:schemeClr val="tx1">
+                    <a:lumMod val="75000"/>
+                    <a:lumOff val="25000"/>
+                  </a:schemeClr>
+                </a:solidFill>
+              </a:defRPr>
             </a:lvl1pPr>
             <a:lvl2pPr marL="457200" indent="0" algn="ctr">
               <a:buNone/>
-              <a:defRPr sz="2000"/>
+              <a:defRPr sz="2800"/>
             </a:lvl2pPr>
             <a:lvl3pPr marL="914400" indent="0" algn="ctr">
               <a:buNone/>
-              <a:defRPr sz="1800"/>
+              <a:defRPr sz="2400"/>
             </a:lvl3pPr>
             <a:lvl4pPr marL="1371600" indent="0" algn="ctr">
               <a:buNone/>
-              <a:defRPr sz="1600"/>
+              <a:defRPr sz="2000"/>
             </a:lvl4pPr>
             <a:lvl5pPr marL="1828800" indent="0" algn="ctr">
               <a:buNone/>
-              <a:defRPr sz="1600"/>
+              <a:defRPr sz="2000"/>
             </a:lvl5pPr>
             <a:lvl6pPr marL="2286000" indent="0" algn="ctr">
               <a:buNone/>
-              <a:defRPr sz="1600"/>
+              <a:defRPr sz="2000"/>
             </a:lvl6pPr>
             <a:lvl7pPr marL="2743200" indent="0" algn="ctr">
               <a:buNone/>
-              <a:defRPr sz="1600"/>
+              <a:defRPr sz="2000"/>
             </a:lvl7pPr>
             <a:lvl8pPr marL="3200400" indent="0" algn="ctr">
               <a:buNone/>
-              <a:defRPr sz="1600"/>
+              <a:defRPr sz="2000"/>
             </a:lvl8pPr>
             <a:lvl9pPr marL="3657600" indent="0" algn="ctr">
               <a:buNone/>
-              <a:defRPr sz="1600"/>
+              <a:defRPr sz="2000"/>
             </a:lvl9pPr>
           </a:lstStyle>
           <a:p>
@@ -218,13 +234,13 @@
               <a:rPr lang="pt-BR" smtClean="0"/>
               <a:t>Clique para editar o estilo do subtítulo mestre</a:t>
             </a:r>
-            <a:endParaRPr lang="pt-BR"/>
-          </a:p>
-        </p:txBody>
-      </p:sp>
-      <p:sp>
-        <p:nvSpPr>
-          <p:cNvPr id="4" name="Espaço Reservado para Data 3"/>
+            <a:endParaRPr lang="en-US" dirty="0"/>
+          </a:p>
+        </p:txBody>
+      </p:sp>
+      <p:sp>
+        <p:nvSpPr>
+          <p:cNvPr id="4" name="Date Placeholder 3"/>
           <p:cNvSpPr>
             <a:spLocks noGrp="1"/>
           </p:cNvSpPr>
@@ -247,7 +263,7 @@
       </p:sp>
       <p:sp>
         <p:nvSpPr>
-          <p:cNvPr id="5" name="Espaço Reservado para Rodapé 4"/>
+          <p:cNvPr id="5" name="Footer Placeholder 4"/>
           <p:cNvSpPr>
             <a:spLocks noGrp="1"/>
           </p:cNvSpPr>
@@ -266,7 +282,7 @@
       </p:sp>
       <p:sp>
         <p:nvSpPr>
-          <p:cNvPr id="6" name="Espaço Reservado para Número de Slide 5"/>
+          <p:cNvPr id="6" name="Slide Number Placeholder 5"/>
           <p:cNvSpPr>
             <a:spLocks noGrp="1"/>
           </p:cNvSpPr>
@@ -290,7 +306,7 @@
     </p:spTree>
     <p:extLst>
       <p:ext uri="{BB962C8B-B14F-4D97-AF65-F5344CB8AC3E}">
-        <p14:creationId xmlns:p14="http://schemas.microsoft.com/office/powerpoint/2010/main" val="2754569627"/>
+        <p14:creationId xmlns:p14="http://schemas.microsoft.com/office/powerpoint/2010/main" val="2794372976"/>
       </p:ext>
     </p:extLst>
   </p:cSld>
@@ -319,7 +335,7 @@
       </p:grpSpPr>
       <p:sp>
         <p:nvSpPr>
-          <p:cNvPr id="2" name="Título 1"/>
+          <p:cNvPr id="2" name="Title 1"/>
           <p:cNvSpPr>
             <a:spLocks noGrp="1"/>
           </p:cNvSpPr>
@@ -336,13 +352,13 @@
               <a:rPr lang="pt-BR" smtClean="0"/>
               <a:t>Clique para editar o título mestre</a:t>
             </a:r>
-            <a:endParaRPr lang="pt-BR"/>
-          </a:p>
-        </p:txBody>
-      </p:sp>
-      <p:sp>
-        <p:nvSpPr>
-          <p:cNvPr id="3" name="Espaço Reservado para Texto Vertical 2"/>
+            <a:endParaRPr lang="en-US"/>
+          </a:p>
+        </p:txBody>
+      </p:sp>
+      <p:sp>
+        <p:nvSpPr>
+          <p:cNvPr id="3" name="Vertical Text Placeholder 2"/>
           <p:cNvSpPr>
             <a:spLocks noGrp="1"/>
           </p:cNvSpPr>
@@ -388,13 +404,13 @@
               <a:rPr lang="pt-BR" smtClean="0"/>
               <a:t>Quinto nível</a:t>
             </a:r>
-            <a:endParaRPr lang="pt-BR"/>
-          </a:p>
-        </p:txBody>
-      </p:sp>
-      <p:sp>
-        <p:nvSpPr>
-          <p:cNvPr id="4" name="Espaço Reservado para Data 3"/>
+            <a:endParaRPr lang="en-US" dirty="0"/>
+          </a:p>
+        </p:txBody>
+      </p:sp>
+      <p:sp>
+        <p:nvSpPr>
+          <p:cNvPr id="4" name="Date Placeholder 3"/>
           <p:cNvSpPr>
             <a:spLocks noGrp="1"/>
           </p:cNvSpPr>
@@ -417,7 +433,7 @@
       </p:sp>
       <p:sp>
         <p:nvSpPr>
-          <p:cNvPr id="5" name="Espaço Reservado para Rodapé 4"/>
+          <p:cNvPr id="5" name="Footer Placeholder 4"/>
           <p:cNvSpPr>
             <a:spLocks noGrp="1"/>
           </p:cNvSpPr>
@@ -436,7 +452,7 @@
       </p:sp>
       <p:sp>
         <p:nvSpPr>
-          <p:cNvPr id="6" name="Espaço Reservado para Número de Slide 5"/>
+          <p:cNvPr id="6" name="Slide Number Placeholder 5"/>
           <p:cNvSpPr>
             <a:spLocks noGrp="1"/>
           </p:cNvSpPr>
@@ -460,7 +476,7 @@
     </p:spTree>
     <p:extLst>
       <p:ext uri="{BB962C8B-B14F-4D97-AF65-F5344CB8AC3E}">
-        <p14:creationId xmlns:p14="http://schemas.microsoft.com/office/powerpoint/2010/main" val="1813544106"/>
+        <p14:creationId xmlns:p14="http://schemas.microsoft.com/office/powerpoint/2010/main" val="686842805"/>
       </p:ext>
     </p:extLst>
   </p:cSld>
@@ -489,7 +505,7 @@
       </p:grpSpPr>
       <p:sp>
         <p:nvSpPr>
-          <p:cNvPr id="2" name="Título Vertical 1"/>
+          <p:cNvPr id="2" name="Vertical Title 1"/>
           <p:cNvSpPr>
             <a:spLocks noGrp="1"/>
           </p:cNvSpPr>
@@ -499,7 +515,7 @@
         </p:nvSpPr>
         <p:spPr>
           <a:xfrm>
-            <a:off x="8724900" y="365125"/>
+            <a:off x="8724900" y="360362"/>
             <a:ext cx="2628900" cy="5811838"/>
           </a:xfrm>
         </p:spPr>
@@ -511,13 +527,13 @@
               <a:rPr lang="pt-BR" smtClean="0"/>
               <a:t>Clique para editar o título mestre</a:t>
             </a:r>
-            <a:endParaRPr lang="pt-BR"/>
-          </a:p>
-        </p:txBody>
-      </p:sp>
-      <p:sp>
-        <p:nvSpPr>
-          <p:cNvPr id="3" name="Espaço Reservado para Texto Vertical 2"/>
+            <a:endParaRPr lang="en-US"/>
+          </a:p>
+        </p:txBody>
+      </p:sp>
+      <p:sp>
+        <p:nvSpPr>
+          <p:cNvPr id="3" name="Vertical Text Placeholder 2"/>
           <p:cNvSpPr>
             <a:spLocks noGrp="1"/>
           </p:cNvSpPr>
@@ -527,8 +543,8 @@
         </p:nvSpPr>
         <p:spPr>
           <a:xfrm>
-            <a:off x="838200" y="365125"/>
-            <a:ext cx="7734300" cy="5811838"/>
+            <a:off x="838200" y="360362"/>
+            <a:ext cx="7734300" cy="5811837"/>
           </a:xfrm>
         </p:spPr>
         <p:txBody>
@@ -568,13 +584,13 @@
               <a:rPr lang="pt-BR" smtClean="0"/>
               <a:t>Quinto nível</a:t>
             </a:r>
-            <a:endParaRPr lang="pt-BR"/>
-          </a:p>
-        </p:txBody>
-      </p:sp>
-      <p:sp>
-        <p:nvSpPr>
-          <p:cNvPr id="4" name="Espaço Reservado para Data 3"/>
+            <a:endParaRPr lang="en-US"/>
+          </a:p>
+        </p:txBody>
+      </p:sp>
+      <p:sp>
+        <p:nvSpPr>
+          <p:cNvPr id="4" name="Date Placeholder 3"/>
           <p:cNvSpPr>
             <a:spLocks noGrp="1"/>
           </p:cNvSpPr>
@@ -597,7 +613,7 @@
       </p:sp>
       <p:sp>
         <p:nvSpPr>
-          <p:cNvPr id="5" name="Espaço Reservado para Rodapé 4"/>
+          <p:cNvPr id="5" name="Footer Placeholder 4"/>
           <p:cNvSpPr>
             <a:spLocks noGrp="1"/>
           </p:cNvSpPr>
@@ -616,7 +632,7 @@
       </p:sp>
       <p:sp>
         <p:nvSpPr>
-          <p:cNvPr id="6" name="Espaço Reservado para Número de Slide 5"/>
+          <p:cNvPr id="6" name="Slide Number Placeholder 5"/>
           <p:cNvSpPr>
             <a:spLocks noGrp="1"/>
           </p:cNvSpPr>
@@ -640,7 +656,1940 @@
     </p:spTree>
     <p:extLst>
       <p:ext uri="{BB962C8B-B14F-4D97-AF65-F5344CB8AC3E}">
-        <p14:creationId xmlns:p14="http://schemas.microsoft.com/office/powerpoint/2010/main" val="1456669567"/>
+        <p14:creationId xmlns:p14="http://schemas.microsoft.com/office/powerpoint/2010/main" val="1312871762"/>
+      </p:ext>
+    </p:extLst>
+  </p:cSld>
+  <p:clrMapOvr>
+    <a:masterClrMapping/>
+  </p:clrMapOvr>
+</p:sldLayout>
+</file>
+
+<file path=ppt/slideLayouts/slideLayout12.xml><?xml version="1.0" encoding="utf-8"?>
+<p:sldLayout xmlns:a="http://schemas.openxmlformats.org/drawingml/2006/main" xmlns:r="http://schemas.openxmlformats.org/officeDocument/2006/relationships" xmlns:p="http://schemas.openxmlformats.org/presentationml/2006/main" showMasterSp="0" type="title" preserve="1">
+  <p:cSld name="Slide de título">
+    <p:spTree>
+      <p:nvGrpSpPr>
+        <p:cNvPr id="1" name=""/>
+        <p:cNvGrpSpPr/>
+        <p:nvPr/>
+      </p:nvGrpSpPr>
+      <p:grpSpPr>
+        <a:xfrm>
+          <a:off x="0" y="0"/>
+          <a:ext cx="0" cy="0"/>
+          <a:chOff x="0" y="0"/>
+          <a:chExt cx="0" cy="0"/>
+        </a:xfrm>
+      </p:grpSpPr>
+      <p:sp>
+        <p:nvSpPr>
+          <p:cNvPr id="2" name="Title 1"/>
+          <p:cNvSpPr>
+            <a:spLocks noGrp="1"/>
+          </p:cNvSpPr>
+          <p:nvPr>
+            <p:ph type="ctrTitle"/>
+          </p:nvPr>
+        </p:nvSpPr>
+        <p:spPr>
+          <a:xfrm>
+            <a:off x="684212" y="685799"/>
+            <a:ext cx="8001000" cy="2971801"/>
+          </a:xfrm>
+        </p:spPr>
+        <p:txBody>
+          <a:bodyPr anchor="b">
+            <a:normAutofit/>
+          </a:bodyPr>
+          <a:lstStyle>
+            <a:lvl1pPr algn="l">
+              <a:defRPr sz="4800">
+                <a:effectLst/>
+              </a:defRPr>
+            </a:lvl1pPr>
+          </a:lstStyle>
+          <a:p>
+            <a:r>
+              <a:rPr lang="pt-BR" smtClean="0"/>
+              <a:t>Clique para editar o título mestre</a:t>
+            </a:r>
+            <a:endParaRPr lang="en-US" dirty="0"/>
+          </a:p>
+        </p:txBody>
+      </p:sp>
+      <p:sp>
+        <p:nvSpPr>
+          <p:cNvPr id="3" name="Subtitle 2"/>
+          <p:cNvSpPr>
+            <a:spLocks noGrp="1"/>
+          </p:cNvSpPr>
+          <p:nvPr>
+            <p:ph type="subTitle" idx="1"/>
+          </p:nvPr>
+        </p:nvSpPr>
+        <p:spPr>
+          <a:xfrm>
+            <a:off x="684212" y="3843867"/>
+            <a:ext cx="6400800" cy="1947333"/>
+          </a:xfrm>
+        </p:spPr>
+        <p:txBody>
+          <a:bodyPr anchor="t">
+            <a:normAutofit/>
+          </a:bodyPr>
+          <a:lstStyle>
+            <a:lvl1pPr marL="0" indent="0" algn="l">
+              <a:buNone/>
+              <a:defRPr sz="2100">
+                <a:solidFill>
+                  <a:schemeClr val="bg2">
+                    <a:lumMod val="75000"/>
+                  </a:schemeClr>
+                </a:solidFill>
+              </a:defRPr>
+            </a:lvl1pPr>
+            <a:lvl2pPr marL="457200" indent="0" algn="ctr">
+              <a:buNone/>
+              <a:defRPr>
+                <a:solidFill>
+                  <a:schemeClr val="tx1">
+                    <a:tint val="75000"/>
+                  </a:schemeClr>
+                </a:solidFill>
+              </a:defRPr>
+            </a:lvl2pPr>
+            <a:lvl3pPr marL="914400" indent="0" algn="ctr">
+              <a:buNone/>
+              <a:defRPr>
+                <a:solidFill>
+                  <a:schemeClr val="tx1">
+                    <a:tint val="75000"/>
+                  </a:schemeClr>
+                </a:solidFill>
+              </a:defRPr>
+            </a:lvl3pPr>
+            <a:lvl4pPr marL="1371600" indent="0" algn="ctr">
+              <a:buNone/>
+              <a:defRPr>
+                <a:solidFill>
+                  <a:schemeClr val="tx1">
+                    <a:tint val="75000"/>
+                  </a:schemeClr>
+                </a:solidFill>
+              </a:defRPr>
+            </a:lvl4pPr>
+            <a:lvl5pPr marL="1828800" indent="0" algn="ctr">
+              <a:buNone/>
+              <a:defRPr>
+                <a:solidFill>
+                  <a:schemeClr val="tx1">
+                    <a:tint val="75000"/>
+                  </a:schemeClr>
+                </a:solidFill>
+              </a:defRPr>
+            </a:lvl5pPr>
+            <a:lvl6pPr marL="2286000" indent="0" algn="ctr">
+              <a:buNone/>
+              <a:defRPr>
+                <a:solidFill>
+                  <a:schemeClr val="tx1">
+                    <a:tint val="75000"/>
+                  </a:schemeClr>
+                </a:solidFill>
+              </a:defRPr>
+            </a:lvl6pPr>
+            <a:lvl7pPr marL="2743200" indent="0" algn="ctr">
+              <a:buNone/>
+              <a:defRPr>
+                <a:solidFill>
+                  <a:schemeClr val="tx1">
+                    <a:tint val="75000"/>
+                  </a:schemeClr>
+                </a:solidFill>
+              </a:defRPr>
+            </a:lvl7pPr>
+            <a:lvl8pPr marL="3200400" indent="0" algn="ctr">
+              <a:buNone/>
+              <a:defRPr>
+                <a:solidFill>
+                  <a:schemeClr val="tx1">
+                    <a:tint val="75000"/>
+                  </a:schemeClr>
+                </a:solidFill>
+              </a:defRPr>
+            </a:lvl8pPr>
+            <a:lvl9pPr marL="3657600" indent="0" algn="ctr">
+              <a:buNone/>
+              <a:defRPr>
+                <a:solidFill>
+                  <a:schemeClr val="tx1">
+                    <a:tint val="75000"/>
+                  </a:schemeClr>
+                </a:solidFill>
+              </a:defRPr>
+            </a:lvl9pPr>
+          </a:lstStyle>
+          <a:p>
+            <a:r>
+              <a:rPr lang="pt-BR" smtClean="0"/>
+              <a:t>Clique para editar o estilo do subtítulo mestre</a:t>
+            </a:r>
+            <a:endParaRPr lang="en-US" dirty="0"/>
+          </a:p>
+        </p:txBody>
+      </p:sp>
+      <p:sp>
+        <p:nvSpPr>
+          <p:cNvPr id="4" name="Date Placeholder 3"/>
+          <p:cNvSpPr>
+            <a:spLocks noGrp="1"/>
+          </p:cNvSpPr>
+          <p:nvPr>
+            <p:ph type="dt" sz="half" idx="10"/>
+          </p:nvPr>
+        </p:nvSpPr>
+        <p:spPr/>
+        <p:txBody>
+          <a:bodyPr/>
+          <a:lstStyle/>
+          <a:p>
+            <a:fld id="{7DF38858-3E8E-405B-AC30-EE4890007BA2}" type="datetimeFigureOut">
+              <a:rPr lang="pt-BR" smtClean="0"/>
+              <a:t>18/05/2016</a:t>
+            </a:fld>
+            <a:endParaRPr lang="pt-BR"/>
+          </a:p>
+        </p:txBody>
+      </p:sp>
+      <p:sp>
+        <p:nvSpPr>
+          <p:cNvPr id="5" name="Footer Placeholder 4"/>
+          <p:cNvSpPr>
+            <a:spLocks noGrp="1"/>
+          </p:cNvSpPr>
+          <p:nvPr>
+            <p:ph type="ftr" sz="quarter" idx="11"/>
+          </p:nvPr>
+        </p:nvSpPr>
+        <p:spPr/>
+        <p:txBody>
+          <a:bodyPr/>
+          <a:lstStyle/>
+          <a:p>
+            <a:endParaRPr lang="pt-BR"/>
+          </a:p>
+        </p:txBody>
+      </p:sp>
+      <p:sp>
+        <p:nvSpPr>
+          <p:cNvPr id="6" name="Slide Number Placeholder 5"/>
+          <p:cNvSpPr>
+            <a:spLocks noGrp="1"/>
+          </p:cNvSpPr>
+          <p:nvPr>
+            <p:ph type="sldNum" sz="quarter" idx="12"/>
+          </p:nvPr>
+        </p:nvSpPr>
+        <p:spPr/>
+        <p:txBody>
+          <a:bodyPr/>
+          <a:lstStyle/>
+          <a:p>
+            <a:fld id="{8E6180DA-64DC-44B1-8F20-CA16BE66F0D3}" type="slidenum">
+              <a:rPr lang="pt-BR" smtClean="0"/>
+              <a:t>‹nº›</a:t>
+            </a:fld>
+            <a:endParaRPr lang="pt-BR"/>
+          </a:p>
+        </p:txBody>
+      </p:sp>
+      <p:cxnSp>
+        <p:nvCxnSpPr>
+          <p:cNvPr id="16" name="Straight Connector 15"/>
+          <p:cNvCxnSpPr/>
+          <p:nvPr/>
+        </p:nvCxnSpPr>
+        <p:spPr>
+          <a:xfrm flipH="1">
+            <a:off x="8228012" y="8467"/>
+            <a:ext cx="3810000" cy="3810000"/>
+          </a:xfrm>
+          <a:prstGeom prst="line">
+            <a:avLst/>
+          </a:prstGeom>
+          <a:ln w="12700">
+            <a:solidFill>
+              <a:schemeClr val="tx1"/>
+            </a:solidFill>
+          </a:ln>
+        </p:spPr>
+        <p:style>
+          <a:lnRef idx="2">
+            <a:schemeClr val="accent1"/>
+          </a:lnRef>
+          <a:fillRef idx="0">
+            <a:schemeClr val="accent1"/>
+          </a:fillRef>
+          <a:effectRef idx="1">
+            <a:schemeClr val="accent1"/>
+          </a:effectRef>
+          <a:fontRef idx="minor">
+            <a:schemeClr val="tx1"/>
+          </a:fontRef>
+        </p:style>
+      </p:cxnSp>
+      <p:cxnSp>
+        <p:nvCxnSpPr>
+          <p:cNvPr id="17" name="Straight Connector 16"/>
+          <p:cNvCxnSpPr/>
+          <p:nvPr/>
+        </p:nvCxnSpPr>
+        <p:spPr>
+          <a:xfrm flipH="1">
+            <a:off x="6108170" y="91545"/>
+            <a:ext cx="6080655" cy="6080655"/>
+          </a:xfrm>
+          <a:prstGeom prst="line">
+            <a:avLst/>
+          </a:prstGeom>
+          <a:ln w="12700">
+            <a:solidFill>
+              <a:schemeClr val="tx1"/>
+            </a:solidFill>
+          </a:ln>
+        </p:spPr>
+        <p:style>
+          <a:lnRef idx="2">
+            <a:schemeClr val="accent1"/>
+          </a:lnRef>
+          <a:fillRef idx="0">
+            <a:schemeClr val="accent1"/>
+          </a:fillRef>
+          <a:effectRef idx="1">
+            <a:schemeClr val="accent1"/>
+          </a:effectRef>
+          <a:fontRef idx="minor">
+            <a:schemeClr val="tx1"/>
+          </a:fontRef>
+        </p:style>
+      </p:cxnSp>
+      <p:cxnSp>
+        <p:nvCxnSpPr>
+          <p:cNvPr id="19" name="Straight Connector 18"/>
+          <p:cNvCxnSpPr/>
+          <p:nvPr/>
+        </p:nvCxnSpPr>
+        <p:spPr>
+          <a:xfrm flipH="1">
+            <a:off x="7235825" y="228600"/>
+            <a:ext cx="4953000" cy="4953000"/>
+          </a:xfrm>
+          <a:prstGeom prst="line">
+            <a:avLst/>
+          </a:prstGeom>
+          <a:ln w="12700">
+            <a:solidFill>
+              <a:schemeClr val="tx1"/>
+            </a:solidFill>
+          </a:ln>
+        </p:spPr>
+        <p:style>
+          <a:lnRef idx="2">
+            <a:schemeClr val="accent1"/>
+          </a:lnRef>
+          <a:fillRef idx="0">
+            <a:schemeClr val="accent1"/>
+          </a:fillRef>
+          <a:effectRef idx="1">
+            <a:schemeClr val="accent1"/>
+          </a:effectRef>
+          <a:fontRef idx="minor">
+            <a:schemeClr val="tx1"/>
+          </a:fontRef>
+        </p:style>
+      </p:cxnSp>
+      <p:cxnSp>
+        <p:nvCxnSpPr>
+          <p:cNvPr id="21" name="Straight Connector 20"/>
+          <p:cNvCxnSpPr/>
+          <p:nvPr/>
+        </p:nvCxnSpPr>
+        <p:spPr>
+          <a:xfrm flipH="1">
+            <a:off x="7335837" y="32278"/>
+            <a:ext cx="4852989" cy="4852989"/>
+          </a:xfrm>
+          <a:prstGeom prst="line">
+            <a:avLst/>
+          </a:prstGeom>
+          <a:ln w="31750">
+            <a:solidFill>
+              <a:schemeClr val="tx1"/>
+            </a:solidFill>
+          </a:ln>
+        </p:spPr>
+        <p:style>
+          <a:lnRef idx="2">
+            <a:schemeClr val="accent1"/>
+          </a:lnRef>
+          <a:fillRef idx="0">
+            <a:schemeClr val="accent1"/>
+          </a:fillRef>
+          <a:effectRef idx="1">
+            <a:schemeClr val="accent1"/>
+          </a:effectRef>
+          <a:fontRef idx="minor">
+            <a:schemeClr val="tx1"/>
+          </a:fontRef>
+        </p:style>
+      </p:cxnSp>
+      <p:cxnSp>
+        <p:nvCxnSpPr>
+          <p:cNvPr id="23" name="Straight Connector 22"/>
+          <p:cNvCxnSpPr/>
+          <p:nvPr/>
+        </p:nvCxnSpPr>
+        <p:spPr>
+          <a:xfrm flipH="1">
+            <a:off x="7845426" y="609601"/>
+            <a:ext cx="4343399" cy="4343399"/>
+          </a:xfrm>
+          <a:prstGeom prst="line">
+            <a:avLst/>
+          </a:prstGeom>
+          <a:ln w="31750">
+            <a:solidFill>
+              <a:schemeClr val="tx1"/>
+            </a:solidFill>
+          </a:ln>
+        </p:spPr>
+        <p:style>
+          <a:lnRef idx="2">
+            <a:schemeClr val="accent1"/>
+          </a:lnRef>
+          <a:fillRef idx="0">
+            <a:schemeClr val="accent1"/>
+          </a:fillRef>
+          <a:effectRef idx="1">
+            <a:schemeClr val="accent1"/>
+          </a:effectRef>
+          <a:fontRef idx="minor">
+            <a:schemeClr val="tx1"/>
+          </a:fontRef>
+        </p:style>
+      </p:cxnSp>
+    </p:spTree>
+    <p:extLst>
+      <p:ext uri="{BB962C8B-B14F-4D97-AF65-F5344CB8AC3E}">
+        <p14:creationId xmlns:p14="http://schemas.microsoft.com/office/powerpoint/2010/main" val="3978614535"/>
+      </p:ext>
+    </p:extLst>
+  </p:cSld>
+  <p:clrMapOvr>
+    <a:masterClrMapping/>
+  </p:clrMapOvr>
+</p:sldLayout>
+</file>
+
+<file path=ppt/slideLayouts/slideLayout13.xml><?xml version="1.0" encoding="utf-8"?>
+<p:sldLayout xmlns:a="http://schemas.openxmlformats.org/drawingml/2006/main" xmlns:r="http://schemas.openxmlformats.org/officeDocument/2006/relationships" xmlns:p="http://schemas.openxmlformats.org/presentationml/2006/main" type="obj" preserve="1">
+  <p:cSld name="Título e conteúdo">
+    <p:spTree>
+      <p:nvGrpSpPr>
+        <p:cNvPr id="1" name=""/>
+        <p:cNvGrpSpPr/>
+        <p:nvPr/>
+      </p:nvGrpSpPr>
+      <p:grpSpPr>
+        <a:xfrm>
+          <a:off x="0" y="0"/>
+          <a:ext cx="0" cy="0"/>
+          <a:chOff x="0" y="0"/>
+          <a:chExt cx="0" cy="0"/>
+        </a:xfrm>
+      </p:grpSpPr>
+      <p:sp>
+        <p:nvSpPr>
+          <p:cNvPr id="2" name="Title 1"/>
+          <p:cNvSpPr>
+            <a:spLocks noGrp="1"/>
+          </p:cNvSpPr>
+          <p:nvPr>
+            <p:ph type="title"/>
+          </p:nvPr>
+        </p:nvSpPr>
+        <p:spPr/>
+        <p:txBody>
+          <a:bodyPr/>
+          <a:lstStyle/>
+          <a:p>
+            <a:r>
+              <a:rPr lang="pt-BR" smtClean="0"/>
+              <a:t>Clique para editar o título mestre</a:t>
+            </a:r>
+            <a:endParaRPr lang="en-US" dirty="0"/>
+          </a:p>
+        </p:txBody>
+      </p:sp>
+      <p:sp>
+        <p:nvSpPr>
+          <p:cNvPr id="3" name="Content Placeholder 2"/>
+          <p:cNvSpPr>
+            <a:spLocks noGrp="1"/>
+          </p:cNvSpPr>
+          <p:nvPr>
+            <p:ph idx="1"/>
+          </p:nvPr>
+        </p:nvSpPr>
+        <p:spPr/>
+        <p:txBody>
+          <a:bodyPr anchor="ctr"/>
+          <a:lstStyle/>
+          <a:p>
+            <a:pPr lvl="0"/>
+            <a:r>
+              <a:rPr lang="pt-BR" smtClean="0"/>
+              <a:t>Clique para editar o texto mestre</a:t>
+            </a:r>
+          </a:p>
+          <a:p>
+            <a:pPr lvl="1"/>
+            <a:r>
+              <a:rPr lang="pt-BR" smtClean="0"/>
+              <a:t>Segundo nível</a:t>
+            </a:r>
+          </a:p>
+          <a:p>
+            <a:pPr lvl="2"/>
+            <a:r>
+              <a:rPr lang="pt-BR" smtClean="0"/>
+              <a:t>Terceiro nível</a:t>
+            </a:r>
+          </a:p>
+          <a:p>
+            <a:pPr lvl="3"/>
+            <a:r>
+              <a:rPr lang="pt-BR" smtClean="0"/>
+              <a:t>Quarto nível</a:t>
+            </a:r>
+          </a:p>
+          <a:p>
+            <a:pPr lvl="4"/>
+            <a:r>
+              <a:rPr lang="pt-BR" smtClean="0"/>
+              <a:t>Quinto nível</a:t>
+            </a:r>
+            <a:endParaRPr lang="en-US" dirty="0"/>
+          </a:p>
+        </p:txBody>
+      </p:sp>
+      <p:sp>
+        <p:nvSpPr>
+          <p:cNvPr id="4" name="Date Placeholder 3"/>
+          <p:cNvSpPr>
+            <a:spLocks noGrp="1"/>
+          </p:cNvSpPr>
+          <p:nvPr>
+            <p:ph type="dt" sz="half" idx="10"/>
+          </p:nvPr>
+        </p:nvSpPr>
+        <p:spPr/>
+        <p:txBody>
+          <a:bodyPr/>
+          <a:lstStyle/>
+          <a:p>
+            <a:fld id="{7DF38858-3E8E-405B-AC30-EE4890007BA2}" type="datetimeFigureOut">
+              <a:rPr lang="pt-BR" smtClean="0"/>
+              <a:t>18/05/2016</a:t>
+            </a:fld>
+            <a:endParaRPr lang="pt-BR"/>
+          </a:p>
+        </p:txBody>
+      </p:sp>
+      <p:sp>
+        <p:nvSpPr>
+          <p:cNvPr id="5" name="Footer Placeholder 4"/>
+          <p:cNvSpPr>
+            <a:spLocks noGrp="1"/>
+          </p:cNvSpPr>
+          <p:nvPr>
+            <p:ph type="ftr" sz="quarter" idx="11"/>
+          </p:nvPr>
+        </p:nvSpPr>
+        <p:spPr/>
+        <p:txBody>
+          <a:bodyPr/>
+          <a:lstStyle/>
+          <a:p>
+            <a:endParaRPr lang="pt-BR"/>
+          </a:p>
+        </p:txBody>
+      </p:sp>
+      <p:sp>
+        <p:nvSpPr>
+          <p:cNvPr id="6" name="Slide Number Placeholder 5"/>
+          <p:cNvSpPr>
+            <a:spLocks noGrp="1"/>
+          </p:cNvSpPr>
+          <p:nvPr>
+            <p:ph type="sldNum" sz="quarter" idx="12"/>
+          </p:nvPr>
+        </p:nvSpPr>
+        <p:spPr/>
+        <p:txBody>
+          <a:bodyPr/>
+          <a:lstStyle/>
+          <a:p>
+            <a:fld id="{8E6180DA-64DC-44B1-8F20-CA16BE66F0D3}" type="slidenum">
+              <a:rPr lang="pt-BR" smtClean="0"/>
+              <a:t>‹nº›</a:t>
+            </a:fld>
+            <a:endParaRPr lang="pt-BR"/>
+          </a:p>
+        </p:txBody>
+      </p:sp>
+    </p:spTree>
+    <p:extLst>
+      <p:ext uri="{BB962C8B-B14F-4D97-AF65-F5344CB8AC3E}">
+        <p14:creationId xmlns:p14="http://schemas.microsoft.com/office/powerpoint/2010/main" val="297307692"/>
+      </p:ext>
+    </p:extLst>
+  </p:cSld>
+  <p:clrMapOvr>
+    <a:masterClrMapping/>
+  </p:clrMapOvr>
+</p:sldLayout>
+</file>
+
+<file path=ppt/slideLayouts/slideLayout14.xml><?xml version="1.0" encoding="utf-8"?>
+<p:sldLayout xmlns:a="http://schemas.openxmlformats.org/drawingml/2006/main" xmlns:r="http://schemas.openxmlformats.org/officeDocument/2006/relationships" xmlns:p="http://schemas.openxmlformats.org/presentationml/2006/main" type="secHead" preserve="1">
+  <p:cSld name="Cabeçalho da Seção">
+    <p:spTree>
+      <p:nvGrpSpPr>
+        <p:cNvPr id="1" name=""/>
+        <p:cNvGrpSpPr/>
+        <p:nvPr/>
+      </p:nvGrpSpPr>
+      <p:grpSpPr>
+        <a:xfrm>
+          <a:off x="0" y="0"/>
+          <a:ext cx="0" cy="0"/>
+          <a:chOff x="0" y="0"/>
+          <a:chExt cx="0" cy="0"/>
+        </a:xfrm>
+      </p:grpSpPr>
+      <p:sp>
+        <p:nvSpPr>
+          <p:cNvPr id="2" name="Title 1"/>
+          <p:cNvSpPr>
+            <a:spLocks noGrp="1"/>
+          </p:cNvSpPr>
+          <p:nvPr>
+            <p:ph type="title"/>
+          </p:nvPr>
+        </p:nvSpPr>
+        <p:spPr>
+          <a:xfrm>
+            <a:off x="684211" y="2006600"/>
+            <a:ext cx="8534401" cy="2281600"/>
+          </a:xfrm>
+        </p:spPr>
+        <p:txBody>
+          <a:bodyPr anchor="b">
+            <a:normAutofit/>
+          </a:bodyPr>
+          <a:lstStyle>
+            <a:lvl1pPr algn="l">
+              <a:defRPr sz="3600" b="0" cap="all"/>
+            </a:lvl1pPr>
+          </a:lstStyle>
+          <a:p>
+            <a:r>
+              <a:rPr lang="pt-BR" smtClean="0"/>
+              <a:t>Clique para editar o título mestre</a:t>
+            </a:r>
+            <a:endParaRPr lang="en-US" dirty="0"/>
+          </a:p>
+        </p:txBody>
+      </p:sp>
+      <p:sp>
+        <p:nvSpPr>
+          <p:cNvPr id="3" name="Text Placeholder 2"/>
+          <p:cNvSpPr>
+            <a:spLocks noGrp="1"/>
+          </p:cNvSpPr>
+          <p:nvPr>
+            <p:ph type="body" idx="1"/>
+          </p:nvPr>
+        </p:nvSpPr>
+        <p:spPr>
+          <a:xfrm>
+            <a:off x="684213" y="4495800"/>
+            <a:ext cx="8534400" cy="1498600"/>
+          </a:xfrm>
+        </p:spPr>
+        <p:txBody>
+          <a:bodyPr anchor="t">
+            <a:normAutofit/>
+          </a:bodyPr>
+          <a:lstStyle>
+            <a:lvl1pPr marL="0" indent="0" algn="l">
+              <a:buNone/>
+              <a:defRPr sz="1800">
+                <a:solidFill>
+                  <a:schemeClr val="bg2">
+                    <a:lumMod val="75000"/>
+                  </a:schemeClr>
+                </a:solidFill>
+              </a:defRPr>
+            </a:lvl1pPr>
+            <a:lvl2pPr marL="457200" indent="0">
+              <a:buNone/>
+              <a:defRPr sz="1800">
+                <a:solidFill>
+                  <a:schemeClr val="tx1">
+                    <a:tint val="75000"/>
+                  </a:schemeClr>
+                </a:solidFill>
+              </a:defRPr>
+            </a:lvl2pPr>
+            <a:lvl3pPr marL="914400" indent="0">
+              <a:buNone/>
+              <a:defRPr sz="1600">
+                <a:solidFill>
+                  <a:schemeClr val="tx1">
+                    <a:tint val="75000"/>
+                  </a:schemeClr>
+                </a:solidFill>
+              </a:defRPr>
+            </a:lvl3pPr>
+            <a:lvl4pPr marL="1371600" indent="0">
+              <a:buNone/>
+              <a:defRPr sz="1400">
+                <a:solidFill>
+                  <a:schemeClr val="tx1">
+                    <a:tint val="75000"/>
+                  </a:schemeClr>
+                </a:solidFill>
+              </a:defRPr>
+            </a:lvl4pPr>
+            <a:lvl5pPr marL="1828800" indent="0">
+              <a:buNone/>
+              <a:defRPr sz="1400">
+                <a:solidFill>
+                  <a:schemeClr val="tx1">
+                    <a:tint val="75000"/>
+                  </a:schemeClr>
+                </a:solidFill>
+              </a:defRPr>
+            </a:lvl5pPr>
+            <a:lvl6pPr marL="2286000" indent="0">
+              <a:buNone/>
+              <a:defRPr sz="1400">
+                <a:solidFill>
+                  <a:schemeClr val="tx1">
+                    <a:tint val="75000"/>
+                  </a:schemeClr>
+                </a:solidFill>
+              </a:defRPr>
+            </a:lvl6pPr>
+            <a:lvl7pPr marL="2743200" indent="0">
+              <a:buNone/>
+              <a:defRPr sz="1400">
+                <a:solidFill>
+                  <a:schemeClr val="tx1">
+                    <a:tint val="75000"/>
+                  </a:schemeClr>
+                </a:solidFill>
+              </a:defRPr>
+            </a:lvl7pPr>
+            <a:lvl8pPr marL="3200400" indent="0">
+              <a:buNone/>
+              <a:defRPr sz="1400">
+                <a:solidFill>
+                  <a:schemeClr val="tx1">
+                    <a:tint val="75000"/>
+                  </a:schemeClr>
+                </a:solidFill>
+              </a:defRPr>
+            </a:lvl8pPr>
+            <a:lvl9pPr marL="3657600" indent="0">
+              <a:buNone/>
+              <a:defRPr sz="1400">
+                <a:solidFill>
+                  <a:schemeClr val="tx1">
+                    <a:tint val="75000"/>
+                  </a:schemeClr>
+                </a:solidFill>
+              </a:defRPr>
+            </a:lvl9pPr>
+          </a:lstStyle>
+          <a:p>
+            <a:pPr lvl="0"/>
+            <a:r>
+              <a:rPr lang="pt-BR" smtClean="0"/>
+              <a:t>Clique para editar o texto mestre</a:t>
+            </a:r>
+          </a:p>
+        </p:txBody>
+      </p:sp>
+      <p:sp>
+        <p:nvSpPr>
+          <p:cNvPr id="4" name="Date Placeholder 3"/>
+          <p:cNvSpPr>
+            <a:spLocks noGrp="1"/>
+          </p:cNvSpPr>
+          <p:nvPr>
+            <p:ph type="dt" sz="half" idx="10"/>
+          </p:nvPr>
+        </p:nvSpPr>
+        <p:spPr/>
+        <p:txBody>
+          <a:bodyPr/>
+          <a:lstStyle/>
+          <a:p>
+            <a:fld id="{7DF38858-3E8E-405B-AC30-EE4890007BA2}" type="datetimeFigureOut">
+              <a:rPr lang="pt-BR" smtClean="0"/>
+              <a:t>18/05/2016</a:t>
+            </a:fld>
+            <a:endParaRPr lang="pt-BR"/>
+          </a:p>
+        </p:txBody>
+      </p:sp>
+      <p:sp>
+        <p:nvSpPr>
+          <p:cNvPr id="5" name="Footer Placeholder 4"/>
+          <p:cNvSpPr>
+            <a:spLocks noGrp="1"/>
+          </p:cNvSpPr>
+          <p:nvPr>
+            <p:ph type="ftr" sz="quarter" idx="11"/>
+          </p:nvPr>
+        </p:nvSpPr>
+        <p:spPr/>
+        <p:txBody>
+          <a:bodyPr/>
+          <a:lstStyle/>
+          <a:p>
+            <a:endParaRPr lang="pt-BR"/>
+          </a:p>
+        </p:txBody>
+      </p:sp>
+      <p:sp>
+        <p:nvSpPr>
+          <p:cNvPr id="6" name="Slide Number Placeholder 5"/>
+          <p:cNvSpPr>
+            <a:spLocks noGrp="1"/>
+          </p:cNvSpPr>
+          <p:nvPr>
+            <p:ph type="sldNum" sz="quarter" idx="12"/>
+          </p:nvPr>
+        </p:nvSpPr>
+        <p:spPr/>
+        <p:txBody>
+          <a:bodyPr/>
+          <a:lstStyle/>
+          <a:p>
+            <a:fld id="{8E6180DA-64DC-44B1-8F20-CA16BE66F0D3}" type="slidenum">
+              <a:rPr lang="pt-BR" smtClean="0"/>
+              <a:t>‹nº›</a:t>
+            </a:fld>
+            <a:endParaRPr lang="pt-BR"/>
+          </a:p>
+        </p:txBody>
+      </p:sp>
+    </p:spTree>
+    <p:extLst>
+      <p:ext uri="{BB962C8B-B14F-4D97-AF65-F5344CB8AC3E}">
+        <p14:creationId xmlns:p14="http://schemas.microsoft.com/office/powerpoint/2010/main" val="3592874481"/>
+      </p:ext>
+    </p:extLst>
+  </p:cSld>
+  <p:clrMapOvr>
+    <a:masterClrMapping/>
+  </p:clrMapOvr>
+</p:sldLayout>
+</file>
+
+<file path=ppt/slideLayouts/slideLayout15.xml><?xml version="1.0" encoding="utf-8"?>
+<p:sldLayout xmlns:a="http://schemas.openxmlformats.org/drawingml/2006/main" xmlns:r="http://schemas.openxmlformats.org/officeDocument/2006/relationships" xmlns:p="http://schemas.openxmlformats.org/presentationml/2006/main" type="twoObj" preserve="1">
+  <p:cSld name="Duas Partes de Conteúdo">
+    <p:spTree>
+      <p:nvGrpSpPr>
+        <p:cNvPr id="1" name=""/>
+        <p:cNvGrpSpPr/>
+        <p:nvPr/>
+      </p:nvGrpSpPr>
+      <p:grpSpPr>
+        <a:xfrm>
+          <a:off x="0" y="0"/>
+          <a:ext cx="0" cy="0"/>
+          <a:chOff x="0" y="0"/>
+          <a:chExt cx="0" cy="0"/>
+        </a:xfrm>
+      </p:grpSpPr>
+      <p:sp>
+        <p:nvSpPr>
+          <p:cNvPr id="2" name="Title 1"/>
+          <p:cNvSpPr>
+            <a:spLocks noGrp="1"/>
+          </p:cNvSpPr>
+          <p:nvPr>
+            <p:ph type="title"/>
+          </p:nvPr>
+        </p:nvSpPr>
+        <p:spPr/>
+        <p:txBody>
+          <a:bodyPr/>
+          <a:lstStyle/>
+          <a:p>
+            <a:r>
+              <a:rPr lang="pt-BR" smtClean="0"/>
+              <a:t>Clique para editar o título mestre</a:t>
+            </a:r>
+            <a:endParaRPr lang="en-US" dirty="0"/>
+          </a:p>
+        </p:txBody>
+      </p:sp>
+      <p:sp>
+        <p:nvSpPr>
+          <p:cNvPr id="3" name="Content Placeholder 2"/>
+          <p:cNvSpPr>
+            <a:spLocks noGrp="1"/>
+          </p:cNvSpPr>
+          <p:nvPr>
+            <p:ph sz="half" idx="1"/>
+          </p:nvPr>
+        </p:nvSpPr>
+        <p:spPr>
+          <a:xfrm>
+            <a:off x="684211" y="685800"/>
+            <a:ext cx="4937655" cy="3615267"/>
+          </a:xfrm>
+        </p:spPr>
+        <p:txBody>
+          <a:bodyPr>
+            <a:normAutofit/>
+          </a:bodyPr>
+          <a:lstStyle/>
+          <a:p>
+            <a:pPr lvl="0"/>
+            <a:r>
+              <a:rPr lang="pt-BR" smtClean="0"/>
+              <a:t>Clique para editar o texto mestre</a:t>
+            </a:r>
+          </a:p>
+          <a:p>
+            <a:pPr lvl="1"/>
+            <a:r>
+              <a:rPr lang="pt-BR" smtClean="0"/>
+              <a:t>Segundo nível</a:t>
+            </a:r>
+          </a:p>
+          <a:p>
+            <a:pPr lvl="2"/>
+            <a:r>
+              <a:rPr lang="pt-BR" smtClean="0"/>
+              <a:t>Terceiro nível</a:t>
+            </a:r>
+          </a:p>
+          <a:p>
+            <a:pPr lvl="3"/>
+            <a:r>
+              <a:rPr lang="pt-BR" smtClean="0"/>
+              <a:t>Quarto nível</a:t>
+            </a:r>
+          </a:p>
+          <a:p>
+            <a:pPr lvl="4"/>
+            <a:r>
+              <a:rPr lang="pt-BR" smtClean="0"/>
+              <a:t>Quinto nível</a:t>
+            </a:r>
+            <a:endParaRPr lang="en-US" dirty="0"/>
+          </a:p>
+        </p:txBody>
+      </p:sp>
+      <p:sp>
+        <p:nvSpPr>
+          <p:cNvPr id="4" name="Content Placeholder 3"/>
+          <p:cNvSpPr>
+            <a:spLocks noGrp="1"/>
+          </p:cNvSpPr>
+          <p:nvPr>
+            <p:ph sz="half" idx="2"/>
+          </p:nvPr>
+        </p:nvSpPr>
+        <p:spPr>
+          <a:xfrm>
+            <a:off x="5808133" y="685801"/>
+            <a:ext cx="4934479" cy="3615266"/>
+          </a:xfrm>
+        </p:spPr>
+        <p:txBody>
+          <a:bodyPr>
+            <a:normAutofit/>
+          </a:bodyPr>
+          <a:lstStyle/>
+          <a:p>
+            <a:pPr lvl="0"/>
+            <a:r>
+              <a:rPr lang="pt-BR" smtClean="0"/>
+              <a:t>Clique para editar o texto mestre</a:t>
+            </a:r>
+          </a:p>
+          <a:p>
+            <a:pPr lvl="1"/>
+            <a:r>
+              <a:rPr lang="pt-BR" smtClean="0"/>
+              <a:t>Segundo nível</a:t>
+            </a:r>
+          </a:p>
+          <a:p>
+            <a:pPr lvl="2"/>
+            <a:r>
+              <a:rPr lang="pt-BR" smtClean="0"/>
+              <a:t>Terceiro nível</a:t>
+            </a:r>
+          </a:p>
+          <a:p>
+            <a:pPr lvl="3"/>
+            <a:r>
+              <a:rPr lang="pt-BR" smtClean="0"/>
+              <a:t>Quarto nível</a:t>
+            </a:r>
+          </a:p>
+          <a:p>
+            <a:pPr lvl="4"/>
+            <a:r>
+              <a:rPr lang="pt-BR" smtClean="0"/>
+              <a:t>Quinto nível</a:t>
+            </a:r>
+            <a:endParaRPr lang="en-US" dirty="0"/>
+          </a:p>
+        </p:txBody>
+      </p:sp>
+      <p:sp>
+        <p:nvSpPr>
+          <p:cNvPr id="5" name="Date Placeholder 4"/>
+          <p:cNvSpPr>
+            <a:spLocks noGrp="1"/>
+          </p:cNvSpPr>
+          <p:nvPr>
+            <p:ph type="dt" sz="half" idx="10"/>
+          </p:nvPr>
+        </p:nvSpPr>
+        <p:spPr/>
+        <p:txBody>
+          <a:bodyPr/>
+          <a:lstStyle/>
+          <a:p>
+            <a:fld id="{7DF38858-3E8E-405B-AC30-EE4890007BA2}" type="datetimeFigureOut">
+              <a:rPr lang="pt-BR" smtClean="0"/>
+              <a:t>18/05/2016</a:t>
+            </a:fld>
+            <a:endParaRPr lang="pt-BR"/>
+          </a:p>
+        </p:txBody>
+      </p:sp>
+      <p:sp>
+        <p:nvSpPr>
+          <p:cNvPr id="6" name="Footer Placeholder 5"/>
+          <p:cNvSpPr>
+            <a:spLocks noGrp="1"/>
+          </p:cNvSpPr>
+          <p:nvPr>
+            <p:ph type="ftr" sz="quarter" idx="11"/>
+          </p:nvPr>
+        </p:nvSpPr>
+        <p:spPr/>
+        <p:txBody>
+          <a:bodyPr/>
+          <a:lstStyle/>
+          <a:p>
+            <a:endParaRPr lang="pt-BR"/>
+          </a:p>
+        </p:txBody>
+      </p:sp>
+      <p:sp>
+        <p:nvSpPr>
+          <p:cNvPr id="7" name="Slide Number Placeholder 6"/>
+          <p:cNvSpPr>
+            <a:spLocks noGrp="1"/>
+          </p:cNvSpPr>
+          <p:nvPr>
+            <p:ph type="sldNum" sz="quarter" idx="12"/>
+          </p:nvPr>
+        </p:nvSpPr>
+        <p:spPr/>
+        <p:txBody>
+          <a:bodyPr/>
+          <a:lstStyle/>
+          <a:p>
+            <a:fld id="{8E6180DA-64DC-44B1-8F20-CA16BE66F0D3}" type="slidenum">
+              <a:rPr lang="pt-BR" smtClean="0"/>
+              <a:t>‹nº›</a:t>
+            </a:fld>
+            <a:endParaRPr lang="pt-BR"/>
+          </a:p>
+        </p:txBody>
+      </p:sp>
+    </p:spTree>
+    <p:extLst>
+      <p:ext uri="{BB962C8B-B14F-4D97-AF65-F5344CB8AC3E}">
+        <p14:creationId xmlns:p14="http://schemas.microsoft.com/office/powerpoint/2010/main" val="832287553"/>
+      </p:ext>
+    </p:extLst>
+  </p:cSld>
+  <p:clrMapOvr>
+    <a:masterClrMapping/>
+  </p:clrMapOvr>
+</p:sldLayout>
+</file>
+
+<file path=ppt/slideLayouts/slideLayout16.xml><?xml version="1.0" encoding="utf-8"?>
+<p:sldLayout xmlns:a="http://schemas.openxmlformats.org/drawingml/2006/main" xmlns:r="http://schemas.openxmlformats.org/officeDocument/2006/relationships" xmlns:p="http://schemas.openxmlformats.org/presentationml/2006/main" type="twoTxTwoObj" preserve="1">
+  <p:cSld name="Comparação">
+    <p:spTree>
+      <p:nvGrpSpPr>
+        <p:cNvPr id="1" name=""/>
+        <p:cNvGrpSpPr/>
+        <p:nvPr/>
+      </p:nvGrpSpPr>
+      <p:grpSpPr>
+        <a:xfrm>
+          <a:off x="0" y="0"/>
+          <a:ext cx="0" cy="0"/>
+          <a:chOff x="0" y="0"/>
+          <a:chExt cx="0" cy="0"/>
+        </a:xfrm>
+      </p:grpSpPr>
+      <p:sp>
+        <p:nvSpPr>
+          <p:cNvPr id="2" name="Title 1"/>
+          <p:cNvSpPr>
+            <a:spLocks noGrp="1"/>
+          </p:cNvSpPr>
+          <p:nvPr>
+            <p:ph type="title"/>
+          </p:nvPr>
+        </p:nvSpPr>
+        <p:spPr/>
+        <p:txBody>
+          <a:bodyPr/>
+          <a:lstStyle>
+            <a:lvl1pPr>
+              <a:defRPr/>
+            </a:lvl1pPr>
+          </a:lstStyle>
+          <a:p>
+            <a:r>
+              <a:rPr lang="pt-BR" smtClean="0"/>
+              <a:t>Clique para editar o título mestre</a:t>
+            </a:r>
+            <a:endParaRPr lang="en-US" dirty="0"/>
+          </a:p>
+        </p:txBody>
+      </p:sp>
+      <p:sp>
+        <p:nvSpPr>
+          <p:cNvPr id="3" name="Text Placeholder 2"/>
+          <p:cNvSpPr>
+            <a:spLocks noGrp="1"/>
+          </p:cNvSpPr>
+          <p:nvPr>
+            <p:ph type="body" idx="1"/>
+          </p:nvPr>
+        </p:nvSpPr>
+        <p:spPr>
+          <a:xfrm>
+            <a:off x="972080" y="685800"/>
+            <a:ext cx="4649787" cy="576262"/>
+          </a:xfrm>
+        </p:spPr>
+        <p:txBody>
+          <a:bodyPr anchor="b">
+            <a:noAutofit/>
+          </a:bodyPr>
+          <a:lstStyle>
+            <a:lvl1pPr marL="0" indent="0">
+              <a:buNone/>
+              <a:defRPr sz="2800" b="0">
+                <a:solidFill>
+                  <a:schemeClr val="tx1"/>
+                </a:solidFill>
+              </a:defRPr>
+            </a:lvl1pPr>
+            <a:lvl2pPr marL="457200" indent="0">
+              <a:buNone/>
+              <a:defRPr sz="2000" b="1"/>
+            </a:lvl2pPr>
+            <a:lvl3pPr marL="914400" indent="0">
+              <a:buNone/>
+              <a:defRPr sz="1800" b="1"/>
+            </a:lvl3pPr>
+            <a:lvl4pPr marL="1371600" indent="0">
+              <a:buNone/>
+              <a:defRPr sz="1600" b="1"/>
+            </a:lvl4pPr>
+            <a:lvl5pPr marL="1828800" indent="0">
+              <a:buNone/>
+              <a:defRPr sz="1600" b="1"/>
+            </a:lvl5pPr>
+            <a:lvl6pPr marL="2286000" indent="0">
+              <a:buNone/>
+              <a:defRPr sz="1600" b="1"/>
+            </a:lvl6pPr>
+            <a:lvl7pPr marL="2743200" indent="0">
+              <a:buNone/>
+              <a:defRPr sz="1600" b="1"/>
+            </a:lvl7pPr>
+            <a:lvl8pPr marL="3200400" indent="0">
+              <a:buNone/>
+              <a:defRPr sz="1600" b="1"/>
+            </a:lvl8pPr>
+            <a:lvl9pPr marL="3657600" indent="0">
+              <a:buNone/>
+              <a:defRPr sz="1600" b="1"/>
+            </a:lvl9pPr>
+          </a:lstStyle>
+          <a:p>
+            <a:pPr lvl="0"/>
+            <a:r>
+              <a:rPr lang="pt-BR" smtClean="0"/>
+              <a:t>Clique para editar o texto mestre</a:t>
+            </a:r>
+          </a:p>
+        </p:txBody>
+      </p:sp>
+      <p:sp>
+        <p:nvSpPr>
+          <p:cNvPr id="4" name="Content Placeholder 3"/>
+          <p:cNvSpPr>
+            <a:spLocks noGrp="1"/>
+          </p:cNvSpPr>
+          <p:nvPr>
+            <p:ph sz="half" idx="2"/>
+          </p:nvPr>
+        </p:nvSpPr>
+        <p:spPr>
+          <a:xfrm>
+            <a:off x="684211" y="1270529"/>
+            <a:ext cx="4937655" cy="3030538"/>
+          </a:xfrm>
+        </p:spPr>
+        <p:txBody>
+          <a:bodyPr anchor="t">
+            <a:normAutofit/>
+          </a:bodyPr>
+          <a:lstStyle/>
+          <a:p>
+            <a:pPr lvl="0"/>
+            <a:r>
+              <a:rPr lang="pt-BR" smtClean="0"/>
+              <a:t>Clique para editar o texto mestre</a:t>
+            </a:r>
+          </a:p>
+          <a:p>
+            <a:pPr lvl="1"/>
+            <a:r>
+              <a:rPr lang="pt-BR" smtClean="0"/>
+              <a:t>Segundo nível</a:t>
+            </a:r>
+          </a:p>
+          <a:p>
+            <a:pPr lvl="2"/>
+            <a:r>
+              <a:rPr lang="pt-BR" smtClean="0"/>
+              <a:t>Terceiro nível</a:t>
+            </a:r>
+          </a:p>
+          <a:p>
+            <a:pPr lvl="3"/>
+            <a:r>
+              <a:rPr lang="pt-BR" smtClean="0"/>
+              <a:t>Quarto nível</a:t>
+            </a:r>
+          </a:p>
+          <a:p>
+            <a:pPr lvl="4"/>
+            <a:r>
+              <a:rPr lang="pt-BR" smtClean="0"/>
+              <a:t>Quinto nível</a:t>
+            </a:r>
+            <a:endParaRPr lang="en-US" dirty="0"/>
+          </a:p>
+        </p:txBody>
+      </p:sp>
+      <p:sp>
+        <p:nvSpPr>
+          <p:cNvPr id="5" name="Text Placeholder 4"/>
+          <p:cNvSpPr>
+            <a:spLocks noGrp="1"/>
+          </p:cNvSpPr>
+          <p:nvPr>
+            <p:ph type="body" sz="quarter" idx="3"/>
+          </p:nvPr>
+        </p:nvSpPr>
+        <p:spPr>
+          <a:xfrm>
+            <a:off x="6079066" y="685800"/>
+            <a:ext cx="4665134" cy="576262"/>
+          </a:xfrm>
+        </p:spPr>
+        <p:txBody>
+          <a:bodyPr anchor="b">
+            <a:noAutofit/>
+          </a:bodyPr>
+          <a:lstStyle>
+            <a:lvl1pPr marL="0" indent="0">
+              <a:buNone/>
+              <a:defRPr sz="2800" b="0">
+                <a:solidFill>
+                  <a:schemeClr val="tx1"/>
+                </a:solidFill>
+              </a:defRPr>
+            </a:lvl1pPr>
+            <a:lvl2pPr marL="457200" indent="0">
+              <a:buNone/>
+              <a:defRPr sz="2000" b="1"/>
+            </a:lvl2pPr>
+            <a:lvl3pPr marL="914400" indent="0">
+              <a:buNone/>
+              <a:defRPr sz="1800" b="1"/>
+            </a:lvl3pPr>
+            <a:lvl4pPr marL="1371600" indent="0">
+              <a:buNone/>
+              <a:defRPr sz="1600" b="1"/>
+            </a:lvl4pPr>
+            <a:lvl5pPr marL="1828800" indent="0">
+              <a:buNone/>
+              <a:defRPr sz="1600" b="1"/>
+            </a:lvl5pPr>
+            <a:lvl6pPr marL="2286000" indent="0">
+              <a:buNone/>
+              <a:defRPr sz="1600" b="1"/>
+            </a:lvl6pPr>
+            <a:lvl7pPr marL="2743200" indent="0">
+              <a:buNone/>
+              <a:defRPr sz="1600" b="1"/>
+            </a:lvl7pPr>
+            <a:lvl8pPr marL="3200400" indent="0">
+              <a:buNone/>
+              <a:defRPr sz="1600" b="1"/>
+            </a:lvl8pPr>
+            <a:lvl9pPr marL="3657600" indent="0">
+              <a:buNone/>
+              <a:defRPr sz="1600" b="1"/>
+            </a:lvl9pPr>
+          </a:lstStyle>
+          <a:p>
+            <a:pPr lvl="0"/>
+            <a:r>
+              <a:rPr lang="pt-BR" smtClean="0"/>
+              <a:t>Clique para editar o texto mestre</a:t>
+            </a:r>
+          </a:p>
+        </p:txBody>
+      </p:sp>
+      <p:sp>
+        <p:nvSpPr>
+          <p:cNvPr id="6" name="Content Placeholder 5"/>
+          <p:cNvSpPr>
+            <a:spLocks noGrp="1"/>
+          </p:cNvSpPr>
+          <p:nvPr>
+            <p:ph sz="quarter" idx="4"/>
+          </p:nvPr>
+        </p:nvSpPr>
+        <p:spPr>
+          <a:xfrm>
+            <a:off x="5806545" y="1262062"/>
+            <a:ext cx="4929188" cy="3030538"/>
+          </a:xfrm>
+        </p:spPr>
+        <p:txBody>
+          <a:bodyPr anchor="t">
+            <a:normAutofit/>
+          </a:bodyPr>
+          <a:lstStyle/>
+          <a:p>
+            <a:pPr lvl="0"/>
+            <a:r>
+              <a:rPr lang="pt-BR" smtClean="0"/>
+              <a:t>Clique para editar o texto mestre</a:t>
+            </a:r>
+          </a:p>
+          <a:p>
+            <a:pPr lvl="1"/>
+            <a:r>
+              <a:rPr lang="pt-BR" smtClean="0"/>
+              <a:t>Segundo nível</a:t>
+            </a:r>
+          </a:p>
+          <a:p>
+            <a:pPr lvl="2"/>
+            <a:r>
+              <a:rPr lang="pt-BR" smtClean="0"/>
+              <a:t>Terceiro nível</a:t>
+            </a:r>
+          </a:p>
+          <a:p>
+            <a:pPr lvl="3"/>
+            <a:r>
+              <a:rPr lang="pt-BR" smtClean="0"/>
+              <a:t>Quarto nível</a:t>
+            </a:r>
+          </a:p>
+          <a:p>
+            <a:pPr lvl="4"/>
+            <a:r>
+              <a:rPr lang="pt-BR" smtClean="0"/>
+              <a:t>Quinto nível</a:t>
+            </a:r>
+            <a:endParaRPr lang="en-US" dirty="0"/>
+          </a:p>
+        </p:txBody>
+      </p:sp>
+      <p:sp>
+        <p:nvSpPr>
+          <p:cNvPr id="7" name="Date Placeholder 6"/>
+          <p:cNvSpPr>
+            <a:spLocks noGrp="1"/>
+          </p:cNvSpPr>
+          <p:nvPr>
+            <p:ph type="dt" sz="half" idx="10"/>
+          </p:nvPr>
+        </p:nvSpPr>
+        <p:spPr/>
+        <p:txBody>
+          <a:bodyPr/>
+          <a:lstStyle/>
+          <a:p>
+            <a:fld id="{7DF38858-3E8E-405B-AC30-EE4890007BA2}" type="datetimeFigureOut">
+              <a:rPr lang="pt-BR" smtClean="0"/>
+              <a:t>18/05/2016</a:t>
+            </a:fld>
+            <a:endParaRPr lang="pt-BR"/>
+          </a:p>
+        </p:txBody>
+      </p:sp>
+      <p:sp>
+        <p:nvSpPr>
+          <p:cNvPr id="8" name="Footer Placeholder 7"/>
+          <p:cNvSpPr>
+            <a:spLocks noGrp="1"/>
+          </p:cNvSpPr>
+          <p:nvPr>
+            <p:ph type="ftr" sz="quarter" idx="11"/>
+          </p:nvPr>
+        </p:nvSpPr>
+        <p:spPr/>
+        <p:txBody>
+          <a:bodyPr/>
+          <a:lstStyle/>
+          <a:p>
+            <a:endParaRPr lang="pt-BR"/>
+          </a:p>
+        </p:txBody>
+      </p:sp>
+      <p:sp>
+        <p:nvSpPr>
+          <p:cNvPr id="9" name="Slide Number Placeholder 8"/>
+          <p:cNvSpPr>
+            <a:spLocks noGrp="1"/>
+          </p:cNvSpPr>
+          <p:nvPr>
+            <p:ph type="sldNum" sz="quarter" idx="12"/>
+          </p:nvPr>
+        </p:nvSpPr>
+        <p:spPr/>
+        <p:txBody>
+          <a:bodyPr/>
+          <a:lstStyle/>
+          <a:p>
+            <a:fld id="{8E6180DA-64DC-44B1-8F20-CA16BE66F0D3}" type="slidenum">
+              <a:rPr lang="pt-BR" smtClean="0"/>
+              <a:t>‹nº›</a:t>
+            </a:fld>
+            <a:endParaRPr lang="pt-BR"/>
+          </a:p>
+        </p:txBody>
+      </p:sp>
+    </p:spTree>
+    <p:extLst>
+      <p:ext uri="{BB962C8B-B14F-4D97-AF65-F5344CB8AC3E}">
+        <p14:creationId xmlns:p14="http://schemas.microsoft.com/office/powerpoint/2010/main" val="3334154438"/>
+      </p:ext>
+    </p:extLst>
+  </p:cSld>
+  <p:clrMapOvr>
+    <a:masterClrMapping/>
+  </p:clrMapOvr>
+</p:sldLayout>
+</file>
+
+<file path=ppt/slideLayouts/slideLayout17.xml><?xml version="1.0" encoding="utf-8"?>
+<p:sldLayout xmlns:a="http://schemas.openxmlformats.org/drawingml/2006/main" xmlns:r="http://schemas.openxmlformats.org/officeDocument/2006/relationships" xmlns:p="http://schemas.openxmlformats.org/presentationml/2006/main" type="titleOnly" preserve="1">
+  <p:cSld name="Somente título">
+    <p:spTree>
+      <p:nvGrpSpPr>
+        <p:cNvPr id="1" name=""/>
+        <p:cNvGrpSpPr/>
+        <p:nvPr/>
+      </p:nvGrpSpPr>
+      <p:grpSpPr>
+        <a:xfrm>
+          <a:off x="0" y="0"/>
+          <a:ext cx="0" cy="0"/>
+          <a:chOff x="0" y="0"/>
+          <a:chExt cx="0" cy="0"/>
+        </a:xfrm>
+      </p:grpSpPr>
+      <p:sp>
+        <p:nvSpPr>
+          <p:cNvPr id="2" name="Title 1"/>
+          <p:cNvSpPr>
+            <a:spLocks noGrp="1"/>
+          </p:cNvSpPr>
+          <p:nvPr>
+            <p:ph type="title"/>
+          </p:nvPr>
+        </p:nvSpPr>
+        <p:spPr/>
+        <p:txBody>
+          <a:bodyPr/>
+          <a:lstStyle/>
+          <a:p>
+            <a:r>
+              <a:rPr lang="pt-BR" smtClean="0"/>
+              <a:t>Clique para editar o título mestre</a:t>
+            </a:r>
+            <a:endParaRPr lang="en-US" dirty="0"/>
+          </a:p>
+        </p:txBody>
+      </p:sp>
+      <p:sp>
+        <p:nvSpPr>
+          <p:cNvPr id="3" name="Date Placeholder 2"/>
+          <p:cNvSpPr>
+            <a:spLocks noGrp="1"/>
+          </p:cNvSpPr>
+          <p:nvPr>
+            <p:ph type="dt" sz="half" idx="10"/>
+          </p:nvPr>
+        </p:nvSpPr>
+        <p:spPr/>
+        <p:txBody>
+          <a:bodyPr/>
+          <a:lstStyle/>
+          <a:p>
+            <a:fld id="{7DF38858-3E8E-405B-AC30-EE4890007BA2}" type="datetimeFigureOut">
+              <a:rPr lang="pt-BR" smtClean="0"/>
+              <a:t>18/05/2016</a:t>
+            </a:fld>
+            <a:endParaRPr lang="pt-BR"/>
+          </a:p>
+        </p:txBody>
+      </p:sp>
+      <p:sp>
+        <p:nvSpPr>
+          <p:cNvPr id="4" name="Footer Placeholder 3"/>
+          <p:cNvSpPr>
+            <a:spLocks noGrp="1"/>
+          </p:cNvSpPr>
+          <p:nvPr>
+            <p:ph type="ftr" sz="quarter" idx="11"/>
+          </p:nvPr>
+        </p:nvSpPr>
+        <p:spPr/>
+        <p:txBody>
+          <a:bodyPr/>
+          <a:lstStyle/>
+          <a:p>
+            <a:endParaRPr lang="pt-BR"/>
+          </a:p>
+        </p:txBody>
+      </p:sp>
+      <p:sp>
+        <p:nvSpPr>
+          <p:cNvPr id="5" name="Slide Number Placeholder 4"/>
+          <p:cNvSpPr>
+            <a:spLocks noGrp="1"/>
+          </p:cNvSpPr>
+          <p:nvPr>
+            <p:ph type="sldNum" sz="quarter" idx="12"/>
+          </p:nvPr>
+        </p:nvSpPr>
+        <p:spPr/>
+        <p:txBody>
+          <a:bodyPr/>
+          <a:lstStyle/>
+          <a:p>
+            <a:fld id="{8E6180DA-64DC-44B1-8F20-CA16BE66F0D3}" type="slidenum">
+              <a:rPr lang="pt-BR" smtClean="0"/>
+              <a:t>‹nº›</a:t>
+            </a:fld>
+            <a:endParaRPr lang="pt-BR"/>
+          </a:p>
+        </p:txBody>
+      </p:sp>
+    </p:spTree>
+    <p:extLst>
+      <p:ext uri="{BB962C8B-B14F-4D97-AF65-F5344CB8AC3E}">
+        <p14:creationId xmlns:p14="http://schemas.microsoft.com/office/powerpoint/2010/main" val="1642878444"/>
+      </p:ext>
+    </p:extLst>
+  </p:cSld>
+  <p:clrMapOvr>
+    <a:masterClrMapping/>
+  </p:clrMapOvr>
+</p:sldLayout>
+</file>
+
+<file path=ppt/slideLayouts/slideLayout18.xml><?xml version="1.0" encoding="utf-8"?>
+<p:sldLayout xmlns:a="http://schemas.openxmlformats.org/drawingml/2006/main" xmlns:r="http://schemas.openxmlformats.org/officeDocument/2006/relationships" xmlns:p="http://schemas.openxmlformats.org/presentationml/2006/main" type="blank" preserve="1">
+  <p:cSld name="Em branco">
+    <p:spTree>
+      <p:nvGrpSpPr>
+        <p:cNvPr id="1" name=""/>
+        <p:cNvGrpSpPr/>
+        <p:nvPr/>
+      </p:nvGrpSpPr>
+      <p:grpSpPr>
+        <a:xfrm>
+          <a:off x="0" y="0"/>
+          <a:ext cx="0" cy="0"/>
+          <a:chOff x="0" y="0"/>
+          <a:chExt cx="0" cy="0"/>
+        </a:xfrm>
+      </p:grpSpPr>
+      <p:sp>
+        <p:nvSpPr>
+          <p:cNvPr id="2" name="Date Placeholder 1"/>
+          <p:cNvSpPr>
+            <a:spLocks noGrp="1"/>
+          </p:cNvSpPr>
+          <p:nvPr>
+            <p:ph type="dt" sz="half" idx="10"/>
+          </p:nvPr>
+        </p:nvSpPr>
+        <p:spPr/>
+        <p:txBody>
+          <a:bodyPr/>
+          <a:lstStyle/>
+          <a:p>
+            <a:fld id="{7DF38858-3E8E-405B-AC30-EE4890007BA2}" type="datetimeFigureOut">
+              <a:rPr lang="pt-BR" smtClean="0"/>
+              <a:t>18/05/2016</a:t>
+            </a:fld>
+            <a:endParaRPr lang="pt-BR"/>
+          </a:p>
+        </p:txBody>
+      </p:sp>
+      <p:sp>
+        <p:nvSpPr>
+          <p:cNvPr id="3" name="Footer Placeholder 2"/>
+          <p:cNvSpPr>
+            <a:spLocks noGrp="1"/>
+          </p:cNvSpPr>
+          <p:nvPr>
+            <p:ph type="ftr" sz="quarter" idx="11"/>
+          </p:nvPr>
+        </p:nvSpPr>
+        <p:spPr/>
+        <p:txBody>
+          <a:bodyPr/>
+          <a:lstStyle/>
+          <a:p>
+            <a:endParaRPr lang="pt-BR"/>
+          </a:p>
+        </p:txBody>
+      </p:sp>
+      <p:sp>
+        <p:nvSpPr>
+          <p:cNvPr id="4" name="Slide Number Placeholder 3"/>
+          <p:cNvSpPr>
+            <a:spLocks noGrp="1"/>
+          </p:cNvSpPr>
+          <p:nvPr>
+            <p:ph type="sldNum" sz="quarter" idx="12"/>
+          </p:nvPr>
+        </p:nvSpPr>
+        <p:spPr/>
+        <p:txBody>
+          <a:bodyPr/>
+          <a:lstStyle/>
+          <a:p>
+            <a:fld id="{8E6180DA-64DC-44B1-8F20-CA16BE66F0D3}" type="slidenum">
+              <a:rPr lang="pt-BR" smtClean="0"/>
+              <a:t>‹nº›</a:t>
+            </a:fld>
+            <a:endParaRPr lang="pt-BR"/>
+          </a:p>
+        </p:txBody>
+      </p:sp>
+    </p:spTree>
+    <p:extLst>
+      <p:ext uri="{BB962C8B-B14F-4D97-AF65-F5344CB8AC3E}">
+        <p14:creationId xmlns:p14="http://schemas.microsoft.com/office/powerpoint/2010/main" val="1991414163"/>
+      </p:ext>
+    </p:extLst>
+  </p:cSld>
+  <p:clrMapOvr>
+    <a:masterClrMapping/>
+  </p:clrMapOvr>
+</p:sldLayout>
+</file>
+
+<file path=ppt/slideLayouts/slideLayout19.xml><?xml version="1.0" encoding="utf-8"?>
+<p:sldLayout xmlns:a="http://schemas.openxmlformats.org/drawingml/2006/main" xmlns:r="http://schemas.openxmlformats.org/officeDocument/2006/relationships" xmlns:p="http://schemas.openxmlformats.org/presentationml/2006/main" type="objTx" preserve="1">
+  <p:cSld name="Conteúdo com Legenda">
+    <p:spTree>
+      <p:nvGrpSpPr>
+        <p:cNvPr id="1" name=""/>
+        <p:cNvGrpSpPr/>
+        <p:nvPr/>
+      </p:nvGrpSpPr>
+      <p:grpSpPr>
+        <a:xfrm>
+          <a:off x="0" y="0"/>
+          <a:ext cx="0" cy="0"/>
+          <a:chOff x="0" y="0"/>
+          <a:chExt cx="0" cy="0"/>
+        </a:xfrm>
+      </p:grpSpPr>
+      <p:sp>
+        <p:nvSpPr>
+          <p:cNvPr id="2" name="Title 1"/>
+          <p:cNvSpPr>
+            <a:spLocks noGrp="1"/>
+          </p:cNvSpPr>
+          <p:nvPr>
+            <p:ph type="title"/>
+          </p:nvPr>
+        </p:nvSpPr>
+        <p:spPr>
+          <a:xfrm>
+            <a:off x="7085012" y="685800"/>
+            <a:ext cx="3657600" cy="1371600"/>
+          </a:xfrm>
+        </p:spPr>
+        <p:txBody>
+          <a:bodyPr anchor="b">
+            <a:normAutofit/>
+          </a:bodyPr>
+          <a:lstStyle>
+            <a:lvl1pPr algn="l">
+              <a:defRPr sz="2400" b="0"/>
+            </a:lvl1pPr>
+          </a:lstStyle>
+          <a:p>
+            <a:r>
+              <a:rPr lang="pt-BR" smtClean="0"/>
+              <a:t>Clique para editar o título mestre</a:t>
+            </a:r>
+            <a:endParaRPr lang="en-US" dirty="0"/>
+          </a:p>
+        </p:txBody>
+      </p:sp>
+      <p:sp>
+        <p:nvSpPr>
+          <p:cNvPr id="3" name="Content Placeholder 2"/>
+          <p:cNvSpPr>
+            <a:spLocks noGrp="1"/>
+          </p:cNvSpPr>
+          <p:nvPr>
+            <p:ph idx="1"/>
+          </p:nvPr>
+        </p:nvSpPr>
+        <p:spPr>
+          <a:xfrm>
+            <a:off x="684212" y="685800"/>
+            <a:ext cx="5943601" cy="5308600"/>
+          </a:xfrm>
+        </p:spPr>
+        <p:txBody>
+          <a:bodyPr anchor="ctr">
+            <a:normAutofit/>
+          </a:bodyPr>
+          <a:lstStyle/>
+          <a:p>
+            <a:pPr lvl="0"/>
+            <a:r>
+              <a:rPr lang="pt-BR" smtClean="0"/>
+              <a:t>Clique para editar o texto mestre</a:t>
+            </a:r>
+          </a:p>
+          <a:p>
+            <a:pPr lvl="1"/>
+            <a:r>
+              <a:rPr lang="pt-BR" smtClean="0"/>
+              <a:t>Segundo nível</a:t>
+            </a:r>
+          </a:p>
+          <a:p>
+            <a:pPr lvl="2"/>
+            <a:r>
+              <a:rPr lang="pt-BR" smtClean="0"/>
+              <a:t>Terceiro nível</a:t>
+            </a:r>
+          </a:p>
+          <a:p>
+            <a:pPr lvl="3"/>
+            <a:r>
+              <a:rPr lang="pt-BR" smtClean="0"/>
+              <a:t>Quarto nível</a:t>
+            </a:r>
+          </a:p>
+          <a:p>
+            <a:pPr lvl="4"/>
+            <a:r>
+              <a:rPr lang="pt-BR" smtClean="0"/>
+              <a:t>Quinto nível</a:t>
+            </a:r>
+            <a:endParaRPr lang="en-US" dirty="0"/>
+          </a:p>
+        </p:txBody>
+      </p:sp>
+      <p:sp>
+        <p:nvSpPr>
+          <p:cNvPr id="4" name="Text Placeholder 3"/>
+          <p:cNvSpPr>
+            <a:spLocks noGrp="1"/>
+          </p:cNvSpPr>
+          <p:nvPr>
+            <p:ph type="body" sz="half" idx="2"/>
+          </p:nvPr>
+        </p:nvSpPr>
+        <p:spPr>
+          <a:xfrm>
+            <a:off x="7085012" y="2209799"/>
+            <a:ext cx="3657600" cy="2091267"/>
+          </a:xfrm>
+        </p:spPr>
+        <p:txBody>
+          <a:bodyPr anchor="t">
+            <a:normAutofit/>
+          </a:bodyPr>
+          <a:lstStyle>
+            <a:lvl1pPr marL="0" indent="0">
+              <a:buNone/>
+              <a:defRPr sz="1600"/>
+            </a:lvl1pPr>
+            <a:lvl2pPr marL="457200" indent="0">
+              <a:buNone/>
+              <a:defRPr sz="1200"/>
+            </a:lvl2pPr>
+            <a:lvl3pPr marL="914400" indent="0">
+              <a:buNone/>
+              <a:defRPr sz="1000"/>
+            </a:lvl3pPr>
+            <a:lvl4pPr marL="1371600" indent="0">
+              <a:buNone/>
+              <a:defRPr sz="900"/>
+            </a:lvl4pPr>
+            <a:lvl5pPr marL="1828800" indent="0">
+              <a:buNone/>
+              <a:defRPr sz="900"/>
+            </a:lvl5pPr>
+            <a:lvl6pPr marL="2286000" indent="0">
+              <a:buNone/>
+              <a:defRPr sz="900"/>
+            </a:lvl6pPr>
+            <a:lvl7pPr marL="2743200" indent="0">
+              <a:buNone/>
+              <a:defRPr sz="900"/>
+            </a:lvl7pPr>
+            <a:lvl8pPr marL="3200400" indent="0">
+              <a:buNone/>
+              <a:defRPr sz="900"/>
+            </a:lvl8pPr>
+            <a:lvl9pPr marL="3657600" indent="0">
+              <a:buNone/>
+              <a:defRPr sz="900"/>
+            </a:lvl9pPr>
+          </a:lstStyle>
+          <a:p>
+            <a:pPr lvl="0"/>
+            <a:r>
+              <a:rPr lang="pt-BR" smtClean="0"/>
+              <a:t>Clique para editar o texto mestre</a:t>
+            </a:r>
+          </a:p>
+        </p:txBody>
+      </p:sp>
+      <p:sp>
+        <p:nvSpPr>
+          <p:cNvPr id="5" name="Date Placeholder 4"/>
+          <p:cNvSpPr>
+            <a:spLocks noGrp="1"/>
+          </p:cNvSpPr>
+          <p:nvPr>
+            <p:ph type="dt" sz="half" idx="10"/>
+          </p:nvPr>
+        </p:nvSpPr>
+        <p:spPr/>
+        <p:txBody>
+          <a:bodyPr/>
+          <a:lstStyle/>
+          <a:p>
+            <a:fld id="{7DF38858-3E8E-405B-AC30-EE4890007BA2}" type="datetimeFigureOut">
+              <a:rPr lang="pt-BR" smtClean="0"/>
+              <a:t>18/05/2016</a:t>
+            </a:fld>
+            <a:endParaRPr lang="pt-BR"/>
+          </a:p>
+        </p:txBody>
+      </p:sp>
+      <p:sp>
+        <p:nvSpPr>
+          <p:cNvPr id="6" name="Footer Placeholder 5"/>
+          <p:cNvSpPr>
+            <a:spLocks noGrp="1"/>
+          </p:cNvSpPr>
+          <p:nvPr>
+            <p:ph type="ftr" sz="quarter" idx="11"/>
+          </p:nvPr>
+        </p:nvSpPr>
+        <p:spPr/>
+        <p:txBody>
+          <a:bodyPr/>
+          <a:lstStyle/>
+          <a:p>
+            <a:endParaRPr lang="pt-BR"/>
+          </a:p>
+        </p:txBody>
+      </p:sp>
+      <p:sp>
+        <p:nvSpPr>
+          <p:cNvPr id="7" name="Slide Number Placeholder 6"/>
+          <p:cNvSpPr>
+            <a:spLocks noGrp="1"/>
+          </p:cNvSpPr>
+          <p:nvPr>
+            <p:ph type="sldNum" sz="quarter" idx="12"/>
+          </p:nvPr>
+        </p:nvSpPr>
+        <p:spPr/>
+        <p:txBody>
+          <a:bodyPr/>
+          <a:lstStyle/>
+          <a:p>
+            <a:fld id="{8E6180DA-64DC-44B1-8F20-CA16BE66F0D3}" type="slidenum">
+              <a:rPr lang="pt-BR" smtClean="0"/>
+              <a:t>‹nº›</a:t>
+            </a:fld>
+            <a:endParaRPr lang="pt-BR"/>
+          </a:p>
+        </p:txBody>
+      </p:sp>
+    </p:spTree>
+    <p:extLst>
+      <p:ext uri="{BB962C8B-B14F-4D97-AF65-F5344CB8AC3E}">
+        <p14:creationId xmlns:p14="http://schemas.microsoft.com/office/powerpoint/2010/main" val="1630751168"/>
       </p:ext>
     </p:extLst>
   </p:cSld>
@@ -669,7 +2618,7 @@
       </p:grpSpPr>
       <p:sp>
         <p:nvSpPr>
-          <p:cNvPr id="2" name="Título 1"/>
+          <p:cNvPr id="2" name="Title 1"/>
           <p:cNvSpPr>
             <a:spLocks noGrp="1"/>
           </p:cNvSpPr>
@@ -686,13 +2635,13 @@
               <a:rPr lang="pt-BR" smtClean="0"/>
               <a:t>Clique para editar o título mestre</a:t>
             </a:r>
-            <a:endParaRPr lang="pt-BR"/>
-          </a:p>
-        </p:txBody>
-      </p:sp>
-      <p:sp>
-        <p:nvSpPr>
-          <p:cNvPr id="3" name="Espaço Reservado para Conteúdo 2"/>
+            <a:endParaRPr lang="en-US" dirty="0"/>
+          </a:p>
+        </p:txBody>
+      </p:sp>
+      <p:sp>
+        <p:nvSpPr>
+          <p:cNvPr id="3" name="Content Placeholder 2"/>
           <p:cNvSpPr>
             <a:spLocks noGrp="1"/>
           </p:cNvSpPr>
@@ -738,13 +2687,13 @@
               <a:rPr lang="pt-BR" smtClean="0"/>
               <a:t>Quinto nível</a:t>
             </a:r>
-            <a:endParaRPr lang="pt-BR"/>
-          </a:p>
-        </p:txBody>
-      </p:sp>
-      <p:sp>
-        <p:nvSpPr>
-          <p:cNvPr id="4" name="Espaço Reservado para Data 3"/>
+            <a:endParaRPr lang="en-US" dirty="0"/>
+          </a:p>
+        </p:txBody>
+      </p:sp>
+      <p:sp>
+        <p:nvSpPr>
+          <p:cNvPr id="4" name="Date Placeholder 3"/>
           <p:cNvSpPr>
             <a:spLocks noGrp="1"/>
           </p:cNvSpPr>
@@ -767,7 +2716,7 @@
       </p:sp>
       <p:sp>
         <p:nvSpPr>
-          <p:cNvPr id="5" name="Espaço Reservado para Rodapé 4"/>
+          <p:cNvPr id="5" name="Footer Placeholder 4"/>
           <p:cNvSpPr>
             <a:spLocks noGrp="1"/>
           </p:cNvSpPr>
@@ -786,7 +2735,7 @@
       </p:sp>
       <p:sp>
         <p:nvSpPr>
-          <p:cNvPr id="6" name="Espaço Reservado para Número de Slide 5"/>
+          <p:cNvPr id="6" name="Slide Number Placeholder 5"/>
           <p:cNvSpPr>
             <a:spLocks noGrp="1"/>
           </p:cNvSpPr>
@@ -810,7 +2759,2450 @@
     </p:spTree>
     <p:extLst>
       <p:ext uri="{BB962C8B-B14F-4D97-AF65-F5344CB8AC3E}">
-        <p14:creationId xmlns:p14="http://schemas.microsoft.com/office/powerpoint/2010/main" val="161279708"/>
+        <p14:creationId xmlns:p14="http://schemas.microsoft.com/office/powerpoint/2010/main" val="1364485892"/>
+      </p:ext>
+    </p:extLst>
+  </p:cSld>
+  <p:clrMapOvr>
+    <a:masterClrMapping/>
+  </p:clrMapOvr>
+</p:sldLayout>
+</file>
+
+<file path=ppt/slideLayouts/slideLayout20.xml><?xml version="1.0" encoding="utf-8"?>
+<p:sldLayout xmlns:a="http://schemas.openxmlformats.org/drawingml/2006/main" xmlns:r="http://schemas.openxmlformats.org/officeDocument/2006/relationships" xmlns:p="http://schemas.openxmlformats.org/presentationml/2006/main" type="picTx" preserve="1">
+  <p:cSld name="Imagem com Legenda">
+    <p:spTree>
+      <p:nvGrpSpPr>
+        <p:cNvPr id="1" name=""/>
+        <p:cNvGrpSpPr/>
+        <p:nvPr/>
+      </p:nvGrpSpPr>
+      <p:grpSpPr>
+        <a:xfrm>
+          <a:off x="0" y="0"/>
+          <a:ext cx="0" cy="0"/>
+          <a:chOff x="0" y="0"/>
+          <a:chExt cx="0" cy="0"/>
+        </a:xfrm>
+      </p:grpSpPr>
+      <p:sp>
+        <p:nvSpPr>
+          <p:cNvPr id="2" name="Title 1"/>
+          <p:cNvSpPr>
+            <a:spLocks noGrp="1"/>
+          </p:cNvSpPr>
+          <p:nvPr>
+            <p:ph type="title"/>
+          </p:nvPr>
+        </p:nvSpPr>
+        <p:spPr>
+          <a:xfrm>
+            <a:off x="4722812" y="1447800"/>
+            <a:ext cx="6019800" cy="1143000"/>
+          </a:xfrm>
+        </p:spPr>
+        <p:txBody>
+          <a:bodyPr anchor="b">
+            <a:normAutofit/>
+          </a:bodyPr>
+          <a:lstStyle>
+            <a:lvl1pPr algn="l">
+              <a:defRPr sz="2800" b="0"/>
+            </a:lvl1pPr>
+          </a:lstStyle>
+          <a:p>
+            <a:r>
+              <a:rPr lang="pt-BR" smtClean="0"/>
+              <a:t>Clique para editar o título mestre</a:t>
+            </a:r>
+            <a:endParaRPr lang="en-US" dirty="0"/>
+          </a:p>
+        </p:txBody>
+      </p:sp>
+      <p:sp>
+        <p:nvSpPr>
+          <p:cNvPr id="14" name="Picture Placeholder 2"/>
+          <p:cNvSpPr>
+            <a:spLocks noGrp="1" noChangeAspect="1"/>
+          </p:cNvSpPr>
+          <p:nvPr>
+            <p:ph type="pic" idx="1"/>
+          </p:nvPr>
+        </p:nvSpPr>
+        <p:spPr>
+          <a:xfrm>
+            <a:off x="989012" y="914400"/>
+            <a:ext cx="3280974" cy="4572000"/>
+          </a:xfrm>
+          <a:prstGeom prst="snip2DiagRect">
+            <a:avLst>
+              <a:gd name="adj1" fmla="val 10815"/>
+              <a:gd name="adj2" fmla="val 0"/>
+            </a:avLst>
+          </a:prstGeom>
+          <a:ln w="15875">
+            <a:solidFill>
+              <a:schemeClr val="tx1">
+                <a:alpha val="40000"/>
+              </a:schemeClr>
+            </a:solidFill>
+          </a:ln>
+          <a:effectLst>
+            <a:innerShdw blurRad="57150" dist="38100" dir="14460000">
+              <a:srgbClr val="000000">
+                <a:alpha val="70000"/>
+              </a:srgbClr>
+            </a:innerShdw>
+          </a:effectLst>
+        </p:spPr>
+        <p:txBody>
+          <a:bodyPr anchor="t">
+            <a:normAutofit/>
+          </a:bodyPr>
+          <a:lstStyle>
+            <a:lvl1pPr marL="0" indent="0" algn="ctr">
+              <a:buNone/>
+              <a:defRPr sz="1600"/>
+            </a:lvl1pPr>
+            <a:lvl2pPr marL="457200" indent="0">
+              <a:buNone/>
+              <a:defRPr sz="1600"/>
+            </a:lvl2pPr>
+            <a:lvl3pPr marL="914400" indent="0">
+              <a:buNone/>
+              <a:defRPr sz="1600"/>
+            </a:lvl3pPr>
+            <a:lvl4pPr marL="1371600" indent="0">
+              <a:buNone/>
+              <a:defRPr sz="1600"/>
+            </a:lvl4pPr>
+            <a:lvl5pPr marL="1828800" indent="0">
+              <a:buNone/>
+              <a:defRPr sz="1600"/>
+            </a:lvl5pPr>
+            <a:lvl6pPr marL="2286000" indent="0">
+              <a:buNone/>
+              <a:defRPr sz="1600"/>
+            </a:lvl6pPr>
+            <a:lvl7pPr marL="2743200" indent="0">
+              <a:buNone/>
+              <a:defRPr sz="1600"/>
+            </a:lvl7pPr>
+            <a:lvl8pPr marL="3200400" indent="0">
+              <a:buNone/>
+              <a:defRPr sz="1600"/>
+            </a:lvl8pPr>
+            <a:lvl9pPr marL="3657600" indent="0">
+              <a:buNone/>
+              <a:defRPr sz="1600"/>
+            </a:lvl9pPr>
+          </a:lstStyle>
+          <a:p>
+            <a:r>
+              <a:rPr lang="pt-BR" smtClean="0"/>
+              <a:t>Clique no ícone para adicionar uma imagem</a:t>
+            </a:r>
+            <a:endParaRPr lang="en-US" dirty="0"/>
+          </a:p>
+        </p:txBody>
+      </p:sp>
+      <p:sp>
+        <p:nvSpPr>
+          <p:cNvPr id="4" name="Text Placeholder 3"/>
+          <p:cNvSpPr>
+            <a:spLocks noGrp="1"/>
+          </p:cNvSpPr>
+          <p:nvPr>
+            <p:ph type="body" sz="half" idx="2"/>
+          </p:nvPr>
+        </p:nvSpPr>
+        <p:spPr>
+          <a:xfrm>
+            <a:off x="4722812" y="2777066"/>
+            <a:ext cx="6021388" cy="2048933"/>
+          </a:xfrm>
+        </p:spPr>
+        <p:txBody>
+          <a:bodyPr anchor="t">
+            <a:normAutofit/>
+          </a:bodyPr>
+          <a:lstStyle>
+            <a:lvl1pPr marL="0" indent="0">
+              <a:buNone/>
+              <a:defRPr sz="1800"/>
+            </a:lvl1pPr>
+            <a:lvl2pPr marL="457200" indent="0">
+              <a:buNone/>
+              <a:defRPr sz="1200"/>
+            </a:lvl2pPr>
+            <a:lvl3pPr marL="914400" indent="0">
+              <a:buNone/>
+              <a:defRPr sz="1000"/>
+            </a:lvl3pPr>
+            <a:lvl4pPr marL="1371600" indent="0">
+              <a:buNone/>
+              <a:defRPr sz="900"/>
+            </a:lvl4pPr>
+            <a:lvl5pPr marL="1828800" indent="0">
+              <a:buNone/>
+              <a:defRPr sz="900"/>
+            </a:lvl5pPr>
+            <a:lvl6pPr marL="2286000" indent="0">
+              <a:buNone/>
+              <a:defRPr sz="900"/>
+            </a:lvl6pPr>
+            <a:lvl7pPr marL="2743200" indent="0">
+              <a:buNone/>
+              <a:defRPr sz="900"/>
+            </a:lvl7pPr>
+            <a:lvl8pPr marL="3200400" indent="0">
+              <a:buNone/>
+              <a:defRPr sz="900"/>
+            </a:lvl8pPr>
+            <a:lvl9pPr marL="3657600" indent="0">
+              <a:buNone/>
+              <a:defRPr sz="900"/>
+            </a:lvl9pPr>
+          </a:lstStyle>
+          <a:p>
+            <a:pPr lvl="0"/>
+            <a:r>
+              <a:rPr lang="pt-BR" smtClean="0"/>
+              <a:t>Clique para editar o texto mestre</a:t>
+            </a:r>
+          </a:p>
+        </p:txBody>
+      </p:sp>
+      <p:sp>
+        <p:nvSpPr>
+          <p:cNvPr id="5" name="Date Placeholder 4"/>
+          <p:cNvSpPr>
+            <a:spLocks noGrp="1"/>
+          </p:cNvSpPr>
+          <p:nvPr>
+            <p:ph type="dt" sz="half" idx="10"/>
+          </p:nvPr>
+        </p:nvSpPr>
+        <p:spPr/>
+        <p:txBody>
+          <a:bodyPr/>
+          <a:lstStyle/>
+          <a:p>
+            <a:fld id="{7DF38858-3E8E-405B-AC30-EE4890007BA2}" type="datetimeFigureOut">
+              <a:rPr lang="pt-BR" smtClean="0"/>
+              <a:t>18/05/2016</a:t>
+            </a:fld>
+            <a:endParaRPr lang="pt-BR"/>
+          </a:p>
+        </p:txBody>
+      </p:sp>
+      <p:sp>
+        <p:nvSpPr>
+          <p:cNvPr id="6" name="Footer Placeholder 5"/>
+          <p:cNvSpPr>
+            <a:spLocks noGrp="1"/>
+          </p:cNvSpPr>
+          <p:nvPr>
+            <p:ph type="ftr" sz="quarter" idx="11"/>
+          </p:nvPr>
+        </p:nvSpPr>
+        <p:spPr/>
+        <p:txBody>
+          <a:bodyPr/>
+          <a:lstStyle/>
+          <a:p>
+            <a:endParaRPr lang="pt-BR"/>
+          </a:p>
+        </p:txBody>
+      </p:sp>
+      <p:sp>
+        <p:nvSpPr>
+          <p:cNvPr id="7" name="Slide Number Placeholder 6"/>
+          <p:cNvSpPr>
+            <a:spLocks noGrp="1"/>
+          </p:cNvSpPr>
+          <p:nvPr>
+            <p:ph type="sldNum" sz="quarter" idx="12"/>
+          </p:nvPr>
+        </p:nvSpPr>
+        <p:spPr/>
+        <p:txBody>
+          <a:bodyPr/>
+          <a:lstStyle/>
+          <a:p>
+            <a:fld id="{8E6180DA-64DC-44B1-8F20-CA16BE66F0D3}" type="slidenum">
+              <a:rPr lang="pt-BR" smtClean="0"/>
+              <a:t>‹nº›</a:t>
+            </a:fld>
+            <a:endParaRPr lang="pt-BR"/>
+          </a:p>
+        </p:txBody>
+      </p:sp>
+    </p:spTree>
+    <p:extLst>
+      <p:ext uri="{BB962C8B-B14F-4D97-AF65-F5344CB8AC3E}">
+        <p14:creationId xmlns:p14="http://schemas.microsoft.com/office/powerpoint/2010/main" val="125682810"/>
+      </p:ext>
+    </p:extLst>
+  </p:cSld>
+  <p:clrMapOvr>
+    <a:masterClrMapping/>
+  </p:clrMapOvr>
+</p:sldLayout>
+</file>
+
+<file path=ppt/slideLayouts/slideLayout21.xml><?xml version="1.0" encoding="utf-8"?>
+<p:sldLayout xmlns:a="http://schemas.openxmlformats.org/drawingml/2006/main" xmlns:r="http://schemas.openxmlformats.org/officeDocument/2006/relationships" xmlns:p="http://schemas.openxmlformats.org/presentationml/2006/main" preserve="1">
+  <p:cSld name="Foto Panorâmica com Legenda">
+    <p:spTree>
+      <p:nvGrpSpPr>
+        <p:cNvPr id="1" name=""/>
+        <p:cNvGrpSpPr/>
+        <p:nvPr/>
+      </p:nvGrpSpPr>
+      <p:grpSpPr>
+        <a:xfrm>
+          <a:off x="0" y="0"/>
+          <a:ext cx="0" cy="0"/>
+          <a:chOff x="0" y="0"/>
+          <a:chExt cx="0" cy="0"/>
+        </a:xfrm>
+      </p:grpSpPr>
+      <p:sp>
+        <p:nvSpPr>
+          <p:cNvPr id="2" name="Title 1"/>
+          <p:cNvSpPr>
+            <a:spLocks noGrp="1"/>
+          </p:cNvSpPr>
+          <p:nvPr>
+            <p:ph type="title"/>
+          </p:nvPr>
+        </p:nvSpPr>
+        <p:spPr/>
+        <p:txBody>
+          <a:bodyPr/>
+          <a:lstStyle/>
+          <a:p>
+            <a:r>
+              <a:rPr lang="pt-BR" smtClean="0"/>
+              <a:t>Clique para editar o título mestre</a:t>
+            </a:r>
+            <a:endParaRPr lang="en-US" dirty="0"/>
+          </a:p>
+        </p:txBody>
+      </p:sp>
+      <p:sp>
+        <p:nvSpPr>
+          <p:cNvPr id="17" name="Picture Placeholder 2"/>
+          <p:cNvSpPr>
+            <a:spLocks noGrp="1" noChangeAspect="1"/>
+          </p:cNvSpPr>
+          <p:nvPr>
+            <p:ph type="pic" idx="13"/>
+          </p:nvPr>
+        </p:nvSpPr>
+        <p:spPr>
+          <a:xfrm>
+            <a:off x="685800" y="533400"/>
+            <a:ext cx="10818812" cy="3124200"/>
+          </a:xfrm>
+          <a:prstGeom prst="snip2DiagRect">
+            <a:avLst>
+              <a:gd name="adj1" fmla="val 10815"/>
+              <a:gd name="adj2" fmla="val 0"/>
+            </a:avLst>
+          </a:prstGeom>
+          <a:ln w="15875">
+            <a:solidFill>
+              <a:schemeClr val="tx1">
+                <a:alpha val="40000"/>
+              </a:schemeClr>
+            </a:solidFill>
+          </a:ln>
+          <a:effectLst>
+            <a:innerShdw blurRad="57150" dist="38100" dir="14460000">
+              <a:srgbClr val="000000">
+                <a:alpha val="70000"/>
+              </a:srgbClr>
+            </a:innerShdw>
+          </a:effectLst>
+        </p:spPr>
+        <p:txBody>
+          <a:bodyPr anchor="t">
+            <a:normAutofit/>
+          </a:bodyPr>
+          <a:lstStyle>
+            <a:lvl1pPr marL="0" indent="0" algn="ctr">
+              <a:buNone/>
+              <a:defRPr sz="1600"/>
+            </a:lvl1pPr>
+            <a:lvl2pPr marL="457200" indent="0">
+              <a:buNone/>
+              <a:defRPr sz="1600"/>
+            </a:lvl2pPr>
+            <a:lvl3pPr marL="914400" indent="0">
+              <a:buNone/>
+              <a:defRPr sz="1600"/>
+            </a:lvl3pPr>
+            <a:lvl4pPr marL="1371600" indent="0">
+              <a:buNone/>
+              <a:defRPr sz="1600"/>
+            </a:lvl4pPr>
+            <a:lvl5pPr marL="1828800" indent="0">
+              <a:buNone/>
+              <a:defRPr sz="1600"/>
+            </a:lvl5pPr>
+            <a:lvl6pPr marL="2286000" indent="0">
+              <a:buNone/>
+              <a:defRPr sz="1600"/>
+            </a:lvl6pPr>
+            <a:lvl7pPr marL="2743200" indent="0">
+              <a:buNone/>
+              <a:defRPr sz="1600"/>
+            </a:lvl7pPr>
+            <a:lvl8pPr marL="3200400" indent="0">
+              <a:buNone/>
+              <a:defRPr sz="1600"/>
+            </a:lvl8pPr>
+            <a:lvl9pPr marL="3657600" indent="0">
+              <a:buNone/>
+              <a:defRPr sz="1600"/>
+            </a:lvl9pPr>
+          </a:lstStyle>
+          <a:p>
+            <a:r>
+              <a:rPr lang="pt-BR" smtClean="0"/>
+              <a:t>Clique no ícone para adicionar uma imagem</a:t>
+            </a:r>
+            <a:endParaRPr lang="en-US" dirty="0"/>
+          </a:p>
+        </p:txBody>
+      </p:sp>
+      <p:sp>
+        <p:nvSpPr>
+          <p:cNvPr id="16" name="Text Placeholder 9"/>
+          <p:cNvSpPr>
+            <a:spLocks noGrp="1"/>
+          </p:cNvSpPr>
+          <p:nvPr>
+            <p:ph type="body" sz="quarter" idx="14"/>
+          </p:nvPr>
+        </p:nvSpPr>
+        <p:spPr>
+          <a:xfrm>
+            <a:off x="914402" y="3843867"/>
+            <a:ext cx="8304210" cy="457200"/>
+          </a:xfrm>
+        </p:spPr>
+        <p:txBody>
+          <a:bodyPr anchor="t">
+            <a:normAutofit/>
+          </a:bodyPr>
+          <a:lstStyle>
+            <a:lvl1pPr marL="0" indent="0">
+              <a:buFontTx/>
+              <a:buNone/>
+              <a:defRPr sz="1600"/>
+            </a:lvl1pPr>
+            <a:lvl2pPr marL="457200" indent="0">
+              <a:buFontTx/>
+              <a:buNone/>
+              <a:defRPr/>
+            </a:lvl2pPr>
+            <a:lvl3pPr marL="914400" indent="0">
+              <a:buFontTx/>
+              <a:buNone/>
+              <a:defRPr/>
+            </a:lvl3pPr>
+            <a:lvl4pPr marL="1371600" indent="0">
+              <a:buFontTx/>
+              <a:buNone/>
+              <a:defRPr/>
+            </a:lvl4pPr>
+            <a:lvl5pPr marL="1828800" indent="0">
+              <a:buFontTx/>
+              <a:buNone/>
+              <a:defRPr/>
+            </a:lvl5pPr>
+          </a:lstStyle>
+          <a:p>
+            <a:pPr lvl="0"/>
+            <a:r>
+              <a:rPr lang="pt-BR" smtClean="0"/>
+              <a:t>Clique para editar o texto mestre</a:t>
+            </a:r>
+          </a:p>
+        </p:txBody>
+      </p:sp>
+      <p:sp>
+        <p:nvSpPr>
+          <p:cNvPr id="3" name="Date Placeholder 2"/>
+          <p:cNvSpPr>
+            <a:spLocks noGrp="1"/>
+          </p:cNvSpPr>
+          <p:nvPr>
+            <p:ph type="dt" sz="half" idx="10"/>
+          </p:nvPr>
+        </p:nvSpPr>
+        <p:spPr/>
+        <p:txBody>
+          <a:bodyPr/>
+          <a:lstStyle/>
+          <a:p>
+            <a:fld id="{7DF38858-3E8E-405B-AC30-EE4890007BA2}" type="datetimeFigureOut">
+              <a:rPr lang="pt-BR" smtClean="0"/>
+              <a:t>18/05/2016</a:t>
+            </a:fld>
+            <a:endParaRPr lang="pt-BR"/>
+          </a:p>
+        </p:txBody>
+      </p:sp>
+      <p:sp>
+        <p:nvSpPr>
+          <p:cNvPr id="4" name="Footer Placeholder 3"/>
+          <p:cNvSpPr>
+            <a:spLocks noGrp="1"/>
+          </p:cNvSpPr>
+          <p:nvPr>
+            <p:ph type="ftr" sz="quarter" idx="11"/>
+          </p:nvPr>
+        </p:nvSpPr>
+        <p:spPr/>
+        <p:txBody>
+          <a:bodyPr/>
+          <a:lstStyle/>
+          <a:p>
+            <a:endParaRPr lang="pt-BR"/>
+          </a:p>
+        </p:txBody>
+      </p:sp>
+      <p:sp>
+        <p:nvSpPr>
+          <p:cNvPr id="5" name="Slide Number Placeholder 4"/>
+          <p:cNvSpPr>
+            <a:spLocks noGrp="1"/>
+          </p:cNvSpPr>
+          <p:nvPr>
+            <p:ph type="sldNum" sz="quarter" idx="12"/>
+          </p:nvPr>
+        </p:nvSpPr>
+        <p:spPr/>
+        <p:txBody>
+          <a:bodyPr/>
+          <a:lstStyle/>
+          <a:p>
+            <a:fld id="{8E6180DA-64DC-44B1-8F20-CA16BE66F0D3}" type="slidenum">
+              <a:rPr lang="pt-BR" smtClean="0"/>
+              <a:t>‹nº›</a:t>
+            </a:fld>
+            <a:endParaRPr lang="pt-BR"/>
+          </a:p>
+        </p:txBody>
+      </p:sp>
+    </p:spTree>
+    <p:extLst>
+      <p:ext uri="{BB962C8B-B14F-4D97-AF65-F5344CB8AC3E}">
+        <p14:creationId xmlns:p14="http://schemas.microsoft.com/office/powerpoint/2010/main" val="197716472"/>
+      </p:ext>
+    </p:extLst>
+  </p:cSld>
+  <p:clrMapOvr>
+    <a:masterClrMapping/>
+  </p:clrMapOvr>
+</p:sldLayout>
+</file>
+
+<file path=ppt/slideLayouts/slideLayout22.xml><?xml version="1.0" encoding="utf-8"?>
+<p:sldLayout xmlns:a="http://schemas.openxmlformats.org/drawingml/2006/main" xmlns:r="http://schemas.openxmlformats.org/officeDocument/2006/relationships" xmlns:p="http://schemas.openxmlformats.org/presentationml/2006/main" preserve="1">
+  <p:cSld name="Título e Legenda">
+    <p:spTree>
+      <p:nvGrpSpPr>
+        <p:cNvPr id="1" name=""/>
+        <p:cNvGrpSpPr/>
+        <p:nvPr/>
+      </p:nvGrpSpPr>
+      <p:grpSpPr>
+        <a:xfrm>
+          <a:off x="0" y="0"/>
+          <a:ext cx="0" cy="0"/>
+          <a:chOff x="0" y="0"/>
+          <a:chExt cx="0" cy="0"/>
+        </a:xfrm>
+      </p:grpSpPr>
+      <p:sp>
+        <p:nvSpPr>
+          <p:cNvPr id="2" name="Title 1"/>
+          <p:cNvSpPr>
+            <a:spLocks noGrp="1"/>
+          </p:cNvSpPr>
+          <p:nvPr>
+            <p:ph type="title"/>
+          </p:nvPr>
+        </p:nvSpPr>
+        <p:spPr>
+          <a:xfrm>
+            <a:off x="684213" y="685800"/>
+            <a:ext cx="10058400" cy="2743200"/>
+          </a:xfrm>
+        </p:spPr>
+        <p:txBody>
+          <a:bodyPr anchor="ctr">
+            <a:normAutofit/>
+          </a:bodyPr>
+          <a:lstStyle>
+            <a:lvl1pPr algn="l">
+              <a:defRPr sz="3200" b="0" cap="all"/>
+            </a:lvl1pPr>
+          </a:lstStyle>
+          <a:p>
+            <a:r>
+              <a:rPr lang="pt-BR" smtClean="0"/>
+              <a:t>Clique para editar o título mestre</a:t>
+            </a:r>
+            <a:endParaRPr lang="en-US" dirty="0"/>
+          </a:p>
+        </p:txBody>
+      </p:sp>
+      <p:sp>
+        <p:nvSpPr>
+          <p:cNvPr id="3" name="Text Placeholder 2"/>
+          <p:cNvSpPr>
+            <a:spLocks noGrp="1"/>
+          </p:cNvSpPr>
+          <p:nvPr>
+            <p:ph type="body" idx="1"/>
+          </p:nvPr>
+        </p:nvSpPr>
+        <p:spPr>
+          <a:xfrm>
+            <a:off x="684212" y="4114800"/>
+            <a:ext cx="8535988" cy="1879600"/>
+          </a:xfrm>
+        </p:spPr>
+        <p:txBody>
+          <a:bodyPr anchor="ctr">
+            <a:normAutofit/>
+          </a:bodyPr>
+          <a:lstStyle>
+            <a:lvl1pPr marL="0" indent="0" algn="l">
+              <a:buNone/>
+              <a:defRPr sz="2000">
+                <a:solidFill>
+                  <a:schemeClr val="bg2">
+                    <a:lumMod val="75000"/>
+                  </a:schemeClr>
+                </a:solidFill>
+              </a:defRPr>
+            </a:lvl1pPr>
+            <a:lvl2pPr marL="457200" indent="0">
+              <a:buNone/>
+              <a:defRPr sz="1800">
+                <a:solidFill>
+                  <a:schemeClr val="tx1">
+                    <a:tint val="75000"/>
+                  </a:schemeClr>
+                </a:solidFill>
+              </a:defRPr>
+            </a:lvl2pPr>
+            <a:lvl3pPr marL="914400" indent="0">
+              <a:buNone/>
+              <a:defRPr sz="1600">
+                <a:solidFill>
+                  <a:schemeClr val="tx1">
+                    <a:tint val="75000"/>
+                  </a:schemeClr>
+                </a:solidFill>
+              </a:defRPr>
+            </a:lvl3pPr>
+            <a:lvl4pPr marL="1371600" indent="0">
+              <a:buNone/>
+              <a:defRPr sz="1400">
+                <a:solidFill>
+                  <a:schemeClr val="tx1">
+                    <a:tint val="75000"/>
+                  </a:schemeClr>
+                </a:solidFill>
+              </a:defRPr>
+            </a:lvl4pPr>
+            <a:lvl5pPr marL="1828800" indent="0">
+              <a:buNone/>
+              <a:defRPr sz="1400">
+                <a:solidFill>
+                  <a:schemeClr val="tx1">
+                    <a:tint val="75000"/>
+                  </a:schemeClr>
+                </a:solidFill>
+              </a:defRPr>
+            </a:lvl5pPr>
+            <a:lvl6pPr marL="2286000" indent="0">
+              <a:buNone/>
+              <a:defRPr sz="1400">
+                <a:solidFill>
+                  <a:schemeClr val="tx1">
+                    <a:tint val="75000"/>
+                  </a:schemeClr>
+                </a:solidFill>
+              </a:defRPr>
+            </a:lvl6pPr>
+            <a:lvl7pPr marL="2743200" indent="0">
+              <a:buNone/>
+              <a:defRPr sz="1400">
+                <a:solidFill>
+                  <a:schemeClr val="tx1">
+                    <a:tint val="75000"/>
+                  </a:schemeClr>
+                </a:solidFill>
+              </a:defRPr>
+            </a:lvl7pPr>
+            <a:lvl8pPr marL="3200400" indent="0">
+              <a:buNone/>
+              <a:defRPr sz="1400">
+                <a:solidFill>
+                  <a:schemeClr val="tx1">
+                    <a:tint val="75000"/>
+                  </a:schemeClr>
+                </a:solidFill>
+              </a:defRPr>
+            </a:lvl8pPr>
+            <a:lvl9pPr marL="3657600" indent="0">
+              <a:buNone/>
+              <a:defRPr sz="1400">
+                <a:solidFill>
+                  <a:schemeClr val="tx1">
+                    <a:tint val="75000"/>
+                  </a:schemeClr>
+                </a:solidFill>
+              </a:defRPr>
+            </a:lvl9pPr>
+          </a:lstStyle>
+          <a:p>
+            <a:pPr lvl="0"/>
+            <a:r>
+              <a:rPr lang="pt-BR" smtClean="0"/>
+              <a:t>Clique para editar o texto mestre</a:t>
+            </a:r>
+          </a:p>
+        </p:txBody>
+      </p:sp>
+      <p:sp>
+        <p:nvSpPr>
+          <p:cNvPr id="4" name="Date Placeholder 3"/>
+          <p:cNvSpPr>
+            <a:spLocks noGrp="1"/>
+          </p:cNvSpPr>
+          <p:nvPr>
+            <p:ph type="dt" sz="half" idx="10"/>
+          </p:nvPr>
+        </p:nvSpPr>
+        <p:spPr/>
+        <p:txBody>
+          <a:bodyPr/>
+          <a:lstStyle/>
+          <a:p>
+            <a:fld id="{7DF38858-3E8E-405B-AC30-EE4890007BA2}" type="datetimeFigureOut">
+              <a:rPr lang="pt-BR" smtClean="0"/>
+              <a:t>18/05/2016</a:t>
+            </a:fld>
+            <a:endParaRPr lang="pt-BR"/>
+          </a:p>
+        </p:txBody>
+      </p:sp>
+      <p:sp>
+        <p:nvSpPr>
+          <p:cNvPr id="5" name="Footer Placeholder 4"/>
+          <p:cNvSpPr>
+            <a:spLocks noGrp="1"/>
+          </p:cNvSpPr>
+          <p:nvPr>
+            <p:ph type="ftr" sz="quarter" idx="11"/>
+          </p:nvPr>
+        </p:nvSpPr>
+        <p:spPr/>
+        <p:txBody>
+          <a:bodyPr/>
+          <a:lstStyle/>
+          <a:p>
+            <a:endParaRPr lang="pt-BR"/>
+          </a:p>
+        </p:txBody>
+      </p:sp>
+      <p:sp>
+        <p:nvSpPr>
+          <p:cNvPr id="6" name="Slide Number Placeholder 5"/>
+          <p:cNvSpPr>
+            <a:spLocks noGrp="1"/>
+          </p:cNvSpPr>
+          <p:nvPr>
+            <p:ph type="sldNum" sz="quarter" idx="12"/>
+          </p:nvPr>
+        </p:nvSpPr>
+        <p:spPr/>
+        <p:txBody>
+          <a:bodyPr/>
+          <a:lstStyle/>
+          <a:p>
+            <a:fld id="{8E6180DA-64DC-44B1-8F20-CA16BE66F0D3}" type="slidenum">
+              <a:rPr lang="pt-BR" smtClean="0"/>
+              <a:t>‹nº›</a:t>
+            </a:fld>
+            <a:endParaRPr lang="pt-BR"/>
+          </a:p>
+        </p:txBody>
+      </p:sp>
+    </p:spTree>
+    <p:extLst>
+      <p:ext uri="{BB962C8B-B14F-4D97-AF65-F5344CB8AC3E}">
+        <p14:creationId xmlns:p14="http://schemas.microsoft.com/office/powerpoint/2010/main" val="3270654632"/>
+      </p:ext>
+    </p:extLst>
+  </p:cSld>
+  <p:clrMapOvr>
+    <a:masterClrMapping/>
+  </p:clrMapOvr>
+</p:sldLayout>
+</file>
+
+<file path=ppt/slideLayouts/slideLayout23.xml><?xml version="1.0" encoding="utf-8"?>
+<p:sldLayout xmlns:a="http://schemas.openxmlformats.org/drawingml/2006/main" xmlns:r="http://schemas.openxmlformats.org/officeDocument/2006/relationships" xmlns:p="http://schemas.openxmlformats.org/presentationml/2006/main" preserve="1">
+  <p:cSld name="Citação com Legenda">
+    <p:spTree>
+      <p:nvGrpSpPr>
+        <p:cNvPr id="1" name=""/>
+        <p:cNvGrpSpPr/>
+        <p:nvPr/>
+      </p:nvGrpSpPr>
+      <p:grpSpPr>
+        <a:xfrm>
+          <a:off x="0" y="0"/>
+          <a:ext cx="0" cy="0"/>
+          <a:chOff x="0" y="0"/>
+          <a:chExt cx="0" cy="0"/>
+        </a:xfrm>
+      </p:grpSpPr>
+      <p:sp>
+        <p:nvSpPr>
+          <p:cNvPr id="2" name="Title 1"/>
+          <p:cNvSpPr>
+            <a:spLocks noGrp="1"/>
+          </p:cNvSpPr>
+          <p:nvPr>
+            <p:ph type="title"/>
+          </p:nvPr>
+        </p:nvSpPr>
+        <p:spPr>
+          <a:xfrm>
+            <a:off x="1141411" y="685800"/>
+            <a:ext cx="9144001" cy="2743200"/>
+          </a:xfrm>
+        </p:spPr>
+        <p:txBody>
+          <a:bodyPr anchor="ctr">
+            <a:normAutofit/>
+          </a:bodyPr>
+          <a:lstStyle>
+            <a:lvl1pPr algn="l">
+              <a:defRPr sz="3200" b="0" cap="all">
+                <a:solidFill>
+                  <a:schemeClr val="tx1"/>
+                </a:solidFill>
+              </a:defRPr>
+            </a:lvl1pPr>
+          </a:lstStyle>
+          <a:p>
+            <a:r>
+              <a:rPr lang="pt-BR" smtClean="0"/>
+              <a:t>Clique para editar o título mestre</a:t>
+            </a:r>
+            <a:endParaRPr lang="en-US" dirty="0"/>
+          </a:p>
+        </p:txBody>
+      </p:sp>
+      <p:sp>
+        <p:nvSpPr>
+          <p:cNvPr id="10" name="Text Placeholder 9"/>
+          <p:cNvSpPr>
+            <a:spLocks noGrp="1"/>
+          </p:cNvSpPr>
+          <p:nvPr>
+            <p:ph type="body" sz="quarter" idx="13"/>
+          </p:nvPr>
+        </p:nvSpPr>
+        <p:spPr>
+          <a:xfrm>
+            <a:off x="1446212" y="3429000"/>
+            <a:ext cx="8534400" cy="381000"/>
+          </a:xfrm>
+        </p:spPr>
+        <p:txBody>
+          <a:bodyPr anchor="ctr"/>
+          <a:lstStyle>
+            <a:lvl1pPr marL="0" indent="0">
+              <a:buFontTx/>
+              <a:buNone/>
+              <a:defRPr/>
+            </a:lvl1pPr>
+            <a:lvl2pPr marL="457200" indent="0">
+              <a:buFontTx/>
+              <a:buNone/>
+              <a:defRPr/>
+            </a:lvl2pPr>
+            <a:lvl3pPr marL="914400" indent="0">
+              <a:buFontTx/>
+              <a:buNone/>
+              <a:defRPr/>
+            </a:lvl3pPr>
+            <a:lvl4pPr marL="1371600" indent="0">
+              <a:buFontTx/>
+              <a:buNone/>
+              <a:defRPr/>
+            </a:lvl4pPr>
+            <a:lvl5pPr marL="1828800" indent="0">
+              <a:buFontTx/>
+              <a:buNone/>
+              <a:defRPr/>
+            </a:lvl5pPr>
+          </a:lstStyle>
+          <a:p>
+            <a:pPr lvl="0"/>
+            <a:r>
+              <a:rPr lang="pt-BR" smtClean="0"/>
+              <a:t>Clique para editar o texto mestre</a:t>
+            </a:r>
+          </a:p>
+        </p:txBody>
+      </p:sp>
+      <p:sp>
+        <p:nvSpPr>
+          <p:cNvPr id="3" name="Text Placeholder 2"/>
+          <p:cNvSpPr>
+            <a:spLocks noGrp="1"/>
+          </p:cNvSpPr>
+          <p:nvPr>
+            <p:ph type="body" idx="1"/>
+          </p:nvPr>
+        </p:nvSpPr>
+        <p:spPr>
+          <a:xfrm>
+            <a:off x="684213" y="4301067"/>
+            <a:ext cx="8534400" cy="1684865"/>
+          </a:xfrm>
+        </p:spPr>
+        <p:txBody>
+          <a:bodyPr anchor="ctr">
+            <a:normAutofit/>
+          </a:bodyPr>
+          <a:lstStyle>
+            <a:lvl1pPr marL="0" indent="0" algn="l">
+              <a:buNone/>
+              <a:defRPr sz="2000">
+                <a:solidFill>
+                  <a:schemeClr val="bg2">
+                    <a:lumMod val="75000"/>
+                  </a:schemeClr>
+                </a:solidFill>
+              </a:defRPr>
+            </a:lvl1pPr>
+            <a:lvl2pPr marL="457200" indent="0">
+              <a:buNone/>
+              <a:defRPr sz="1800">
+                <a:solidFill>
+                  <a:schemeClr val="tx1">
+                    <a:tint val="75000"/>
+                  </a:schemeClr>
+                </a:solidFill>
+              </a:defRPr>
+            </a:lvl2pPr>
+            <a:lvl3pPr marL="914400" indent="0">
+              <a:buNone/>
+              <a:defRPr sz="1600">
+                <a:solidFill>
+                  <a:schemeClr val="tx1">
+                    <a:tint val="75000"/>
+                  </a:schemeClr>
+                </a:solidFill>
+              </a:defRPr>
+            </a:lvl3pPr>
+            <a:lvl4pPr marL="1371600" indent="0">
+              <a:buNone/>
+              <a:defRPr sz="1400">
+                <a:solidFill>
+                  <a:schemeClr val="tx1">
+                    <a:tint val="75000"/>
+                  </a:schemeClr>
+                </a:solidFill>
+              </a:defRPr>
+            </a:lvl4pPr>
+            <a:lvl5pPr marL="1828800" indent="0">
+              <a:buNone/>
+              <a:defRPr sz="1400">
+                <a:solidFill>
+                  <a:schemeClr val="tx1">
+                    <a:tint val="75000"/>
+                  </a:schemeClr>
+                </a:solidFill>
+              </a:defRPr>
+            </a:lvl5pPr>
+            <a:lvl6pPr marL="2286000" indent="0">
+              <a:buNone/>
+              <a:defRPr sz="1400">
+                <a:solidFill>
+                  <a:schemeClr val="tx1">
+                    <a:tint val="75000"/>
+                  </a:schemeClr>
+                </a:solidFill>
+              </a:defRPr>
+            </a:lvl6pPr>
+            <a:lvl7pPr marL="2743200" indent="0">
+              <a:buNone/>
+              <a:defRPr sz="1400">
+                <a:solidFill>
+                  <a:schemeClr val="tx1">
+                    <a:tint val="75000"/>
+                  </a:schemeClr>
+                </a:solidFill>
+              </a:defRPr>
+            </a:lvl7pPr>
+            <a:lvl8pPr marL="3200400" indent="0">
+              <a:buNone/>
+              <a:defRPr sz="1400">
+                <a:solidFill>
+                  <a:schemeClr val="tx1">
+                    <a:tint val="75000"/>
+                  </a:schemeClr>
+                </a:solidFill>
+              </a:defRPr>
+            </a:lvl8pPr>
+            <a:lvl9pPr marL="3657600" indent="0">
+              <a:buNone/>
+              <a:defRPr sz="1400">
+                <a:solidFill>
+                  <a:schemeClr val="tx1">
+                    <a:tint val="75000"/>
+                  </a:schemeClr>
+                </a:solidFill>
+              </a:defRPr>
+            </a:lvl9pPr>
+          </a:lstStyle>
+          <a:p>
+            <a:pPr lvl="0"/>
+            <a:r>
+              <a:rPr lang="pt-BR" smtClean="0"/>
+              <a:t>Clique para editar o texto mestre</a:t>
+            </a:r>
+          </a:p>
+        </p:txBody>
+      </p:sp>
+      <p:sp>
+        <p:nvSpPr>
+          <p:cNvPr id="4" name="Date Placeholder 3"/>
+          <p:cNvSpPr>
+            <a:spLocks noGrp="1"/>
+          </p:cNvSpPr>
+          <p:nvPr>
+            <p:ph type="dt" sz="half" idx="10"/>
+          </p:nvPr>
+        </p:nvSpPr>
+        <p:spPr/>
+        <p:txBody>
+          <a:bodyPr/>
+          <a:lstStyle/>
+          <a:p>
+            <a:fld id="{7DF38858-3E8E-405B-AC30-EE4890007BA2}" type="datetimeFigureOut">
+              <a:rPr lang="pt-BR" smtClean="0"/>
+              <a:t>18/05/2016</a:t>
+            </a:fld>
+            <a:endParaRPr lang="pt-BR"/>
+          </a:p>
+        </p:txBody>
+      </p:sp>
+      <p:sp>
+        <p:nvSpPr>
+          <p:cNvPr id="5" name="Footer Placeholder 4"/>
+          <p:cNvSpPr>
+            <a:spLocks noGrp="1"/>
+          </p:cNvSpPr>
+          <p:nvPr>
+            <p:ph type="ftr" sz="quarter" idx="11"/>
+          </p:nvPr>
+        </p:nvSpPr>
+        <p:spPr/>
+        <p:txBody>
+          <a:bodyPr/>
+          <a:lstStyle/>
+          <a:p>
+            <a:endParaRPr lang="pt-BR"/>
+          </a:p>
+        </p:txBody>
+      </p:sp>
+      <p:sp>
+        <p:nvSpPr>
+          <p:cNvPr id="6" name="Slide Number Placeholder 5"/>
+          <p:cNvSpPr>
+            <a:spLocks noGrp="1"/>
+          </p:cNvSpPr>
+          <p:nvPr>
+            <p:ph type="sldNum" sz="quarter" idx="12"/>
+          </p:nvPr>
+        </p:nvSpPr>
+        <p:spPr/>
+        <p:txBody>
+          <a:bodyPr/>
+          <a:lstStyle/>
+          <a:p>
+            <a:fld id="{8E6180DA-64DC-44B1-8F20-CA16BE66F0D3}" type="slidenum">
+              <a:rPr lang="pt-BR" smtClean="0"/>
+              <a:t>‹nº›</a:t>
+            </a:fld>
+            <a:endParaRPr lang="pt-BR"/>
+          </a:p>
+        </p:txBody>
+      </p:sp>
+      <p:sp>
+        <p:nvSpPr>
+          <p:cNvPr id="14" name="TextBox 13"/>
+          <p:cNvSpPr txBox="1"/>
+          <p:nvPr/>
+        </p:nvSpPr>
+        <p:spPr>
+          <a:xfrm>
+            <a:off x="531812" y="812222"/>
+            <a:ext cx="609600" cy="584776"/>
+          </a:xfrm>
+          <a:prstGeom prst="rect">
+            <a:avLst/>
+          </a:prstGeom>
+        </p:spPr>
+        <p:txBody>
+          <a:bodyPr vert="horz" lIns="91440" tIns="45720" rIns="91440" bIns="45720" rtlCol="0" anchor="ctr">
+            <a:noAutofit/>
+          </a:bodyPr>
+          <a:lstStyle/>
+          <a:p>
+            <a:pPr lvl="0"/>
+            <a:r>
+              <a:rPr lang="en-US" sz="8000" dirty="0">
+                <a:solidFill>
+                  <a:schemeClr val="tx1"/>
+                </a:solidFill>
+                <a:effectLst/>
+              </a:rPr>
+              <a:t>“</a:t>
+            </a:r>
+          </a:p>
+        </p:txBody>
+      </p:sp>
+      <p:sp>
+        <p:nvSpPr>
+          <p:cNvPr id="15" name="TextBox 14"/>
+          <p:cNvSpPr txBox="1"/>
+          <p:nvPr/>
+        </p:nvSpPr>
+        <p:spPr>
+          <a:xfrm>
+            <a:off x="10285412" y="2768601"/>
+            <a:ext cx="609600" cy="584776"/>
+          </a:xfrm>
+          <a:prstGeom prst="rect">
+            <a:avLst/>
+          </a:prstGeom>
+        </p:spPr>
+        <p:txBody>
+          <a:bodyPr vert="horz" lIns="91440" tIns="45720" rIns="91440" bIns="45720" rtlCol="0" anchor="ctr">
+            <a:noAutofit/>
+          </a:bodyPr>
+          <a:lstStyle/>
+          <a:p>
+            <a:pPr lvl="0" algn="r"/>
+            <a:r>
+              <a:rPr lang="en-US" sz="8000" dirty="0">
+                <a:solidFill>
+                  <a:schemeClr val="tx1"/>
+                </a:solidFill>
+                <a:effectLst/>
+              </a:rPr>
+              <a:t>”</a:t>
+            </a:r>
+          </a:p>
+        </p:txBody>
+      </p:sp>
+    </p:spTree>
+    <p:extLst>
+      <p:ext uri="{BB962C8B-B14F-4D97-AF65-F5344CB8AC3E}">
+        <p14:creationId xmlns:p14="http://schemas.microsoft.com/office/powerpoint/2010/main" val="188445400"/>
+      </p:ext>
+    </p:extLst>
+  </p:cSld>
+  <p:clrMapOvr>
+    <a:masterClrMapping/>
+  </p:clrMapOvr>
+</p:sldLayout>
+</file>
+
+<file path=ppt/slideLayouts/slideLayout24.xml><?xml version="1.0" encoding="utf-8"?>
+<p:sldLayout xmlns:a="http://schemas.openxmlformats.org/drawingml/2006/main" xmlns:r="http://schemas.openxmlformats.org/officeDocument/2006/relationships" xmlns:p="http://schemas.openxmlformats.org/presentationml/2006/main" preserve="1">
+  <p:cSld name="Cartão de Nome">
+    <p:spTree>
+      <p:nvGrpSpPr>
+        <p:cNvPr id="1" name=""/>
+        <p:cNvGrpSpPr/>
+        <p:nvPr/>
+      </p:nvGrpSpPr>
+      <p:grpSpPr>
+        <a:xfrm>
+          <a:off x="0" y="0"/>
+          <a:ext cx="0" cy="0"/>
+          <a:chOff x="0" y="0"/>
+          <a:chExt cx="0" cy="0"/>
+        </a:xfrm>
+      </p:grpSpPr>
+      <p:sp>
+        <p:nvSpPr>
+          <p:cNvPr id="2" name="Title 1"/>
+          <p:cNvSpPr>
+            <a:spLocks noGrp="1"/>
+          </p:cNvSpPr>
+          <p:nvPr>
+            <p:ph type="title"/>
+          </p:nvPr>
+        </p:nvSpPr>
+        <p:spPr>
+          <a:xfrm>
+            <a:off x="684212" y="3429000"/>
+            <a:ext cx="8534400" cy="1697400"/>
+          </a:xfrm>
+        </p:spPr>
+        <p:txBody>
+          <a:bodyPr anchor="b">
+            <a:normAutofit/>
+          </a:bodyPr>
+          <a:lstStyle>
+            <a:lvl1pPr algn="l">
+              <a:defRPr sz="3200" b="0" cap="all"/>
+            </a:lvl1pPr>
+          </a:lstStyle>
+          <a:p>
+            <a:r>
+              <a:rPr lang="pt-BR" smtClean="0"/>
+              <a:t>Clique para editar o título mestre</a:t>
+            </a:r>
+            <a:endParaRPr lang="en-US" dirty="0"/>
+          </a:p>
+        </p:txBody>
+      </p:sp>
+      <p:sp>
+        <p:nvSpPr>
+          <p:cNvPr id="3" name="Text Placeholder 2"/>
+          <p:cNvSpPr>
+            <a:spLocks noGrp="1"/>
+          </p:cNvSpPr>
+          <p:nvPr>
+            <p:ph type="body" idx="1"/>
+          </p:nvPr>
+        </p:nvSpPr>
+        <p:spPr>
+          <a:xfrm>
+            <a:off x="684211" y="5132981"/>
+            <a:ext cx="8535990" cy="860400"/>
+          </a:xfrm>
+        </p:spPr>
+        <p:txBody>
+          <a:bodyPr anchor="t">
+            <a:normAutofit/>
+          </a:bodyPr>
+          <a:lstStyle>
+            <a:lvl1pPr marL="0" indent="0" algn="l">
+              <a:buNone/>
+              <a:defRPr sz="2000">
+                <a:solidFill>
+                  <a:schemeClr val="bg2">
+                    <a:lumMod val="75000"/>
+                  </a:schemeClr>
+                </a:solidFill>
+              </a:defRPr>
+            </a:lvl1pPr>
+            <a:lvl2pPr marL="457200" indent="0">
+              <a:buNone/>
+              <a:defRPr sz="1800">
+                <a:solidFill>
+                  <a:schemeClr val="tx1">
+                    <a:tint val="75000"/>
+                  </a:schemeClr>
+                </a:solidFill>
+              </a:defRPr>
+            </a:lvl2pPr>
+            <a:lvl3pPr marL="914400" indent="0">
+              <a:buNone/>
+              <a:defRPr sz="1600">
+                <a:solidFill>
+                  <a:schemeClr val="tx1">
+                    <a:tint val="75000"/>
+                  </a:schemeClr>
+                </a:solidFill>
+              </a:defRPr>
+            </a:lvl3pPr>
+            <a:lvl4pPr marL="1371600" indent="0">
+              <a:buNone/>
+              <a:defRPr sz="1400">
+                <a:solidFill>
+                  <a:schemeClr val="tx1">
+                    <a:tint val="75000"/>
+                  </a:schemeClr>
+                </a:solidFill>
+              </a:defRPr>
+            </a:lvl4pPr>
+            <a:lvl5pPr marL="1828800" indent="0">
+              <a:buNone/>
+              <a:defRPr sz="1400">
+                <a:solidFill>
+                  <a:schemeClr val="tx1">
+                    <a:tint val="75000"/>
+                  </a:schemeClr>
+                </a:solidFill>
+              </a:defRPr>
+            </a:lvl5pPr>
+            <a:lvl6pPr marL="2286000" indent="0">
+              <a:buNone/>
+              <a:defRPr sz="1400">
+                <a:solidFill>
+                  <a:schemeClr val="tx1">
+                    <a:tint val="75000"/>
+                  </a:schemeClr>
+                </a:solidFill>
+              </a:defRPr>
+            </a:lvl6pPr>
+            <a:lvl7pPr marL="2743200" indent="0">
+              <a:buNone/>
+              <a:defRPr sz="1400">
+                <a:solidFill>
+                  <a:schemeClr val="tx1">
+                    <a:tint val="75000"/>
+                  </a:schemeClr>
+                </a:solidFill>
+              </a:defRPr>
+            </a:lvl7pPr>
+            <a:lvl8pPr marL="3200400" indent="0">
+              <a:buNone/>
+              <a:defRPr sz="1400">
+                <a:solidFill>
+                  <a:schemeClr val="tx1">
+                    <a:tint val="75000"/>
+                  </a:schemeClr>
+                </a:solidFill>
+              </a:defRPr>
+            </a:lvl8pPr>
+            <a:lvl9pPr marL="3657600" indent="0">
+              <a:buNone/>
+              <a:defRPr sz="1400">
+                <a:solidFill>
+                  <a:schemeClr val="tx1">
+                    <a:tint val="75000"/>
+                  </a:schemeClr>
+                </a:solidFill>
+              </a:defRPr>
+            </a:lvl9pPr>
+          </a:lstStyle>
+          <a:p>
+            <a:pPr lvl="0"/>
+            <a:r>
+              <a:rPr lang="pt-BR" smtClean="0"/>
+              <a:t>Clique para editar o texto mestre</a:t>
+            </a:r>
+          </a:p>
+        </p:txBody>
+      </p:sp>
+      <p:sp>
+        <p:nvSpPr>
+          <p:cNvPr id="4" name="Date Placeholder 3"/>
+          <p:cNvSpPr>
+            <a:spLocks noGrp="1"/>
+          </p:cNvSpPr>
+          <p:nvPr>
+            <p:ph type="dt" sz="half" idx="10"/>
+          </p:nvPr>
+        </p:nvSpPr>
+        <p:spPr/>
+        <p:txBody>
+          <a:bodyPr/>
+          <a:lstStyle/>
+          <a:p>
+            <a:fld id="{7DF38858-3E8E-405B-AC30-EE4890007BA2}" type="datetimeFigureOut">
+              <a:rPr lang="pt-BR" smtClean="0"/>
+              <a:t>18/05/2016</a:t>
+            </a:fld>
+            <a:endParaRPr lang="pt-BR"/>
+          </a:p>
+        </p:txBody>
+      </p:sp>
+      <p:sp>
+        <p:nvSpPr>
+          <p:cNvPr id="5" name="Footer Placeholder 4"/>
+          <p:cNvSpPr>
+            <a:spLocks noGrp="1"/>
+          </p:cNvSpPr>
+          <p:nvPr>
+            <p:ph type="ftr" sz="quarter" idx="11"/>
+          </p:nvPr>
+        </p:nvSpPr>
+        <p:spPr/>
+        <p:txBody>
+          <a:bodyPr/>
+          <a:lstStyle/>
+          <a:p>
+            <a:endParaRPr lang="pt-BR"/>
+          </a:p>
+        </p:txBody>
+      </p:sp>
+      <p:sp>
+        <p:nvSpPr>
+          <p:cNvPr id="6" name="Slide Number Placeholder 5"/>
+          <p:cNvSpPr>
+            <a:spLocks noGrp="1"/>
+          </p:cNvSpPr>
+          <p:nvPr>
+            <p:ph type="sldNum" sz="quarter" idx="12"/>
+          </p:nvPr>
+        </p:nvSpPr>
+        <p:spPr/>
+        <p:txBody>
+          <a:bodyPr/>
+          <a:lstStyle/>
+          <a:p>
+            <a:fld id="{8E6180DA-64DC-44B1-8F20-CA16BE66F0D3}" type="slidenum">
+              <a:rPr lang="pt-BR" smtClean="0"/>
+              <a:t>‹nº›</a:t>
+            </a:fld>
+            <a:endParaRPr lang="pt-BR"/>
+          </a:p>
+        </p:txBody>
+      </p:sp>
+    </p:spTree>
+    <p:extLst>
+      <p:ext uri="{BB962C8B-B14F-4D97-AF65-F5344CB8AC3E}">
+        <p14:creationId xmlns:p14="http://schemas.microsoft.com/office/powerpoint/2010/main" val="34014254"/>
+      </p:ext>
+    </p:extLst>
+  </p:cSld>
+  <p:clrMapOvr>
+    <a:masterClrMapping/>
+  </p:clrMapOvr>
+</p:sldLayout>
+</file>
+
+<file path=ppt/slideLayouts/slideLayout25.xml><?xml version="1.0" encoding="utf-8"?>
+<p:sldLayout xmlns:a="http://schemas.openxmlformats.org/drawingml/2006/main" xmlns:r="http://schemas.openxmlformats.org/officeDocument/2006/relationships" xmlns:p="http://schemas.openxmlformats.org/presentationml/2006/main" preserve="1">
+  <p:cSld name="Citar o Cartão de Nome">
+    <p:spTree>
+      <p:nvGrpSpPr>
+        <p:cNvPr id="1" name=""/>
+        <p:cNvGrpSpPr/>
+        <p:nvPr/>
+      </p:nvGrpSpPr>
+      <p:grpSpPr>
+        <a:xfrm>
+          <a:off x="0" y="0"/>
+          <a:ext cx="0" cy="0"/>
+          <a:chOff x="0" y="0"/>
+          <a:chExt cx="0" cy="0"/>
+        </a:xfrm>
+      </p:grpSpPr>
+      <p:sp>
+        <p:nvSpPr>
+          <p:cNvPr id="2" name="Title 1"/>
+          <p:cNvSpPr>
+            <a:spLocks noGrp="1"/>
+          </p:cNvSpPr>
+          <p:nvPr>
+            <p:ph type="title"/>
+          </p:nvPr>
+        </p:nvSpPr>
+        <p:spPr>
+          <a:xfrm>
+            <a:off x="1141413" y="685800"/>
+            <a:ext cx="9144000" cy="2743200"/>
+          </a:xfrm>
+        </p:spPr>
+        <p:txBody>
+          <a:bodyPr anchor="ctr">
+            <a:normAutofit/>
+          </a:bodyPr>
+          <a:lstStyle>
+            <a:lvl1pPr algn="l">
+              <a:defRPr sz="3200" b="0" cap="all">
+                <a:solidFill>
+                  <a:schemeClr val="tx1"/>
+                </a:solidFill>
+              </a:defRPr>
+            </a:lvl1pPr>
+          </a:lstStyle>
+          <a:p>
+            <a:r>
+              <a:rPr lang="pt-BR" smtClean="0"/>
+              <a:t>Clique para editar o título mestre</a:t>
+            </a:r>
+            <a:endParaRPr lang="en-US" dirty="0"/>
+          </a:p>
+        </p:txBody>
+      </p:sp>
+      <p:sp>
+        <p:nvSpPr>
+          <p:cNvPr id="10" name="Text Placeholder 9"/>
+          <p:cNvSpPr>
+            <a:spLocks noGrp="1"/>
+          </p:cNvSpPr>
+          <p:nvPr>
+            <p:ph type="body" sz="quarter" idx="13"/>
+          </p:nvPr>
+        </p:nvSpPr>
+        <p:spPr>
+          <a:xfrm>
+            <a:off x="684212" y="3928534"/>
+            <a:ext cx="8534401" cy="1049866"/>
+          </a:xfrm>
+        </p:spPr>
+        <p:txBody>
+          <a:bodyPr vert="horz" lIns="91440" tIns="45720" rIns="91440" bIns="45720" rtlCol="0" anchor="b">
+            <a:normAutofit/>
+          </a:bodyPr>
+          <a:lstStyle>
+            <a:lvl1pPr>
+              <a:buNone/>
+              <a:defRPr lang="en-US" sz="2400" b="0" cap="all" dirty="0">
+                <a:ln w="3175" cmpd="sng">
+                  <a:noFill/>
+                </a:ln>
+                <a:solidFill>
+                  <a:schemeClr val="tx1"/>
+                </a:solidFill>
+                <a:effectLst/>
+              </a:defRPr>
+            </a:lvl1pPr>
+          </a:lstStyle>
+          <a:p>
+            <a:pPr marL="0" lvl="0">
+              <a:spcBef>
+                <a:spcPct val="0"/>
+              </a:spcBef>
+              <a:buNone/>
+            </a:pPr>
+            <a:r>
+              <a:rPr lang="pt-BR" smtClean="0"/>
+              <a:t>Clique para editar o texto mestre</a:t>
+            </a:r>
+          </a:p>
+        </p:txBody>
+      </p:sp>
+      <p:sp>
+        <p:nvSpPr>
+          <p:cNvPr id="3" name="Text Placeholder 2"/>
+          <p:cNvSpPr>
+            <a:spLocks noGrp="1"/>
+          </p:cNvSpPr>
+          <p:nvPr>
+            <p:ph type="body" idx="1"/>
+          </p:nvPr>
+        </p:nvSpPr>
+        <p:spPr>
+          <a:xfrm>
+            <a:off x="684211" y="4978400"/>
+            <a:ext cx="8534401" cy="1016000"/>
+          </a:xfrm>
+        </p:spPr>
+        <p:txBody>
+          <a:bodyPr anchor="t">
+            <a:normAutofit/>
+          </a:bodyPr>
+          <a:lstStyle>
+            <a:lvl1pPr marL="0" indent="0" algn="l">
+              <a:buNone/>
+              <a:defRPr sz="1800">
+                <a:solidFill>
+                  <a:schemeClr val="bg2">
+                    <a:lumMod val="75000"/>
+                  </a:schemeClr>
+                </a:solidFill>
+              </a:defRPr>
+            </a:lvl1pPr>
+            <a:lvl2pPr marL="457200" indent="0">
+              <a:buNone/>
+              <a:defRPr sz="1800">
+                <a:solidFill>
+                  <a:schemeClr val="tx1">
+                    <a:tint val="75000"/>
+                  </a:schemeClr>
+                </a:solidFill>
+              </a:defRPr>
+            </a:lvl2pPr>
+            <a:lvl3pPr marL="914400" indent="0">
+              <a:buNone/>
+              <a:defRPr sz="1600">
+                <a:solidFill>
+                  <a:schemeClr val="tx1">
+                    <a:tint val="75000"/>
+                  </a:schemeClr>
+                </a:solidFill>
+              </a:defRPr>
+            </a:lvl3pPr>
+            <a:lvl4pPr marL="1371600" indent="0">
+              <a:buNone/>
+              <a:defRPr sz="1400">
+                <a:solidFill>
+                  <a:schemeClr val="tx1">
+                    <a:tint val="75000"/>
+                  </a:schemeClr>
+                </a:solidFill>
+              </a:defRPr>
+            </a:lvl4pPr>
+            <a:lvl5pPr marL="1828800" indent="0">
+              <a:buNone/>
+              <a:defRPr sz="1400">
+                <a:solidFill>
+                  <a:schemeClr val="tx1">
+                    <a:tint val="75000"/>
+                  </a:schemeClr>
+                </a:solidFill>
+              </a:defRPr>
+            </a:lvl5pPr>
+            <a:lvl6pPr marL="2286000" indent="0">
+              <a:buNone/>
+              <a:defRPr sz="1400">
+                <a:solidFill>
+                  <a:schemeClr val="tx1">
+                    <a:tint val="75000"/>
+                  </a:schemeClr>
+                </a:solidFill>
+              </a:defRPr>
+            </a:lvl6pPr>
+            <a:lvl7pPr marL="2743200" indent="0">
+              <a:buNone/>
+              <a:defRPr sz="1400">
+                <a:solidFill>
+                  <a:schemeClr val="tx1">
+                    <a:tint val="75000"/>
+                  </a:schemeClr>
+                </a:solidFill>
+              </a:defRPr>
+            </a:lvl7pPr>
+            <a:lvl8pPr marL="3200400" indent="0">
+              <a:buNone/>
+              <a:defRPr sz="1400">
+                <a:solidFill>
+                  <a:schemeClr val="tx1">
+                    <a:tint val="75000"/>
+                  </a:schemeClr>
+                </a:solidFill>
+              </a:defRPr>
+            </a:lvl8pPr>
+            <a:lvl9pPr marL="3657600" indent="0">
+              <a:buNone/>
+              <a:defRPr sz="1400">
+                <a:solidFill>
+                  <a:schemeClr val="tx1">
+                    <a:tint val="75000"/>
+                  </a:schemeClr>
+                </a:solidFill>
+              </a:defRPr>
+            </a:lvl9pPr>
+          </a:lstStyle>
+          <a:p>
+            <a:pPr lvl="0"/>
+            <a:r>
+              <a:rPr lang="pt-BR" smtClean="0"/>
+              <a:t>Clique para editar o texto mestre</a:t>
+            </a:r>
+          </a:p>
+        </p:txBody>
+      </p:sp>
+      <p:sp>
+        <p:nvSpPr>
+          <p:cNvPr id="4" name="Date Placeholder 3"/>
+          <p:cNvSpPr>
+            <a:spLocks noGrp="1"/>
+          </p:cNvSpPr>
+          <p:nvPr>
+            <p:ph type="dt" sz="half" idx="10"/>
+          </p:nvPr>
+        </p:nvSpPr>
+        <p:spPr/>
+        <p:txBody>
+          <a:bodyPr/>
+          <a:lstStyle/>
+          <a:p>
+            <a:fld id="{7DF38858-3E8E-405B-AC30-EE4890007BA2}" type="datetimeFigureOut">
+              <a:rPr lang="pt-BR" smtClean="0"/>
+              <a:t>18/05/2016</a:t>
+            </a:fld>
+            <a:endParaRPr lang="pt-BR"/>
+          </a:p>
+        </p:txBody>
+      </p:sp>
+      <p:sp>
+        <p:nvSpPr>
+          <p:cNvPr id="5" name="Footer Placeholder 4"/>
+          <p:cNvSpPr>
+            <a:spLocks noGrp="1"/>
+          </p:cNvSpPr>
+          <p:nvPr>
+            <p:ph type="ftr" sz="quarter" idx="11"/>
+          </p:nvPr>
+        </p:nvSpPr>
+        <p:spPr/>
+        <p:txBody>
+          <a:bodyPr/>
+          <a:lstStyle/>
+          <a:p>
+            <a:endParaRPr lang="pt-BR"/>
+          </a:p>
+        </p:txBody>
+      </p:sp>
+      <p:sp>
+        <p:nvSpPr>
+          <p:cNvPr id="6" name="Slide Number Placeholder 5"/>
+          <p:cNvSpPr>
+            <a:spLocks noGrp="1"/>
+          </p:cNvSpPr>
+          <p:nvPr>
+            <p:ph type="sldNum" sz="quarter" idx="12"/>
+          </p:nvPr>
+        </p:nvSpPr>
+        <p:spPr/>
+        <p:txBody>
+          <a:bodyPr/>
+          <a:lstStyle/>
+          <a:p>
+            <a:fld id="{8E6180DA-64DC-44B1-8F20-CA16BE66F0D3}" type="slidenum">
+              <a:rPr lang="pt-BR" smtClean="0"/>
+              <a:t>‹nº›</a:t>
+            </a:fld>
+            <a:endParaRPr lang="pt-BR"/>
+          </a:p>
+        </p:txBody>
+      </p:sp>
+      <p:sp>
+        <p:nvSpPr>
+          <p:cNvPr id="11" name="TextBox 10"/>
+          <p:cNvSpPr txBox="1"/>
+          <p:nvPr/>
+        </p:nvSpPr>
+        <p:spPr>
+          <a:xfrm>
+            <a:off x="531812" y="812222"/>
+            <a:ext cx="609600" cy="584776"/>
+          </a:xfrm>
+          <a:prstGeom prst="rect">
+            <a:avLst/>
+          </a:prstGeom>
+        </p:spPr>
+        <p:txBody>
+          <a:bodyPr vert="horz" lIns="91440" tIns="45720" rIns="91440" bIns="45720" rtlCol="0" anchor="ctr">
+            <a:noAutofit/>
+          </a:bodyPr>
+          <a:lstStyle/>
+          <a:p>
+            <a:pPr lvl="0"/>
+            <a:r>
+              <a:rPr lang="en-US" sz="8000" dirty="0">
+                <a:solidFill>
+                  <a:schemeClr val="tx1"/>
+                </a:solidFill>
+                <a:effectLst/>
+              </a:rPr>
+              <a:t>“</a:t>
+            </a:r>
+          </a:p>
+        </p:txBody>
+      </p:sp>
+      <p:sp>
+        <p:nvSpPr>
+          <p:cNvPr id="12" name="TextBox 11"/>
+          <p:cNvSpPr txBox="1"/>
+          <p:nvPr/>
+        </p:nvSpPr>
+        <p:spPr>
+          <a:xfrm>
+            <a:off x="10285412" y="2768601"/>
+            <a:ext cx="609600" cy="584776"/>
+          </a:xfrm>
+          <a:prstGeom prst="rect">
+            <a:avLst/>
+          </a:prstGeom>
+        </p:spPr>
+        <p:txBody>
+          <a:bodyPr vert="horz" lIns="91440" tIns="45720" rIns="91440" bIns="45720" rtlCol="0" anchor="ctr">
+            <a:noAutofit/>
+          </a:bodyPr>
+          <a:lstStyle/>
+          <a:p>
+            <a:pPr lvl="0" algn="r"/>
+            <a:r>
+              <a:rPr lang="en-US" sz="8000" dirty="0">
+                <a:solidFill>
+                  <a:schemeClr val="tx1"/>
+                </a:solidFill>
+                <a:effectLst/>
+              </a:rPr>
+              <a:t>”</a:t>
+            </a:r>
+          </a:p>
+        </p:txBody>
+      </p:sp>
+    </p:spTree>
+    <p:extLst>
+      <p:ext uri="{BB962C8B-B14F-4D97-AF65-F5344CB8AC3E}">
+        <p14:creationId xmlns:p14="http://schemas.microsoft.com/office/powerpoint/2010/main" val="2682808027"/>
+      </p:ext>
+    </p:extLst>
+  </p:cSld>
+  <p:clrMapOvr>
+    <a:masterClrMapping/>
+  </p:clrMapOvr>
+</p:sldLayout>
+</file>
+
+<file path=ppt/slideLayouts/slideLayout26.xml><?xml version="1.0" encoding="utf-8"?>
+<p:sldLayout xmlns:a="http://schemas.openxmlformats.org/drawingml/2006/main" xmlns:r="http://schemas.openxmlformats.org/officeDocument/2006/relationships" xmlns:p="http://schemas.openxmlformats.org/presentationml/2006/main" preserve="1">
+  <p:cSld name="Verdadeiro ou Falso">
+    <p:spTree>
+      <p:nvGrpSpPr>
+        <p:cNvPr id="1" name=""/>
+        <p:cNvGrpSpPr/>
+        <p:nvPr/>
+      </p:nvGrpSpPr>
+      <p:grpSpPr>
+        <a:xfrm>
+          <a:off x="0" y="0"/>
+          <a:ext cx="0" cy="0"/>
+          <a:chOff x="0" y="0"/>
+          <a:chExt cx="0" cy="0"/>
+        </a:xfrm>
+      </p:grpSpPr>
+      <p:sp>
+        <p:nvSpPr>
+          <p:cNvPr id="2" name="Title 1"/>
+          <p:cNvSpPr>
+            <a:spLocks noGrp="1"/>
+          </p:cNvSpPr>
+          <p:nvPr>
+            <p:ph type="title"/>
+          </p:nvPr>
+        </p:nvSpPr>
+        <p:spPr>
+          <a:xfrm>
+            <a:off x="684213" y="685800"/>
+            <a:ext cx="10058400" cy="2743200"/>
+          </a:xfrm>
+        </p:spPr>
+        <p:txBody>
+          <a:bodyPr vert="horz" lIns="91440" tIns="45720" rIns="91440" bIns="45720" rtlCol="0" anchor="ctr">
+            <a:normAutofit/>
+          </a:bodyPr>
+          <a:lstStyle>
+            <a:lvl1pPr>
+              <a:defRPr lang="en-US" b="0" dirty="0"/>
+            </a:lvl1pPr>
+          </a:lstStyle>
+          <a:p>
+            <a:pPr marL="0" lvl="0"/>
+            <a:r>
+              <a:rPr lang="pt-BR" smtClean="0"/>
+              <a:t>Clique para editar o título mestre</a:t>
+            </a:r>
+            <a:endParaRPr lang="en-US" dirty="0"/>
+          </a:p>
+        </p:txBody>
+      </p:sp>
+      <p:sp>
+        <p:nvSpPr>
+          <p:cNvPr id="10" name="Text Placeholder 9"/>
+          <p:cNvSpPr>
+            <a:spLocks noGrp="1"/>
+          </p:cNvSpPr>
+          <p:nvPr>
+            <p:ph type="body" sz="quarter" idx="13"/>
+          </p:nvPr>
+        </p:nvSpPr>
+        <p:spPr>
+          <a:xfrm>
+            <a:off x="684212" y="3928534"/>
+            <a:ext cx="8534400" cy="838200"/>
+          </a:xfrm>
+        </p:spPr>
+        <p:txBody>
+          <a:bodyPr vert="horz" lIns="91440" tIns="45720" rIns="91440" bIns="45720" rtlCol="0" anchor="b">
+            <a:normAutofit/>
+          </a:bodyPr>
+          <a:lstStyle>
+            <a:lvl1pPr>
+              <a:buNone/>
+              <a:defRPr lang="en-US" sz="2400" b="0" cap="all" dirty="0">
+                <a:ln w="3175" cmpd="sng">
+                  <a:noFill/>
+                </a:ln>
+                <a:solidFill>
+                  <a:schemeClr val="tx1"/>
+                </a:solidFill>
+                <a:effectLst/>
+              </a:defRPr>
+            </a:lvl1pPr>
+          </a:lstStyle>
+          <a:p>
+            <a:pPr marL="0" lvl="0">
+              <a:spcBef>
+                <a:spcPct val="0"/>
+              </a:spcBef>
+              <a:buNone/>
+            </a:pPr>
+            <a:r>
+              <a:rPr lang="pt-BR" smtClean="0"/>
+              <a:t>Clique para editar o texto mestre</a:t>
+            </a:r>
+          </a:p>
+        </p:txBody>
+      </p:sp>
+      <p:sp>
+        <p:nvSpPr>
+          <p:cNvPr id="3" name="Text Placeholder 2"/>
+          <p:cNvSpPr>
+            <a:spLocks noGrp="1"/>
+          </p:cNvSpPr>
+          <p:nvPr>
+            <p:ph type="body" idx="1"/>
+          </p:nvPr>
+        </p:nvSpPr>
+        <p:spPr>
+          <a:xfrm>
+            <a:off x="684211" y="4766732"/>
+            <a:ext cx="8534401" cy="1227667"/>
+          </a:xfrm>
+        </p:spPr>
+        <p:txBody>
+          <a:bodyPr anchor="t">
+            <a:normAutofit/>
+          </a:bodyPr>
+          <a:lstStyle>
+            <a:lvl1pPr marL="0" indent="0" algn="l">
+              <a:buNone/>
+              <a:defRPr sz="1800">
+                <a:solidFill>
+                  <a:schemeClr val="bg2">
+                    <a:lumMod val="75000"/>
+                  </a:schemeClr>
+                </a:solidFill>
+              </a:defRPr>
+            </a:lvl1pPr>
+            <a:lvl2pPr marL="457200" indent="0">
+              <a:buNone/>
+              <a:defRPr sz="1800">
+                <a:solidFill>
+                  <a:schemeClr val="tx1">
+                    <a:tint val="75000"/>
+                  </a:schemeClr>
+                </a:solidFill>
+              </a:defRPr>
+            </a:lvl2pPr>
+            <a:lvl3pPr marL="914400" indent="0">
+              <a:buNone/>
+              <a:defRPr sz="1600">
+                <a:solidFill>
+                  <a:schemeClr val="tx1">
+                    <a:tint val="75000"/>
+                  </a:schemeClr>
+                </a:solidFill>
+              </a:defRPr>
+            </a:lvl3pPr>
+            <a:lvl4pPr marL="1371600" indent="0">
+              <a:buNone/>
+              <a:defRPr sz="1400">
+                <a:solidFill>
+                  <a:schemeClr val="tx1">
+                    <a:tint val="75000"/>
+                  </a:schemeClr>
+                </a:solidFill>
+              </a:defRPr>
+            </a:lvl4pPr>
+            <a:lvl5pPr marL="1828800" indent="0">
+              <a:buNone/>
+              <a:defRPr sz="1400">
+                <a:solidFill>
+                  <a:schemeClr val="tx1">
+                    <a:tint val="75000"/>
+                  </a:schemeClr>
+                </a:solidFill>
+              </a:defRPr>
+            </a:lvl5pPr>
+            <a:lvl6pPr marL="2286000" indent="0">
+              <a:buNone/>
+              <a:defRPr sz="1400">
+                <a:solidFill>
+                  <a:schemeClr val="tx1">
+                    <a:tint val="75000"/>
+                  </a:schemeClr>
+                </a:solidFill>
+              </a:defRPr>
+            </a:lvl6pPr>
+            <a:lvl7pPr marL="2743200" indent="0">
+              <a:buNone/>
+              <a:defRPr sz="1400">
+                <a:solidFill>
+                  <a:schemeClr val="tx1">
+                    <a:tint val="75000"/>
+                  </a:schemeClr>
+                </a:solidFill>
+              </a:defRPr>
+            </a:lvl7pPr>
+            <a:lvl8pPr marL="3200400" indent="0">
+              <a:buNone/>
+              <a:defRPr sz="1400">
+                <a:solidFill>
+                  <a:schemeClr val="tx1">
+                    <a:tint val="75000"/>
+                  </a:schemeClr>
+                </a:solidFill>
+              </a:defRPr>
+            </a:lvl8pPr>
+            <a:lvl9pPr marL="3657600" indent="0">
+              <a:buNone/>
+              <a:defRPr sz="1400">
+                <a:solidFill>
+                  <a:schemeClr val="tx1">
+                    <a:tint val="75000"/>
+                  </a:schemeClr>
+                </a:solidFill>
+              </a:defRPr>
+            </a:lvl9pPr>
+          </a:lstStyle>
+          <a:p>
+            <a:pPr lvl="0"/>
+            <a:r>
+              <a:rPr lang="pt-BR" smtClean="0"/>
+              <a:t>Clique para editar o texto mestre</a:t>
+            </a:r>
+          </a:p>
+        </p:txBody>
+      </p:sp>
+      <p:sp>
+        <p:nvSpPr>
+          <p:cNvPr id="4" name="Date Placeholder 3"/>
+          <p:cNvSpPr>
+            <a:spLocks noGrp="1"/>
+          </p:cNvSpPr>
+          <p:nvPr>
+            <p:ph type="dt" sz="half" idx="10"/>
+          </p:nvPr>
+        </p:nvSpPr>
+        <p:spPr/>
+        <p:txBody>
+          <a:bodyPr/>
+          <a:lstStyle/>
+          <a:p>
+            <a:fld id="{7DF38858-3E8E-405B-AC30-EE4890007BA2}" type="datetimeFigureOut">
+              <a:rPr lang="pt-BR" smtClean="0"/>
+              <a:t>18/05/2016</a:t>
+            </a:fld>
+            <a:endParaRPr lang="pt-BR"/>
+          </a:p>
+        </p:txBody>
+      </p:sp>
+      <p:sp>
+        <p:nvSpPr>
+          <p:cNvPr id="5" name="Footer Placeholder 4"/>
+          <p:cNvSpPr>
+            <a:spLocks noGrp="1"/>
+          </p:cNvSpPr>
+          <p:nvPr>
+            <p:ph type="ftr" sz="quarter" idx="11"/>
+          </p:nvPr>
+        </p:nvSpPr>
+        <p:spPr/>
+        <p:txBody>
+          <a:bodyPr/>
+          <a:lstStyle/>
+          <a:p>
+            <a:endParaRPr lang="pt-BR"/>
+          </a:p>
+        </p:txBody>
+      </p:sp>
+      <p:sp>
+        <p:nvSpPr>
+          <p:cNvPr id="6" name="Slide Number Placeholder 5"/>
+          <p:cNvSpPr>
+            <a:spLocks noGrp="1"/>
+          </p:cNvSpPr>
+          <p:nvPr>
+            <p:ph type="sldNum" sz="quarter" idx="12"/>
+          </p:nvPr>
+        </p:nvSpPr>
+        <p:spPr/>
+        <p:txBody>
+          <a:bodyPr/>
+          <a:lstStyle/>
+          <a:p>
+            <a:fld id="{8E6180DA-64DC-44B1-8F20-CA16BE66F0D3}" type="slidenum">
+              <a:rPr lang="pt-BR" smtClean="0"/>
+              <a:t>‹nº›</a:t>
+            </a:fld>
+            <a:endParaRPr lang="pt-BR"/>
+          </a:p>
+        </p:txBody>
+      </p:sp>
+    </p:spTree>
+    <p:extLst>
+      <p:ext uri="{BB962C8B-B14F-4D97-AF65-F5344CB8AC3E}">
+        <p14:creationId xmlns:p14="http://schemas.microsoft.com/office/powerpoint/2010/main" val="3527053135"/>
+      </p:ext>
+    </p:extLst>
+  </p:cSld>
+  <p:clrMapOvr>
+    <a:masterClrMapping/>
+  </p:clrMapOvr>
+</p:sldLayout>
+</file>
+
+<file path=ppt/slideLayouts/slideLayout27.xml><?xml version="1.0" encoding="utf-8"?>
+<p:sldLayout xmlns:a="http://schemas.openxmlformats.org/drawingml/2006/main" xmlns:r="http://schemas.openxmlformats.org/officeDocument/2006/relationships" xmlns:p="http://schemas.openxmlformats.org/presentationml/2006/main" type="vertTx" preserve="1">
+  <p:cSld name="Título e texto vertical">
+    <p:spTree>
+      <p:nvGrpSpPr>
+        <p:cNvPr id="1" name=""/>
+        <p:cNvGrpSpPr/>
+        <p:nvPr/>
+      </p:nvGrpSpPr>
+      <p:grpSpPr>
+        <a:xfrm>
+          <a:off x="0" y="0"/>
+          <a:ext cx="0" cy="0"/>
+          <a:chOff x="0" y="0"/>
+          <a:chExt cx="0" cy="0"/>
+        </a:xfrm>
+      </p:grpSpPr>
+      <p:sp>
+        <p:nvSpPr>
+          <p:cNvPr id="2" name="Title 1"/>
+          <p:cNvSpPr>
+            <a:spLocks noGrp="1"/>
+          </p:cNvSpPr>
+          <p:nvPr>
+            <p:ph type="title"/>
+          </p:nvPr>
+        </p:nvSpPr>
+        <p:spPr/>
+        <p:txBody>
+          <a:bodyPr/>
+          <a:lstStyle>
+            <a:lvl1pPr algn="l">
+              <a:defRPr/>
+            </a:lvl1pPr>
+          </a:lstStyle>
+          <a:p>
+            <a:r>
+              <a:rPr lang="pt-BR" smtClean="0"/>
+              <a:t>Clique para editar o título mestre</a:t>
+            </a:r>
+            <a:endParaRPr lang="en-US" dirty="0"/>
+          </a:p>
+        </p:txBody>
+      </p:sp>
+      <p:sp>
+        <p:nvSpPr>
+          <p:cNvPr id="3" name="Vertical Text Placeholder 2"/>
+          <p:cNvSpPr>
+            <a:spLocks noGrp="1"/>
+          </p:cNvSpPr>
+          <p:nvPr>
+            <p:ph type="body" orient="vert" idx="1"/>
+          </p:nvPr>
+        </p:nvSpPr>
+        <p:spPr/>
+        <p:txBody>
+          <a:bodyPr vert="eaVert" anchor="t"/>
+          <a:lstStyle/>
+          <a:p>
+            <a:pPr lvl="0"/>
+            <a:r>
+              <a:rPr lang="pt-BR" smtClean="0"/>
+              <a:t>Clique para editar o texto mestre</a:t>
+            </a:r>
+          </a:p>
+          <a:p>
+            <a:pPr lvl="1"/>
+            <a:r>
+              <a:rPr lang="pt-BR" smtClean="0"/>
+              <a:t>Segundo nível</a:t>
+            </a:r>
+          </a:p>
+          <a:p>
+            <a:pPr lvl="2"/>
+            <a:r>
+              <a:rPr lang="pt-BR" smtClean="0"/>
+              <a:t>Terceiro nível</a:t>
+            </a:r>
+          </a:p>
+          <a:p>
+            <a:pPr lvl="3"/>
+            <a:r>
+              <a:rPr lang="pt-BR" smtClean="0"/>
+              <a:t>Quarto nível</a:t>
+            </a:r>
+          </a:p>
+          <a:p>
+            <a:pPr lvl="4"/>
+            <a:r>
+              <a:rPr lang="pt-BR" smtClean="0"/>
+              <a:t>Quinto nível</a:t>
+            </a:r>
+            <a:endParaRPr lang="en-US" dirty="0"/>
+          </a:p>
+        </p:txBody>
+      </p:sp>
+      <p:sp>
+        <p:nvSpPr>
+          <p:cNvPr id="4" name="Date Placeholder 3"/>
+          <p:cNvSpPr>
+            <a:spLocks noGrp="1"/>
+          </p:cNvSpPr>
+          <p:nvPr>
+            <p:ph type="dt" sz="half" idx="10"/>
+          </p:nvPr>
+        </p:nvSpPr>
+        <p:spPr/>
+        <p:txBody>
+          <a:bodyPr/>
+          <a:lstStyle/>
+          <a:p>
+            <a:fld id="{7DF38858-3E8E-405B-AC30-EE4890007BA2}" type="datetimeFigureOut">
+              <a:rPr lang="pt-BR" smtClean="0"/>
+              <a:t>18/05/2016</a:t>
+            </a:fld>
+            <a:endParaRPr lang="pt-BR"/>
+          </a:p>
+        </p:txBody>
+      </p:sp>
+      <p:sp>
+        <p:nvSpPr>
+          <p:cNvPr id="5" name="Footer Placeholder 4"/>
+          <p:cNvSpPr>
+            <a:spLocks noGrp="1"/>
+          </p:cNvSpPr>
+          <p:nvPr>
+            <p:ph type="ftr" sz="quarter" idx="11"/>
+          </p:nvPr>
+        </p:nvSpPr>
+        <p:spPr/>
+        <p:txBody>
+          <a:bodyPr/>
+          <a:lstStyle/>
+          <a:p>
+            <a:endParaRPr lang="pt-BR"/>
+          </a:p>
+        </p:txBody>
+      </p:sp>
+      <p:sp>
+        <p:nvSpPr>
+          <p:cNvPr id="6" name="Slide Number Placeholder 5"/>
+          <p:cNvSpPr>
+            <a:spLocks noGrp="1"/>
+          </p:cNvSpPr>
+          <p:nvPr>
+            <p:ph type="sldNum" sz="quarter" idx="12"/>
+          </p:nvPr>
+        </p:nvSpPr>
+        <p:spPr/>
+        <p:txBody>
+          <a:bodyPr/>
+          <a:lstStyle/>
+          <a:p>
+            <a:fld id="{8E6180DA-64DC-44B1-8F20-CA16BE66F0D3}" type="slidenum">
+              <a:rPr lang="pt-BR" smtClean="0"/>
+              <a:t>‹nº›</a:t>
+            </a:fld>
+            <a:endParaRPr lang="pt-BR"/>
+          </a:p>
+        </p:txBody>
+      </p:sp>
+    </p:spTree>
+    <p:extLst>
+      <p:ext uri="{BB962C8B-B14F-4D97-AF65-F5344CB8AC3E}">
+        <p14:creationId xmlns:p14="http://schemas.microsoft.com/office/powerpoint/2010/main" val="2588834249"/>
+      </p:ext>
+    </p:extLst>
+  </p:cSld>
+  <p:clrMapOvr>
+    <a:masterClrMapping/>
+  </p:clrMapOvr>
+</p:sldLayout>
+</file>
+
+<file path=ppt/slideLayouts/slideLayout28.xml><?xml version="1.0" encoding="utf-8"?>
+<p:sldLayout xmlns:a="http://schemas.openxmlformats.org/drawingml/2006/main" xmlns:r="http://schemas.openxmlformats.org/officeDocument/2006/relationships" xmlns:p="http://schemas.openxmlformats.org/presentationml/2006/main" type="vertTitleAndTx" preserve="1">
+  <p:cSld name="Título e texto verticais">
+    <p:spTree>
+      <p:nvGrpSpPr>
+        <p:cNvPr id="1" name=""/>
+        <p:cNvGrpSpPr/>
+        <p:nvPr/>
+      </p:nvGrpSpPr>
+      <p:grpSpPr>
+        <a:xfrm>
+          <a:off x="0" y="0"/>
+          <a:ext cx="0" cy="0"/>
+          <a:chOff x="0" y="0"/>
+          <a:chExt cx="0" cy="0"/>
+        </a:xfrm>
+      </p:grpSpPr>
+      <p:sp>
+        <p:nvSpPr>
+          <p:cNvPr id="2" name="Vertical Title 1"/>
+          <p:cNvSpPr>
+            <a:spLocks noGrp="1"/>
+          </p:cNvSpPr>
+          <p:nvPr>
+            <p:ph type="title" orient="vert"/>
+          </p:nvPr>
+        </p:nvSpPr>
+        <p:spPr>
+          <a:xfrm>
+            <a:off x="8685212" y="685800"/>
+            <a:ext cx="2057400" cy="4572000"/>
+          </a:xfrm>
+        </p:spPr>
+        <p:txBody>
+          <a:bodyPr vert="eaVert"/>
+          <a:lstStyle/>
+          <a:p>
+            <a:r>
+              <a:rPr lang="pt-BR" smtClean="0"/>
+              <a:t>Clique para editar o título mestre</a:t>
+            </a:r>
+            <a:endParaRPr lang="en-US" dirty="0"/>
+          </a:p>
+        </p:txBody>
+      </p:sp>
+      <p:sp>
+        <p:nvSpPr>
+          <p:cNvPr id="3" name="Vertical Text Placeholder 2"/>
+          <p:cNvSpPr>
+            <a:spLocks noGrp="1"/>
+          </p:cNvSpPr>
+          <p:nvPr>
+            <p:ph type="body" orient="vert" idx="1"/>
+          </p:nvPr>
+        </p:nvSpPr>
+        <p:spPr>
+          <a:xfrm>
+            <a:off x="685800" y="685800"/>
+            <a:ext cx="7823200" cy="5308600"/>
+          </a:xfrm>
+        </p:spPr>
+        <p:txBody>
+          <a:bodyPr vert="eaVert" anchor="t"/>
+          <a:lstStyle/>
+          <a:p>
+            <a:pPr lvl="0"/>
+            <a:r>
+              <a:rPr lang="pt-BR" smtClean="0"/>
+              <a:t>Clique para editar o texto mestre</a:t>
+            </a:r>
+          </a:p>
+          <a:p>
+            <a:pPr lvl="1"/>
+            <a:r>
+              <a:rPr lang="pt-BR" smtClean="0"/>
+              <a:t>Segundo nível</a:t>
+            </a:r>
+          </a:p>
+          <a:p>
+            <a:pPr lvl="2"/>
+            <a:r>
+              <a:rPr lang="pt-BR" smtClean="0"/>
+              <a:t>Terceiro nível</a:t>
+            </a:r>
+          </a:p>
+          <a:p>
+            <a:pPr lvl="3"/>
+            <a:r>
+              <a:rPr lang="pt-BR" smtClean="0"/>
+              <a:t>Quarto nível</a:t>
+            </a:r>
+          </a:p>
+          <a:p>
+            <a:pPr lvl="4"/>
+            <a:r>
+              <a:rPr lang="pt-BR" smtClean="0"/>
+              <a:t>Quinto nível</a:t>
+            </a:r>
+            <a:endParaRPr lang="en-US" dirty="0"/>
+          </a:p>
+        </p:txBody>
+      </p:sp>
+      <p:sp>
+        <p:nvSpPr>
+          <p:cNvPr id="4" name="Date Placeholder 3"/>
+          <p:cNvSpPr>
+            <a:spLocks noGrp="1"/>
+          </p:cNvSpPr>
+          <p:nvPr>
+            <p:ph type="dt" sz="half" idx="10"/>
+          </p:nvPr>
+        </p:nvSpPr>
+        <p:spPr/>
+        <p:txBody>
+          <a:bodyPr/>
+          <a:lstStyle/>
+          <a:p>
+            <a:fld id="{7DF38858-3E8E-405B-AC30-EE4890007BA2}" type="datetimeFigureOut">
+              <a:rPr lang="pt-BR" smtClean="0"/>
+              <a:t>18/05/2016</a:t>
+            </a:fld>
+            <a:endParaRPr lang="pt-BR"/>
+          </a:p>
+        </p:txBody>
+      </p:sp>
+      <p:sp>
+        <p:nvSpPr>
+          <p:cNvPr id="5" name="Footer Placeholder 4"/>
+          <p:cNvSpPr>
+            <a:spLocks noGrp="1"/>
+          </p:cNvSpPr>
+          <p:nvPr>
+            <p:ph type="ftr" sz="quarter" idx="11"/>
+          </p:nvPr>
+        </p:nvSpPr>
+        <p:spPr/>
+        <p:txBody>
+          <a:bodyPr/>
+          <a:lstStyle/>
+          <a:p>
+            <a:endParaRPr lang="pt-BR"/>
+          </a:p>
+        </p:txBody>
+      </p:sp>
+      <p:sp>
+        <p:nvSpPr>
+          <p:cNvPr id="6" name="Slide Number Placeholder 5"/>
+          <p:cNvSpPr>
+            <a:spLocks noGrp="1"/>
+          </p:cNvSpPr>
+          <p:nvPr>
+            <p:ph type="sldNum" sz="quarter" idx="12"/>
+          </p:nvPr>
+        </p:nvSpPr>
+        <p:spPr/>
+        <p:txBody>
+          <a:bodyPr/>
+          <a:lstStyle/>
+          <a:p>
+            <a:fld id="{8E6180DA-64DC-44B1-8F20-CA16BE66F0D3}" type="slidenum">
+              <a:rPr lang="pt-BR" smtClean="0"/>
+              <a:t>‹nº›</a:t>
+            </a:fld>
+            <a:endParaRPr lang="pt-BR"/>
+          </a:p>
+        </p:txBody>
+      </p:sp>
+    </p:spTree>
+    <p:extLst>
+      <p:ext uri="{BB962C8B-B14F-4D97-AF65-F5344CB8AC3E}">
+        <p14:creationId xmlns:p14="http://schemas.microsoft.com/office/powerpoint/2010/main" val="802464793"/>
       </p:ext>
     </p:extLst>
   </p:cSld>
@@ -839,7 +5231,7 @@
       </p:grpSpPr>
       <p:sp>
         <p:nvSpPr>
-          <p:cNvPr id="2" name="Título 1"/>
+          <p:cNvPr id="2" name="Title 1"/>
           <p:cNvSpPr>
             <a:spLocks noGrp="1"/>
           </p:cNvSpPr>
@@ -849,15 +5241,17 @@
         </p:nvSpPr>
         <p:spPr>
           <a:xfrm>
-            <a:off x="831850" y="1709738"/>
-            <a:ext cx="10515600" cy="2852737"/>
+            <a:off x="831850" y="1712423"/>
+            <a:ext cx="10515600" cy="2851208"/>
           </a:xfrm>
         </p:spPr>
         <p:txBody>
-          <a:bodyPr anchor="b"/>
+          <a:bodyPr anchor="b">
+            <a:normAutofit/>
+          </a:bodyPr>
           <a:lstStyle>
             <a:lvl1pPr>
-              <a:defRPr sz="6000"/>
+              <a:defRPr sz="6000" b="0"/>
             </a:lvl1pPr>
           </a:lstStyle>
           <a:p>
@@ -865,13 +5259,13 @@
               <a:rPr lang="pt-BR" smtClean="0"/>
               <a:t>Clique para editar o título mestre</a:t>
             </a:r>
-            <a:endParaRPr lang="pt-BR"/>
-          </a:p>
-        </p:txBody>
-      </p:sp>
-      <p:sp>
-        <p:nvSpPr>
-          <p:cNvPr id="3" name="Espaço Reservado para Texto 2"/>
+            <a:endParaRPr lang="en-US" dirty="0"/>
+          </a:p>
+        </p:txBody>
+      </p:sp>
+      <p:sp>
+        <p:nvSpPr>
+          <p:cNvPr id="3" name="Text Placeholder 2"/>
           <p:cNvSpPr>
             <a:spLocks noGrp="1"/>
           </p:cNvSpPr>
@@ -881,26 +5275,29 @@
         </p:nvSpPr>
         <p:spPr>
           <a:xfrm>
-            <a:off x="831850" y="4589463"/>
+            <a:off x="831850" y="4552633"/>
             <a:ext cx="10515600" cy="1500187"/>
           </a:xfrm>
         </p:spPr>
         <p:txBody>
-          <a:bodyPr/>
+          <a:bodyPr anchor="t">
+            <a:normAutofit/>
+          </a:bodyPr>
           <a:lstStyle>
             <a:lvl1pPr marL="0" indent="0">
               <a:buNone/>
               <a:defRPr sz="2400">
                 <a:solidFill>
                   <a:schemeClr val="tx1">
-                    <a:tint val="75000"/>
+                    <a:lumMod val="75000"/>
+                    <a:lumOff val="25000"/>
                   </a:schemeClr>
                 </a:solidFill>
               </a:defRPr>
             </a:lvl1pPr>
             <a:lvl2pPr marL="457200" indent="0">
               <a:buNone/>
-              <a:defRPr sz="2000">
+              <a:defRPr sz="1800">
                 <a:solidFill>
                   <a:schemeClr val="tx1">
                     <a:tint val="75000"/>
@@ -910,7 +5307,7 @@
             </a:lvl2pPr>
             <a:lvl3pPr marL="914400" indent="0">
               <a:buNone/>
-              <a:defRPr sz="1800">
+              <a:defRPr sz="1600">
                 <a:solidFill>
                   <a:schemeClr val="tx1">
                     <a:tint val="75000"/>
@@ -920,7 +5317,7 @@
             </a:lvl3pPr>
             <a:lvl4pPr marL="1371600" indent="0">
               <a:buNone/>
-              <a:defRPr sz="1600">
+              <a:defRPr sz="1400">
                 <a:solidFill>
                   <a:schemeClr val="tx1">
                     <a:tint val="75000"/>
@@ -930,7 +5327,7 @@
             </a:lvl4pPr>
             <a:lvl5pPr marL="1828800" indent="0">
               <a:buNone/>
-              <a:defRPr sz="1600">
+              <a:defRPr sz="1400">
                 <a:solidFill>
                   <a:schemeClr val="tx1">
                     <a:tint val="75000"/>
@@ -940,7 +5337,7 @@
             </a:lvl5pPr>
             <a:lvl6pPr marL="2286000" indent="0">
               <a:buNone/>
-              <a:defRPr sz="1600">
+              <a:defRPr sz="1400">
                 <a:solidFill>
                   <a:schemeClr val="tx1">
                     <a:tint val="75000"/>
@@ -950,7 +5347,7 @@
             </a:lvl6pPr>
             <a:lvl7pPr marL="2743200" indent="0">
               <a:buNone/>
-              <a:defRPr sz="1600">
+              <a:defRPr sz="1400">
                 <a:solidFill>
                   <a:schemeClr val="tx1">
                     <a:tint val="75000"/>
@@ -960,7 +5357,7 @@
             </a:lvl7pPr>
             <a:lvl8pPr marL="3200400" indent="0">
               <a:buNone/>
-              <a:defRPr sz="1600">
+              <a:defRPr sz="1400">
                 <a:solidFill>
                   <a:schemeClr val="tx1">
                     <a:tint val="75000"/>
@@ -970,7 +5367,7 @@
             </a:lvl8pPr>
             <a:lvl9pPr marL="3657600" indent="0">
               <a:buNone/>
-              <a:defRPr sz="1600">
+              <a:defRPr sz="1400">
                 <a:solidFill>
                   <a:schemeClr val="tx1">
                     <a:tint val="75000"/>
@@ -990,7 +5387,7 @@
       </p:sp>
       <p:sp>
         <p:nvSpPr>
-          <p:cNvPr id="4" name="Espaço Reservado para Data 3"/>
+          <p:cNvPr id="4" name="Date Placeholder 3"/>
           <p:cNvSpPr>
             <a:spLocks noGrp="1"/>
           </p:cNvSpPr>
@@ -1013,7 +5410,7 @@
       </p:sp>
       <p:sp>
         <p:nvSpPr>
-          <p:cNvPr id="5" name="Espaço Reservado para Rodapé 4"/>
+          <p:cNvPr id="5" name="Footer Placeholder 4"/>
           <p:cNvSpPr>
             <a:spLocks noGrp="1"/>
           </p:cNvSpPr>
@@ -1032,7 +5429,7 @@
       </p:sp>
       <p:sp>
         <p:nvSpPr>
-          <p:cNvPr id="6" name="Espaço Reservado para Número de Slide 5"/>
+          <p:cNvPr id="6" name="Slide Number Placeholder 5"/>
           <p:cNvSpPr>
             <a:spLocks noGrp="1"/>
           </p:cNvSpPr>
@@ -1056,7 +5453,7 @@
     </p:spTree>
     <p:extLst>
       <p:ext uri="{BB962C8B-B14F-4D97-AF65-F5344CB8AC3E}">
-        <p14:creationId xmlns:p14="http://schemas.microsoft.com/office/powerpoint/2010/main" val="4215914876"/>
+        <p14:creationId xmlns:p14="http://schemas.microsoft.com/office/powerpoint/2010/main" val="3728310145"/>
       </p:ext>
     </p:extLst>
   </p:cSld>
@@ -1085,7 +5482,7 @@
       </p:grpSpPr>
       <p:sp>
         <p:nvSpPr>
-          <p:cNvPr id="2" name="Título 1"/>
+          <p:cNvPr id="2" name="Title 1"/>
           <p:cNvSpPr>
             <a:spLocks noGrp="1"/>
           </p:cNvSpPr>
@@ -1102,13 +5499,13 @@
               <a:rPr lang="pt-BR" smtClean="0"/>
               <a:t>Clique para editar o título mestre</a:t>
             </a:r>
-            <a:endParaRPr lang="pt-BR"/>
-          </a:p>
-        </p:txBody>
-      </p:sp>
-      <p:sp>
-        <p:nvSpPr>
-          <p:cNvPr id="3" name="Espaço Reservado para Conteúdo 2"/>
+            <a:endParaRPr lang="en-US" dirty="0"/>
+          </a:p>
+        </p:txBody>
+      </p:sp>
+      <p:sp>
+        <p:nvSpPr>
+          <p:cNvPr id="3" name="Content Placeholder 2"/>
           <p:cNvSpPr>
             <a:spLocks noGrp="1"/>
           </p:cNvSpPr>
@@ -1118,8 +5515,8 @@
         </p:nvSpPr>
         <p:spPr>
           <a:xfrm>
-            <a:off x="838200" y="1825625"/>
-            <a:ext cx="5181600" cy="4351338"/>
+            <a:off x="845127" y="1828800"/>
+            <a:ext cx="5181600" cy="4351337"/>
           </a:xfrm>
         </p:spPr>
         <p:txBody>
@@ -1159,13 +5556,13 @@
               <a:rPr lang="pt-BR" smtClean="0"/>
               <a:t>Quinto nível</a:t>
             </a:r>
-            <a:endParaRPr lang="pt-BR"/>
-          </a:p>
-        </p:txBody>
-      </p:sp>
-      <p:sp>
-        <p:nvSpPr>
-          <p:cNvPr id="4" name="Espaço Reservado para Conteúdo 3"/>
+            <a:endParaRPr lang="en-US" dirty="0"/>
+          </a:p>
+        </p:txBody>
+      </p:sp>
+      <p:sp>
+        <p:nvSpPr>
+          <p:cNvPr id="4" name="Content Placeholder 3"/>
           <p:cNvSpPr>
             <a:spLocks noGrp="1"/>
           </p:cNvSpPr>
@@ -1175,8 +5572,8 @@
         </p:nvSpPr>
         <p:spPr>
           <a:xfrm>
-            <a:off x="6172200" y="1825625"/>
-            <a:ext cx="5181600" cy="4351338"/>
+            <a:off x="6172200" y="1828800"/>
+            <a:ext cx="5181600" cy="4351337"/>
           </a:xfrm>
         </p:spPr>
         <p:txBody>
@@ -1216,13 +5613,13 @@
               <a:rPr lang="pt-BR" smtClean="0"/>
               <a:t>Quinto nível</a:t>
             </a:r>
-            <a:endParaRPr lang="pt-BR"/>
-          </a:p>
-        </p:txBody>
-      </p:sp>
-      <p:sp>
-        <p:nvSpPr>
-          <p:cNvPr id="5" name="Espaço Reservado para Data 4"/>
+            <a:endParaRPr lang="en-US" dirty="0"/>
+          </a:p>
+        </p:txBody>
+      </p:sp>
+      <p:sp>
+        <p:nvSpPr>
+          <p:cNvPr id="5" name="Date Placeholder 4"/>
           <p:cNvSpPr>
             <a:spLocks noGrp="1"/>
           </p:cNvSpPr>
@@ -1245,7 +5642,7 @@
       </p:sp>
       <p:sp>
         <p:nvSpPr>
-          <p:cNvPr id="6" name="Espaço Reservado para Rodapé 5"/>
+          <p:cNvPr id="6" name="Footer Placeholder 5"/>
           <p:cNvSpPr>
             <a:spLocks noGrp="1"/>
           </p:cNvSpPr>
@@ -1264,7 +5661,7 @@
       </p:sp>
       <p:sp>
         <p:nvSpPr>
-          <p:cNvPr id="7" name="Espaço Reservado para Número de Slide 6"/>
+          <p:cNvPr id="7" name="Slide Number Placeholder 6"/>
           <p:cNvSpPr>
             <a:spLocks noGrp="1"/>
           </p:cNvSpPr>
@@ -1288,7 +5685,7 @@
     </p:spTree>
     <p:extLst>
       <p:ext uri="{BB962C8B-B14F-4D97-AF65-F5344CB8AC3E}">
-        <p14:creationId xmlns:p14="http://schemas.microsoft.com/office/powerpoint/2010/main" val="2828009515"/>
+        <p14:creationId xmlns:p14="http://schemas.microsoft.com/office/powerpoint/2010/main" val="4177140038"/>
       </p:ext>
     </p:extLst>
   </p:cSld>
@@ -1299,7 +5696,7 @@
 </file>
 
 <file path=ppt/slideLayouts/slideLayout5.xml><?xml version="1.0" encoding="utf-8"?>
-<p:sldLayout xmlns:a="http://schemas.openxmlformats.org/drawingml/2006/main" xmlns:r="http://schemas.openxmlformats.org/officeDocument/2006/relationships" xmlns:p="http://schemas.openxmlformats.org/presentationml/2006/main" type="twoTxTwoObj" preserve="1">
+<p:sldLayout xmlns:a="http://schemas.openxmlformats.org/drawingml/2006/main" xmlns:r="http://schemas.openxmlformats.org/officeDocument/2006/relationships" xmlns:p="http://schemas.openxmlformats.org/presentationml/2006/main" preserve="1">
   <p:cSld name="Comparação">
     <p:spTree>
       <p:nvGrpSpPr>
@@ -1317,52 +5714,154 @@
       </p:grpSpPr>
       <p:sp>
         <p:nvSpPr>
-          <p:cNvPr id="2" name="Título 1"/>
-          <p:cNvSpPr>
-            <a:spLocks noGrp="1"/>
-          </p:cNvSpPr>
-          <p:nvPr>
-            <p:ph type="title"/>
+          <p:cNvPr id="3" name="Text Placeholder 2"/>
+          <p:cNvSpPr>
+            <a:spLocks noGrp="1"/>
+          </p:cNvSpPr>
+          <p:nvPr>
+            <p:ph type="body" idx="1"/>
           </p:nvPr>
         </p:nvSpPr>
         <p:spPr>
           <a:xfrm>
-            <a:off x="839788" y="365125"/>
-            <a:ext cx="10515600" cy="1325563"/>
+            <a:off x="845127" y="1681850"/>
+            <a:ext cx="5156200" cy="825699"/>
           </a:xfrm>
         </p:spPr>
         <p:txBody>
-          <a:bodyPr/>
-          <a:lstStyle/>
-          <a:p>
-            <a:r>
-              <a:rPr lang="pt-BR" smtClean="0"/>
-              <a:t>Clique para editar o título mestre</a:t>
-            </a:r>
-            <a:endParaRPr lang="pt-BR"/>
-          </a:p>
-        </p:txBody>
-      </p:sp>
-      <p:sp>
-        <p:nvSpPr>
-          <p:cNvPr id="3" name="Espaço Reservado para Texto 2"/>
-          <p:cNvSpPr>
-            <a:spLocks noGrp="1"/>
-          </p:cNvSpPr>
-          <p:nvPr>
-            <p:ph type="body" idx="1"/>
+          <a:bodyPr anchor="b">
+            <a:normAutofit/>
+          </a:bodyPr>
+          <a:lstStyle>
+            <a:lvl1pPr marL="0" indent="0">
+              <a:spcBef>
+                <a:spcPts val="0"/>
+              </a:spcBef>
+              <a:buNone/>
+              <a:defRPr sz="2400" b="1"/>
+            </a:lvl1pPr>
+            <a:lvl2pPr marL="457200" indent="0">
+              <a:buNone/>
+              <a:defRPr sz="2000" b="1"/>
+            </a:lvl2pPr>
+            <a:lvl3pPr marL="914400" indent="0">
+              <a:buNone/>
+              <a:defRPr sz="1800" b="1"/>
+            </a:lvl3pPr>
+            <a:lvl4pPr marL="1371600" indent="0">
+              <a:buNone/>
+              <a:defRPr sz="1600" b="1"/>
+            </a:lvl4pPr>
+            <a:lvl5pPr marL="1828800" indent="0">
+              <a:buNone/>
+              <a:defRPr sz="1600" b="1"/>
+            </a:lvl5pPr>
+            <a:lvl6pPr marL="2286000" indent="0">
+              <a:buNone/>
+              <a:defRPr sz="1600" b="1"/>
+            </a:lvl6pPr>
+            <a:lvl7pPr marL="2743200" indent="0">
+              <a:buNone/>
+              <a:defRPr sz="1600" b="1"/>
+            </a:lvl7pPr>
+            <a:lvl8pPr marL="3200400" indent="0">
+              <a:buNone/>
+              <a:defRPr sz="1600" b="1"/>
+            </a:lvl8pPr>
+            <a:lvl9pPr marL="3657600" indent="0">
+              <a:buNone/>
+              <a:defRPr sz="1600" b="1"/>
+            </a:lvl9pPr>
+          </a:lstStyle>
+          <a:p>
+            <a:pPr lvl="0"/>
+            <a:r>
+              <a:rPr lang="pt-BR" smtClean="0"/>
+              <a:t>Clique para editar o texto mestre</a:t>
+            </a:r>
+          </a:p>
+        </p:txBody>
+      </p:sp>
+      <p:sp>
+        <p:nvSpPr>
+          <p:cNvPr id="4" name="Content Placeholder 3"/>
+          <p:cNvSpPr>
+            <a:spLocks noGrp="1"/>
+          </p:cNvSpPr>
+          <p:nvPr>
+            <p:ph sz="half" idx="2"/>
           </p:nvPr>
         </p:nvSpPr>
         <p:spPr>
           <a:xfrm>
-            <a:off x="839788" y="1681163"/>
-            <a:ext cx="5157787" cy="823912"/>
+            <a:off x="845127" y="2507550"/>
+            <a:ext cx="5156200" cy="3680525"/>
+          </a:xfrm>
+        </p:spPr>
+        <p:txBody>
+          <a:bodyPr/>
+          <a:lstStyle/>
+          <a:p>
+            <a:pPr lvl="0"/>
+            <a:r>
+              <a:rPr lang="pt-BR" smtClean="0"/>
+              <a:t>Clique para editar o texto mestre</a:t>
+            </a:r>
+          </a:p>
+          <a:p>
+            <a:pPr lvl="1"/>
+            <a:r>
+              <a:rPr lang="pt-BR" smtClean="0"/>
+              <a:t>Segundo nível</a:t>
+            </a:r>
+          </a:p>
+          <a:p>
+            <a:pPr lvl="2"/>
+            <a:r>
+              <a:rPr lang="pt-BR" smtClean="0"/>
+              <a:t>Terceiro nível</a:t>
+            </a:r>
+          </a:p>
+          <a:p>
+            <a:pPr lvl="3"/>
+            <a:r>
+              <a:rPr lang="pt-BR" smtClean="0"/>
+              <a:t>Quarto nível</a:t>
+            </a:r>
+          </a:p>
+          <a:p>
+            <a:pPr lvl="4"/>
+            <a:r>
+              <a:rPr lang="pt-BR" smtClean="0"/>
+              <a:t>Quinto nível</a:t>
+            </a:r>
+            <a:endParaRPr lang="en-US" dirty="0"/>
+          </a:p>
+        </p:txBody>
+      </p:sp>
+      <p:sp>
+        <p:nvSpPr>
+          <p:cNvPr id="5" name="Text Placeholder 4"/>
+          <p:cNvSpPr>
+            <a:spLocks noGrp="1"/>
+          </p:cNvSpPr>
+          <p:nvPr>
+            <p:ph type="body" sz="quarter" idx="3"/>
+          </p:nvPr>
+        </p:nvSpPr>
+        <p:spPr>
+          <a:xfrm>
+            <a:off x="6172200" y="1681851"/>
+            <a:ext cx="5181601" cy="825698"/>
           </a:xfrm>
         </p:spPr>
         <p:txBody>
           <a:bodyPr anchor="b"/>
           <a:lstStyle>
             <a:lvl1pPr marL="0" indent="0">
+              <a:spcBef>
+                <a:spcPts val="0"/>
+              </a:spcBef>
               <a:buNone/>
               <a:defRPr sz="2400" b="1"/>
             </a:lvl1pPr>
@@ -1410,18 +5909,18 @@
       </p:sp>
       <p:sp>
         <p:nvSpPr>
-          <p:cNvPr id="4" name="Espaço Reservado para Conteúdo 3"/>
-          <p:cNvSpPr>
-            <a:spLocks noGrp="1"/>
-          </p:cNvSpPr>
-          <p:nvPr>
-            <p:ph sz="half" idx="2"/>
+          <p:cNvPr id="6" name="Content Placeholder 5"/>
+          <p:cNvSpPr>
+            <a:spLocks noGrp="1"/>
+          </p:cNvSpPr>
+          <p:nvPr>
+            <p:ph sz="quarter" idx="4"/>
           </p:nvPr>
         </p:nvSpPr>
         <p:spPr>
           <a:xfrm>
-            <a:off x="839788" y="2505075"/>
-            <a:ext cx="5157787" cy="3684588"/>
+            <a:off x="6172200" y="2507550"/>
+            <a:ext cx="5181601" cy="3680525"/>
           </a:xfrm>
         </p:spPr>
         <p:txBody>
@@ -1461,135 +5960,13 @@
               <a:rPr lang="pt-BR" smtClean="0"/>
               <a:t>Quinto nível</a:t>
             </a:r>
-            <a:endParaRPr lang="pt-BR"/>
-          </a:p>
-        </p:txBody>
-      </p:sp>
-      <p:sp>
-        <p:nvSpPr>
-          <p:cNvPr id="5" name="Espaço Reservado para Texto 4"/>
-          <p:cNvSpPr>
-            <a:spLocks noGrp="1"/>
-          </p:cNvSpPr>
-          <p:nvPr>
-            <p:ph type="body" sz="quarter" idx="3"/>
-          </p:nvPr>
-        </p:nvSpPr>
-        <p:spPr>
-          <a:xfrm>
-            <a:off x="6172200" y="1681163"/>
-            <a:ext cx="5183188" cy="823912"/>
-          </a:xfrm>
-        </p:spPr>
-        <p:txBody>
-          <a:bodyPr anchor="b"/>
-          <a:lstStyle>
-            <a:lvl1pPr marL="0" indent="0">
-              <a:buNone/>
-              <a:defRPr sz="2400" b="1"/>
-            </a:lvl1pPr>
-            <a:lvl2pPr marL="457200" indent="0">
-              <a:buNone/>
-              <a:defRPr sz="2000" b="1"/>
-            </a:lvl2pPr>
-            <a:lvl3pPr marL="914400" indent="0">
-              <a:buNone/>
-              <a:defRPr sz="1800" b="1"/>
-            </a:lvl3pPr>
-            <a:lvl4pPr marL="1371600" indent="0">
-              <a:buNone/>
-              <a:defRPr sz="1600" b="1"/>
-            </a:lvl4pPr>
-            <a:lvl5pPr marL="1828800" indent="0">
-              <a:buNone/>
-              <a:defRPr sz="1600" b="1"/>
-            </a:lvl5pPr>
-            <a:lvl6pPr marL="2286000" indent="0">
-              <a:buNone/>
-              <a:defRPr sz="1600" b="1"/>
-            </a:lvl6pPr>
-            <a:lvl7pPr marL="2743200" indent="0">
-              <a:buNone/>
-              <a:defRPr sz="1600" b="1"/>
-            </a:lvl7pPr>
-            <a:lvl8pPr marL="3200400" indent="0">
-              <a:buNone/>
-              <a:defRPr sz="1600" b="1"/>
-            </a:lvl8pPr>
-            <a:lvl9pPr marL="3657600" indent="0">
-              <a:buNone/>
-              <a:defRPr sz="1600" b="1"/>
-            </a:lvl9pPr>
-          </a:lstStyle>
-          <a:p>
-            <a:pPr lvl="0"/>
-            <a:r>
-              <a:rPr lang="pt-BR" smtClean="0"/>
-              <a:t>Clique para editar o texto mestre</a:t>
-            </a:r>
-          </a:p>
-        </p:txBody>
-      </p:sp>
-      <p:sp>
-        <p:nvSpPr>
-          <p:cNvPr id="6" name="Espaço Reservado para Conteúdo 5"/>
-          <p:cNvSpPr>
-            <a:spLocks noGrp="1"/>
-          </p:cNvSpPr>
-          <p:nvPr>
-            <p:ph sz="quarter" idx="4"/>
-          </p:nvPr>
-        </p:nvSpPr>
-        <p:spPr>
-          <a:xfrm>
-            <a:off x="6172200" y="2505075"/>
-            <a:ext cx="5183188" cy="3684588"/>
-          </a:xfrm>
-        </p:spPr>
-        <p:txBody>
-          <a:bodyPr/>
-          <a:lstStyle/>
-          <a:p>
-            <a:pPr lvl="0"/>
-            <a:r>
-              <a:rPr lang="pt-BR" smtClean="0"/>
-              <a:t>Clique para editar o texto mestre</a:t>
-            </a:r>
-          </a:p>
-          <a:p>
-            <a:pPr lvl="1"/>
-            <a:r>
-              <a:rPr lang="pt-BR" smtClean="0"/>
-              <a:t>Segundo nível</a:t>
-            </a:r>
-          </a:p>
-          <a:p>
-            <a:pPr lvl="2"/>
-            <a:r>
-              <a:rPr lang="pt-BR" smtClean="0"/>
-              <a:t>Terceiro nível</a:t>
-            </a:r>
-          </a:p>
-          <a:p>
-            <a:pPr lvl="3"/>
-            <a:r>
-              <a:rPr lang="pt-BR" smtClean="0"/>
-              <a:t>Quarto nível</a:t>
-            </a:r>
-          </a:p>
-          <a:p>
-            <a:pPr lvl="4"/>
-            <a:r>
-              <a:rPr lang="pt-BR" smtClean="0"/>
-              <a:t>Quinto nível</a:t>
-            </a:r>
-            <a:endParaRPr lang="pt-BR"/>
-          </a:p>
-        </p:txBody>
-      </p:sp>
-      <p:sp>
-        <p:nvSpPr>
-          <p:cNvPr id="7" name="Espaço Reservado para Data 6"/>
+            <a:endParaRPr lang="en-US"/>
+          </a:p>
+        </p:txBody>
+      </p:sp>
+      <p:sp>
+        <p:nvSpPr>
+          <p:cNvPr id="7" name="Date Placeholder 6"/>
           <p:cNvSpPr>
             <a:spLocks noGrp="1"/>
           </p:cNvSpPr>
@@ -1612,7 +5989,7 @@
       </p:sp>
       <p:sp>
         <p:nvSpPr>
-          <p:cNvPr id="8" name="Espaço Reservado para Rodapé 7"/>
+          <p:cNvPr id="8" name="Footer Placeholder 7"/>
           <p:cNvSpPr>
             <a:spLocks noGrp="1"/>
           </p:cNvSpPr>
@@ -1631,7 +6008,7 @@
       </p:sp>
       <p:sp>
         <p:nvSpPr>
-          <p:cNvPr id="9" name="Espaço Reservado para Número de Slide 8"/>
+          <p:cNvPr id="9" name="Slide Number Placeholder 8"/>
           <p:cNvSpPr>
             <a:spLocks noGrp="1"/>
           </p:cNvSpPr>
@@ -1652,10 +6029,33 @@
           </a:p>
         </p:txBody>
       </p:sp>
+      <p:sp>
+        <p:nvSpPr>
+          <p:cNvPr id="10" name="Title 9"/>
+          <p:cNvSpPr>
+            <a:spLocks noGrp="1"/>
+          </p:cNvSpPr>
+          <p:nvPr>
+            <p:ph type="title"/>
+          </p:nvPr>
+        </p:nvSpPr>
+        <p:spPr/>
+        <p:txBody>
+          <a:bodyPr/>
+          <a:lstStyle/>
+          <a:p>
+            <a:r>
+              <a:rPr lang="pt-BR" smtClean="0"/>
+              <a:t>Clique para editar o título mestre</a:t>
+            </a:r>
+            <a:endParaRPr lang="en-US" dirty="0"/>
+          </a:p>
+        </p:txBody>
+      </p:sp>
     </p:spTree>
     <p:extLst>
       <p:ext uri="{BB962C8B-B14F-4D97-AF65-F5344CB8AC3E}">
-        <p14:creationId xmlns:p14="http://schemas.microsoft.com/office/powerpoint/2010/main" val="1186399751"/>
+        <p14:creationId xmlns:p14="http://schemas.microsoft.com/office/powerpoint/2010/main" val="626705386"/>
       </p:ext>
     </p:extLst>
   </p:cSld>
@@ -1666,7 +6066,7 @@
 </file>
 
 <file path=ppt/slideLayouts/slideLayout6.xml><?xml version="1.0" encoding="utf-8"?>
-<p:sldLayout xmlns:a="http://schemas.openxmlformats.org/drawingml/2006/main" xmlns:r="http://schemas.openxmlformats.org/officeDocument/2006/relationships" xmlns:p="http://schemas.openxmlformats.org/presentationml/2006/main" type="titleOnly" preserve="1">
+<p:sldLayout xmlns:a="http://schemas.openxmlformats.org/drawingml/2006/main" xmlns:r="http://schemas.openxmlformats.org/officeDocument/2006/relationships" xmlns:p="http://schemas.openxmlformats.org/presentationml/2006/main" preserve="1">
   <p:cSld name="Somente título">
     <p:spTree>
       <p:nvGrpSpPr>
@@ -1684,30 +6084,7 @@
       </p:grpSpPr>
       <p:sp>
         <p:nvSpPr>
-          <p:cNvPr id="2" name="Título 1"/>
-          <p:cNvSpPr>
-            <a:spLocks noGrp="1"/>
-          </p:cNvSpPr>
-          <p:nvPr>
-            <p:ph type="title"/>
-          </p:nvPr>
-        </p:nvSpPr>
-        <p:spPr/>
-        <p:txBody>
-          <a:bodyPr/>
-          <a:lstStyle/>
-          <a:p>
-            <a:r>
-              <a:rPr lang="pt-BR" smtClean="0"/>
-              <a:t>Clique para editar o título mestre</a:t>
-            </a:r>
-            <a:endParaRPr lang="pt-BR"/>
-          </a:p>
-        </p:txBody>
-      </p:sp>
-      <p:sp>
-        <p:nvSpPr>
-          <p:cNvPr id="3" name="Espaço Reservado para Data 2"/>
+          <p:cNvPr id="3" name="Date Placeholder 2"/>
           <p:cNvSpPr>
             <a:spLocks noGrp="1"/>
           </p:cNvSpPr>
@@ -1730,7 +6107,7 @@
       </p:sp>
       <p:sp>
         <p:nvSpPr>
-          <p:cNvPr id="4" name="Espaço Reservado para Rodapé 3"/>
+          <p:cNvPr id="4" name="Footer Placeholder 3"/>
           <p:cNvSpPr>
             <a:spLocks noGrp="1"/>
           </p:cNvSpPr>
@@ -1749,7 +6126,7 @@
       </p:sp>
       <p:sp>
         <p:nvSpPr>
-          <p:cNvPr id="5" name="Espaço Reservado para Número de Slide 4"/>
+          <p:cNvPr id="5" name="Slide Number Placeholder 4"/>
           <p:cNvSpPr>
             <a:spLocks noGrp="1"/>
           </p:cNvSpPr>
@@ -1770,10 +6147,33 @@
           </a:p>
         </p:txBody>
       </p:sp>
+      <p:sp>
+        <p:nvSpPr>
+          <p:cNvPr id="6" name="Title 5"/>
+          <p:cNvSpPr>
+            <a:spLocks noGrp="1"/>
+          </p:cNvSpPr>
+          <p:nvPr>
+            <p:ph type="title"/>
+          </p:nvPr>
+        </p:nvSpPr>
+        <p:spPr/>
+        <p:txBody>
+          <a:bodyPr/>
+          <a:lstStyle/>
+          <a:p>
+            <a:r>
+              <a:rPr lang="pt-BR" smtClean="0"/>
+              <a:t>Clique para editar o título mestre</a:t>
+            </a:r>
+            <a:endParaRPr lang="en-US"/>
+          </a:p>
+        </p:txBody>
+      </p:sp>
     </p:spTree>
     <p:extLst>
       <p:ext uri="{BB962C8B-B14F-4D97-AF65-F5344CB8AC3E}">
-        <p14:creationId xmlns:p14="http://schemas.microsoft.com/office/powerpoint/2010/main" val="1030480954"/>
+        <p14:creationId xmlns:p14="http://schemas.microsoft.com/office/powerpoint/2010/main" val="1182064459"/>
       </p:ext>
     </p:extLst>
   </p:cSld>
@@ -1802,7 +6202,7 @@
       </p:grpSpPr>
       <p:sp>
         <p:nvSpPr>
-          <p:cNvPr id="2" name="Espaço Reservado para Data 1"/>
+          <p:cNvPr id="2" name="Date Placeholder 1"/>
           <p:cNvSpPr>
             <a:spLocks noGrp="1"/>
           </p:cNvSpPr>
@@ -1825,7 +6225,7 @@
       </p:sp>
       <p:sp>
         <p:nvSpPr>
-          <p:cNvPr id="3" name="Espaço Reservado para Rodapé 2"/>
+          <p:cNvPr id="3" name="Footer Placeholder 2"/>
           <p:cNvSpPr>
             <a:spLocks noGrp="1"/>
           </p:cNvSpPr>
@@ -1844,7 +6244,7 @@
       </p:sp>
       <p:sp>
         <p:nvSpPr>
-          <p:cNvPr id="4" name="Espaço Reservado para Número de Slide 3"/>
+          <p:cNvPr id="4" name="Slide Number Placeholder 3"/>
           <p:cNvSpPr>
             <a:spLocks noGrp="1"/>
           </p:cNvSpPr>
@@ -1868,7 +6268,7 @@
     </p:spTree>
     <p:extLst>
       <p:ext uri="{BB962C8B-B14F-4D97-AF65-F5344CB8AC3E}">
-        <p14:creationId xmlns:p14="http://schemas.microsoft.com/office/powerpoint/2010/main" val="3823164319"/>
+        <p14:creationId xmlns:p14="http://schemas.microsoft.com/office/powerpoint/2010/main" val="2807469961"/>
       </p:ext>
     </p:extLst>
   </p:cSld>
@@ -1897,7 +6297,7 @@
       </p:grpSpPr>
       <p:sp>
         <p:nvSpPr>
-          <p:cNvPr id="2" name="Título 1"/>
+          <p:cNvPr id="2" name="Title 1"/>
           <p:cNvSpPr>
             <a:spLocks noGrp="1"/>
           </p:cNvSpPr>
@@ -1907,15 +6307,17 @@
         </p:nvSpPr>
         <p:spPr>
           <a:xfrm>
-            <a:off x="839788" y="457200"/>
-            <a:ext cx="3932237" cy="1600200"/>
+            <a:off x="841248" y="457200"/>
+            <a:ext cx="3931920" cy="1600197"/>
           </a:xfrm>
         </p:spPr>
         <p:txBody>
-          <a:bodyPr anchor="b"/>
+          <a:bodyPr anchor="b">
+            <a:normAutofit/>
+          </a:bodyPr>
           <a:lstStyle>
             <a:lvl1pPr>
-              <a:defRPr sz="3200"/>
+              <a:defRPr sz="3200" b="0"/>
             </a:lvl1pPr>
           </a:lstStyle>
           <a:p>
@@ -1923,13 +6325,13 @@
               <a:rPr lang="pt-BR" smtClean="0"/>
               <a:t>Clique para editar o título mestre</a:t>
             </a:r>
-            <a:endParaRPr lang="pt-BR"/>
-          </a:p>
-        </p:txBody>
-      </p:sp>
-      <p:sp>
-        <p:nvSpPr>
-          <p:cNvPr id="3" name="Espaço Reservado para Conteúdo 2"/>
+            <a:endParaRPr lang="en-US" dirty="0"/>
+          </a:p>
+        </p:txBody>
+      </p:sp>
+      <p:sp>
+        <p:nvSpPr>
+          <p:cNvPr id="3" name="Content Placeholder 2"/>
           <p:cNvSpPr>
             <a:spLocks noGrp="1"/>
           </p:cNvSpPr>
@@ -1939,8 +6341,8 @@
         </p:nvSpPr>
         <p:spPr>
           <a:xfrm>
-            <a:off x="5183188" y="987425"/>
-            <a:ext cx="6172200" cy="4873625"/>
+            <a:off x="5181600" y="990600"/>
+            <a:ext cx="6172200" cy="4876800"/>
           </a:xfrm>
         </p:spPr>
         <p:txBody>
@@ -2008,13 +6410,13 @@
               <a:rPr lang="pt-BR" smtClean="0"/>
               <a:t>Quinto nível</a:t>
             </a:r>
-            <a:endParaRPr lang="pt-BR"/>
-          </a:p>
-        </p:txBody>
-      </p:sp>
-      <p:sp>
-        <p:nvSpPr>
-          <p:cNvPr id="4" name="Espaço Reservado para Texto 3"/>
+            <a:endParaRPr lang="en-US" dirty="0"/>
+          </a:p>
+        </p:txBody>
+      </p:sp>
+      <p:sp>
+        <p:nvSpPr>
+          <p:cNvPr id="4" name="Text Placeholder 3"/>
           <p:cNvSpPr>
             <a:spLocks noGrp="1"/>
           </p:cNvSpPr>
@@ -2024,48 +6426,53 @@
         </p:nvSpPr>
         <p:spPr>
           <a:xfrm>
-            <a:off x="839788" y="2057400"/>
-            <a:ext cx="3932237" cy="3811588"/>
+            <a:off x="841248" y="2057399"/>
+            <a:ext cx="3931920" cy="3810001"/>
           </a:xfrm>
         </p:spPr>
         <p:txBody>
-          <a:bodyPr/>
+          <a:bodyPr>
+            <a:normAutofit/>
+          </a:bodyPr>
           <a:lstStyle>
             <a:lvl1pPr marL="0" indent="0">
+              <a:lnSpc>
+                <a:spcPct val="90000"/>
+              </a:lnSpc>
               <a:buNone/>
               <a:defRPr sz="1600"/>
             </a:lvl1pPr>
             <a:lvl2pPr marL="457200" indent="0">
               <a:buNone/>
-              <a:defRPr sz="1400"/>
+              <a:defRPr sz="1200"/>
             </a:lvl2pPr>
             <a:lvl3pPr marL="914400" indent="0">
               <a:buNone/>
-              <a:defRPr sz="1200"/>
+              <a:defRPr sz="1000"/>
             </a:lvl3pPr>
             <a:lvl4pPr marL="1371600" indent="0">
               <a:buNone/>
-              <a:defRPr sz="1000"/>
+              <a:defRPr sz="900"/>
             </a:lvl4pPr>
             <a:lvl5pPr marL="1828800" indent="0">
               <a:buNone/>
-              <a:defRPr sz="1000"/>
+              <a:defRPr sz="900"/>
             </a:lvl5pPr>
             <a:lvl6pPr marL="2286000" indent="0">
               <a:buNone/>
-              <a:defRPr sz="1000"/>
+              <a:defRPr sz="900"/>
             </a:lvl6pPr>
             <a:lvl7pPr marL="2743200" indent="0">
               <a:buNone/>
-              <a:defRPr sz="1000"/>
+              <a:defRPr sz="900"/>
             </a:lvl7pPr>
             <a:lvl8pPr marL="3200400" indent="0">
               <a:buNone/>
-              <a:defRPr sz="1000"/>
+              <a:defRPr sz="900"/>
             </a:lvl8pPr>
             <a:lvl9pPr marL="3657600" indent="0">
               <a:buNone/>
-              <a:defRPr sz="1000"/>
+              <a:defRPr sz="900"/>
             </a:lvl9pPr>
           </a:lstStyle>
           <a:p>
@@ -2079,7 +6486,7 @@
       </p:sp>
       <p:sp>
         <p:nvSpPr>
-          <p:cNvPr id="5" name="Espaço Reservado para Data 4"/>
+          <p:cNvPr id="5" name="Date Placeholder 4"/>
           <p:cNvSpPr>
             <a:spLocks noGrp="1"/>
           </p:cNvSpPr>
@@ -2102,7 +6509,7 @@
       </p:sp>
       <p:sp>
         <p:nvSpPr>
-          <p:cNvPr id="6" name="Espaço Reservado para Rodapé 5"/>
+          <p:cNvPr id="6" name="Footer Placeholder 5"/>
           <p:cNvSpPr>
             <a:spLocks noGrp="1"/>
           </p:cNvSpPr>
@@ -2121,7 +6528,7 @@
       </p:sp>
       <p:sp>
         <p:nvSpPr>
-          <p:cNvPr id="7" name="Espaço Reservado para Número de Slide 6"/>
+          <p:cNvPr id="7" name="Slide Number Placeholder 6"/>
           <p:cNvSpPr>
             <a:spLocks noGrp="1"/>
           </p:cNvSpPr>
@@ -2145,7 +6552,7 @@
     </p:spTree>
     <p:extLst>
       <p:ext uri="{BB962C8B-B14F-4D97-AF65-F5344CB8AC3E}">
-        <p14:creationId xmlns:p14="http://schemas.microsoft.com/office/powerpoint/2010/main" val="2526773497"/>
+        <p14:creationId xmlns:p14="http://schemas.microsoft.com/office/powerpoint/2010/main" val="8225036"/>
       </p:ext>
     </p:extLst>
   </p:cSld>
@@ -2174,7 +6581,7 @@
       </p:grpSpPr>
       <p:sp>
         <p:nvSpPr>
-          <p:cNvPr id="2" name="Título 1"/>
+          <p:cNvPr id="2" name="Title 1"/>
           <p:cNvSpPr>
             <a:spLocks noGrp="1"/>
           </p:cNvSpPr>
@@ -2184,15 +6591,17 @@
         </p:nvSpPr>
         <p:spPr>
           <a:xfrm>
-            <a:off x="839788" y="457200"/>
-            <a:ext cx="3932237" cy="1600200"/>
+            <a:off x="841248" y="457200"/>
+            <a:ext cx="3931920" cy="1600200"/>
           </a:xfrm>
         </p:spPr>
         <p:txBody>
-          <a:bodyPr anchor="b"/>
+          <a:bodyPr anchor="b">
+            <a:normAutofit/>
+          </a:bodyPr>
           <a:lstStyle>
             <a:lvl1pPr>
-              <a:defRPr sz="3200"/>
+              <a:defRPr sz="3200" b="0"/>
             </a:lvl1pPr>
           </a:lstStyle>
           <a:p>
@@ -2200,13 +6609,13 @@
               <a:rPr lang="pt-BR" smtClean="0"/>
               <a:t>Clique para editar o título mestre</a:t>
             </a:r>
-            <a:endParaRPr lang="pt-BR"/>
-          </a:p>
-        </p:txBody>
-      </p:sp>
-      <p:sp>
-        <p:nvSpPr>
-          <p:cNvPr id="3" name="Espaço Reservado para Imagem 2"/>
+            <a:endParaRPr lang="en-US" dirty="0"/>
+          </a:p>
+        </p:txBody>
+      </p:sp>
+      <p:sp>
+        <p:nvSpPr>
+          <p:cNvPr id="3" name="Picture Placeholder 2"/>
           <p:cNvSpPr>
             <a:spLocks noGrp="1"/>
           </p:cNvSpPr>
@@ -2216,8 +6625,8 @@
         </p:nvSpPr>
         <p:spPr>
           <a:xfrm>
-            <a:off x="5183188" y="987425"/>
-            <a:ext cx="6172200" cy="4873625"/>
+            <a:off x="5181600" y="990600"/>
+            <a:ext cx="6172200" cy="4876800"/>
           </a:xfrm>
         </p:spPr>
         <p:txBody>
@@ -2261,13 +6670,17 @@
             </a:lvl9pPr>
           </a:lstStyle>
           <a:p>
-            <a:endParaRPr lang="pt-BR"/>
-          </a:p>
-        </p:txBody>
-      </p:sp>
-      <p:sp>
-        <p:nvSpPr>
-          <p:cNvPr id="4" name="Espaço Reservado para Texto 3"/>
+            <a:r>
+              <a:rPr lang="pt-BR" smtClean="0"/>
+              <a:t>Clique no ícone para adicionar uma imagem</a:t>
+            </a:r>
+            <a:endParaRPr lang="en-US" dirty="0"/>
+          </a:p>
+        </p:txBody>
+      </p:sp>
+      <p:sp>
+        <p:nvSpPr>
+          <p:cNvPr id="4" name="Text Placeholder 3"/>
           <p:cNvSpPr>
             <a:spLocks noGrp="1"/>
           </p:cNvSpPr>
@@ -2277,48 +6690,53 @@
         </p:nvSpPr>
         <p:spPr>
           <a:xfrm>
-            <a:off x="839788" y="2057400"/>
-            <a:ext cx="3932237" cy="3811588"/>
+            <a:off x="841248" y="2057400"/>
+            <a:ext cx="3931920" cy="3810000"/>
           </a:xfrm>
         </p:spPr>
         <p:txBody>
-          <a:bodyPr/>
+          <a:bodyPr>
+            <a:normAutofit/>
+          </a:bodyPr>
           <a:lstStyle>
             <a:lvl1pPr marL="0" indent="0">
+              <a:lnSpc>
+                <a:spcPct val="90000"/>
+              </a:lnSpc>
               <a:buNone/>
               <a:defRPr sz="1600"/>
             </a:lvl1pPr>
             <a:lvl2pPr marL="457200" indent="0">
               <a:buNone/>
-              <a:defRPr sz="1400"/>
+              <a:defRPr sz="1200"/>
             </a:lvl2pPr>
             <a:lvl3pPr marL="914400" indent="0">
               <a:buNone/>
-              <a:defRPr sz="1200"/>
+              <a:defRPr sz="1000"/>
             </a:lvl3pPr>
             <a:lvl4pPr marL="1371600" indent="0">
               <a:buNone/>
-              <a:defRPr sz="1000"/>
+              <a:defRPr sz="900"/>
             </a:lvl4pPr>
             <a:lvl5pPr marL="1828800" indent="0">
               <a:buNone/>
-              <a:defRPr sz="1000"/>
+              <a:defRPr sz="900"/>
             </a:lvl5pPr>
             <a:lvl6pPr marL="2286000" indent="0">
               <a:buNone/>
-              <a:defRPr sz="1000"/>
+              <a:defRPr sz="900"/>
             </a:lvl6pPr>
             <a:lvl7pPr marL="2743200" indent="0">
               <a:buNone/>
-              <a:defRPr sz="1000"/>
+              <a:defRPr sz="900"/>
             </a:lvl7pPr>
             <a:lvl8pPr marL="3200400" indent="0">
               <a:buNone/>
-              <a:defRPr sz="1000"/>
+              <a:defRPr sz="900"/>
             </a:lvl8pPr>
             <a:lvl9pPr marL="3657600" indent="0">
               <a:buNone/>
-              <a:defRPr sz="1000"/>
+              <a:defRPr sz="900"/>
             </a:lvl9pPr>
           </a:lstStyle>
           <a:p>
@@ -2332,7 +6750,7 @@
       </p:sp>
       <p:sp>
         <p:nvSpPr>
-          <p:cNvPr id="5" name="Espaço Reservado para Data 4"/>
+          <p:cNvPr id="5" name="Date Placeholder 4"/>
           <p:cNvSpPr>
             <a:spLocks noGrp="1"/>
           </p:cNvSpPr>
@@ -2355,7 +6773,7 @@
       </p:sp>
       <p:sp>
         <p:nvSpPr>
-          <p:cNvPr id="6" name="Espaço Reservado para Rodapé 5"/>
+          <p:cNvPr id="6" name="Footer Placeholder 5"/>
           <p:cNvSpPr>
             <a:spLocks noGrp="1"/>
           </p:cNvSpPr>
@@ -2374,7 +6792,7 @@
       </p:sp>
       <p:sp>
         <p:nvSpPr>
-          <p:cNvPr id="7" name="Espaço Reservado para Número de Slide 6"/>
+          <p:cNvPr id="7" name="Slide Number Placeholder 6"/>
           <p:cNvSpPr>
             <a:spLocks noGrp="1"/>
           </p:cNvSpPr>
@@ -2398,7 +6816,7 @@
     </p:spTree>
     <p:extLst>
       <p:ext uri="{BB962C8B-B14F-4D97-AF65-F5344CB8AC3E}">
-        <p14:creationId xmlns:p14="http://schemas.microsoft.com/office/powerpoint/2010/main" val="3715488882"/>
+        <p14:creationId xmlns:p14="http://schemas.microsoft.com/office/powerpoint/2010/main" val="2980196397"/>
       </p:ext>
     </p:extLst>
   </p:cSld>
@@ -2409,7 +6827,7 @@
 </file>
 
 <file path=ppt/slideMasters/slideMaster1.xml><?xml version="1.0" encoding="utf-8"?>
-<p:sldMaster xmlns:a="http://schemas.openxmlformats.org/drawingml/2006/main" xmlns:r="http://schemas.openxmlformats.org/officeDocument/2006/relationships" xmlns:p="http://schemas.openxmlformats.org/presentationml/2006/main">
+<p:sldMaster xmlns:a="http://schemas.openxmlformats.org/drawingml/2006/main" xmlns:r="http://schemas.openxmlformats.org/officeDocument/2006/relationships" xmlns:p="http://schemas.openxmlformats.org/presentationml/2006/main" preserve="1">
   <p:cSld>
     <p:bg>
       <p:bgRef idx="1001">
@@ -2432,7 +6850,7 @@
       </p:grpSpPr>
       <p:sp>
         <p:nvSpPr>
-          <p:cNvPr id="2" name="Espaço Reservado para Título 1"/>
+          <p:cNvPr id="2" name="Title Placeholder 1"/>
           <p:cNvSpPr>
             <a:spLocks noGrp="1"/>
           </p:cNvSpPr>
@@ -2442,8 +6860,8 @@
         </p:nvSpPr>
         <p:spPr>
           <a:xfrm>
-            <a:off x="838200" y="365125"/>
-            <a:ext cx="10515600" cy="1325563"/>
+            <a:off x="845127" y="365760"/>
+            <a:ext cx="10515600" cy="1325562"/>
           </a:xfrm>
           <a:prstGeom prst="rect">
             <a:avLst/>
@@ -2459,13 +6877,13 @@
               <a:rPr lang="pt-BR" smtClean="0"/>
               <a:t>Clique para editar o título mestre</a:t>
             </a:r>
-            <a:endParaRPr lang="pt-BR"/>
-          </a:p>
-        </p:txBody>
-      </p:sp>
-      <p:sp>
-        <p:nvSpPr>
-          <p:cNvPr id="3" name="Espaço Reservado para Texto 2"/>
+            <a:endParaRPr lang="en-US" dirty="0"/>
+          </a:p>
+        </p:txBody>
+      </p:sp>
+      <p:sp>
+        <p:nvSpPr>
+          <p:cNvPr id="3" name="Text Placeholder 2"/>
           <p:cNvSpPr>
             <a:spLocks noGrp="1"/>
           </p:cNvSpPr>
@@ -2475,8 +6893,8 @@
         </p:nvSpPr>
         <p:spPr>
           <a:xfrm>
-            <a:off x="838200" y="1825625"/>
-            <a:ext cx="10515600" cy="4351338"/>
+            <a:off x="845127" y="1828800"/>
+            <a:ext cx="10515600" cy="4351337"/>
           </a:xfrm>
           <a:prstGeom prst="rect">
             <a:avLst/>
@@ -2521,13 +6939,13 @@
               <a:rPr lang="pt-BR" smtClean="0"/>
               <a:t>Quinto nível</a:t>
             </a:r>
-            <a:endParaRPr lang="pt-BR"/>
-          </a:p>
-        </p:txBody>
-      </p:sp>
-      <p:sp>
-        <p:nvSpPr>
-          <p:cNvPr id="4" name="Espaço Reservado para Data 3"/>
+            <a:endParaRPr lang="en-US" dirty="0"/>
+          </a:p>
+        </p:txBody>
+      </p:sp>
+      <p:sp>
+        <p:nvSpPr>
+          <p:cNvPr id="4" name="Date Placeholder 3"/>
           <p:cNvSpPr>
             <a:spLocks noGrp="1"/>
           </p:cNvSpPr>
@@ -2548,10 +6966,11 @@
           <a:bodyPr vert="horz" lIns="91440" tIns="45720" rIns="91440" bIns="45720" rtlCol="0" anchor="ctr"/>
           <a:lstStyle>
             <a:lvl1pPr algn="l">
-              <a:defRPr sz="1200">
+              <a:defRPr sz="1100">
                 <a:solidFill>
                   <a:schemeClr val="tx1">
-                    <a:tint val="75000"/>
+                    <a:lumMod val="65000"/>
+                    <a:lumOff val="35000"/>
                   </a:schemeClr>
                 </a:solidFill>
               </a:defRPr>
@@ -2568,7 +6987,7 @@
       </p:sp>
       <p:sp>
         <p:nvSpPr>
-          <p:cNvPr id="5" name="Espaço Reservado para Rodapé 4"/>
+          <p:cNvPr id="5" name="Footer Placeholder 4"/>
           <p:cNvSpPr>
             <a:spLocks noGrp="1"/>
           </p:cNvSpPr>
@@ -2589,7 +7008,45 @@
           <a:bodyPr vert="horz" lIns="91440" tIns="45720" rIns="91440" bIns="45720" rtlCol="0" anchor="ctr"/>
           <a:lstStyle>
             <a:lvl1pPr algn="ctr">
-              <a:defRPr sz="1200">
+              <a:defRPr sz="1100">
+                <a:solidFill>
+                  <a:schemeClr val="tx1">
+                    <a:lumMod val="65000"/>
+                    <a:lumOff val="35000"/>
+                  </a:schemeClr>
+                </a:solidFill>
+              </a:defRPr>
+            </a:lvl1pPr>
+          </a:lstStyle>
+          <a:p>
+            <a:endParaRPr lang="pt-BR"/>
+          </a:p>
+        </p:txBody>
+      </p:sp>
+      <p:sp>
+        <p:nvSpPr>
+          <p:cNvPr id="6" name="Slide Number Placeholder 5"/>
+          <p:cNvSpPr>
+            <a:spLocks noGrp="1"/>
+          </p:cNvSpPr>
+          <p:nvPr>
+            <p:ph type="sldNum" sz="quarter" idx="4"/>
+          </p:nvPr>
+        </p:nvSpPr>
+        <p:spPr>
+          <a:xfrm>
+            <a:off x="8617527" y="6356350"/>
+            <a:ext cx="2743200" cy="365125"/>
+          </a:xfrm>
+          <a:prstGeom prst="rect">
+            <a:avLst/>
+          </a:prstGeom>
+        </p:spPr>
+        <p:txBody>
+          <a:bodyPr vert="horz" lIns="91440" tIns="45720" rIns="91440" bIns="45720" rtlCol="0" anchor="ctr"/>
+          <a:lstStyle>
+            <a:lvl1pPr algn="r">
+              <a:defRPr sz="1100">
                 <a:solidFill>
                   <a:schemeClr val="tx1">
                     <a:tint val="75000"/>
@@ -2599,43 +7056,6 @@
             </a:lvl1pPr>
           </a:lstStyle>
           <a:p>
-            <a:endParaRPr lang="pt-BR"/>
-          </a:p>
-        </p:txBody>
-      </p:sp>
-      <p:sp>
-        <p:nvSpPr>
-          <p:cNvPr id="6" name="Espaço Reservado para Número de Slide 5"/>
-          <p:cNvSpPr>
-            <a:spLocks noGrp="1"/>
-          </p:cNvSpPr>
-          <p:nvPr>
-            <p:ph type="sldNum" sz="quarter" idx="4"/>
-          </p:nvPr>
-        </p:nvSpPr>
-        <p:spPr>
-          <a:xfrm>
-            <a:off x="8610600" y="6356350"/>
-            <a:ext cx="2743200" cy="365125"/>
-          </a:xfrm>
-          <a:prstGeom prst="rect">
-            <a:avLst/>
-          </a:prstGeom>
-        </p:spPr>
-        <p:txBody>
-          <a:bodyPr vert="horz" lIns="91440" tIns="45720" rIns="91440" bIns="45720" rtlCol="0" anchor="ctr"/>
-          <a:lstStyle>
-            <a:lvl1pPr algn="r">
-              <a:defRPr sz="1200">
-                <a:solidFill>
-                  <a:schemeClr val="tx1">
-                    <a:tint val="75000"/>
-                  </a:schemeClr>
-                </a:solidFill>
-              </a:defRPr>
-            </a:lvl1pPr>
-          </a:lstStyle>
-          <a:p>
             <a:fld id="{8E6180DA-64DC-44B1-8F20-CA16BE66F0D3}" type="slidenum">
               <a:rPr lang="pt-BR" smtClean="0"/>
               <a:t>‹nº›</a:t>
@@ -2647,23 +7067,23 @@
     </p:spTree>
     <p:extLst>
       <p:ext uri="{BB962C8B-B14F-4D97-AF65-F5344CB8AC3E}">
-        <p14:creationId xmlns:p14="http://schemas.microsoft.com/office/powerpoint/2010/main" val="1849526200"/>
+        <p14:creationId xmlns:p14="http://schemas.microsoft.com/office/powerpoint/2010/main" val="3182281164"/>
       </p:ext>
     </p:extLst>
   </p:cSld>
   <p:clrMap bg1="lt1" tx1="dk1" bg2="lt2" tx2="dk2" accent1="accent1" accent2="accent2" accent3="accent3" accent4="accent4" accent5="accent5" accent6="accent6" hlink="hlink" folHlink="folHlink"/>
   <p:sldLayoutIdLst>
-    <p:sldLayoutId id="2147483649" r:id="rId1"/>
-    <p:sldLayoutId id="2147483650" r:id="rId2"/>
-    <p:sldLayoutId id="2147483651" r:id="rId3"/>
-    <p:sldLayoutId id="2147483652" r:id="rId4"/>
-    <p:sldLayoutId id="2147483653" r:id="rId5"/>
-    <p:sldLayoutId id="2147483654" r:id="rId6"/>
-    <p:sldLayoutId id="2147483655" r:id="rId7"/>
-    <p:sldLayoutId id="2147483656" r:id="rId8"/>
-    <p:sldLayoutId id="2147483657" r:id="rId9"/>
-    <p:sldLayoutId id="2147483658" r:id="rId10"/>
-    <p:sldLayoutId id="2147483659" r:id="rId11"/>
+    <p:sldLayoutId id="2147483792" r:id="rId1"/>
+    <p:sldLayoutId id="2147483793" r:id="rId2"/>
+    <p:sldLayoutId id="2147483794" r:id="rId3"/>
+    <p:sldLayoutId id="2147483795" r:id="rId4"/>
+    <p:sldLayoutId id="2147483796" r:id="rId5"/>
+    <p:sldLayoutId id="2147483797" r:id="rId6"/>
+    <p:sldLayoutId id="2147483798" r:id="rId7"/>
+    <p:sldLayoutId id="2147483799" r:id="rId8"/>
+    <p:sldLayoutId id="2147483800" r:id="rId9"/>
+    <p:sldLayoutId id="2147483801" r:id="rId10"/>
+    <p:sldLayoutId id="2147483802" r:id="rId11"/>
   </p:sldLayoutIdLst>
   <p:txStyles>
     <p:titleStyle>
@@ -2693,8 +7113,8 @@
         <a:spcBef>
           <a:spcPts val="1000"/>
         </a:spcBef>
-        <a:buFont typeface="Arial" panose="020B0604020202020204" pitchFamily="34" charset="0"/>
-        <a:buChar char="•"/>
+        <a:buFont typeface="Wingdings 2" pitchFamily="18" charset="2"/>
+        <a:buChar char=""/>
         <a:defRPr sz="2800" kern="1200">
           <a:solidFill>
             <a:schemeClr val="tx1"/>
@@ -2711,8 +7131,8 @@
         <a:spcBef>
           <a:spcPts val="500"/>
         </a:spcBef>
-        <a:buFont typeface="Arial" panose="020B0604020202020204" pitchFamily="34" charset="0"/>
-        <a:buChar char="•"/>
+        <a:buFont typeface="Wingdings 2" pitchFamily="18" charset="2"/>
+        <a:buChar char=""/>
         <a:defRPr sz="2400" kern="1200">
           <a:solidFill>
             <a:schemeClr val="tx1"/>
@@ -2729,8 +7149,8 @@
         <a:spcBef>
           <a:spcPts val="500"/>
         </a:spcBef>
-        <a:buFont typeface="Arial" panose="020B0604020202020204" pitchFamily="34" charset="0"/>
-        <a:buChar char="•"/>
+        <a:buFont typeface="Wingdings 2" pitchFamily="18" charset="2"/>
+        <a:buChar char=""/>
         <a:defRPr sz="2000" kern="1200">
           <a:solidFill>
             <a:schemeClr val="tx1"/>
@@ -2747,8 +7167,8 @@
         <a:spcBef>
           <a:spcPts val="500"/>
         </a:spcBef>
-        <a:buFont typeface="Arial" panose="020B0604020202020204" pitchFamily="34" charset="0"/>
-        <a:buChar char="•"/>
+        <a:buFont typeface="Wingdings 2" pitchFamily="18" charset="2"/>
+        <a:buChar char=""/>
         <a:defRPr sz="1800" kern="1200">
           <a:solidFill>
             <a:schemeClr val="tx1"/>
@@ -2765,8 +7185,8 @@
         <a:spcBef>
           <a:spcPts val="500"/>
         </a:spcBef>
-        <a:buFont typeface="Arial" panose="020B0604020202020204" pitchFamily="34" charset="0"/>
-        <a:buChar char="•"/>
+        <a:buFont typeface="Wingdings 2" pitchFamily="18" charset="2"/>
+        <a:buChar char=""/>
         <a:defRPr sz="1800" kern="1200">
           <a:solidFill>
             <a:schemeClr val="tx1"/>
@@ -2777,14 +7197,11 @@
         </a:defRPr>
       </a:lvl5pPr>
       <a:lvl6pPr marL="2514600" indent="-228600" algn="l" defTabSz="914400" rtl="0" eaLnBrk="1" latinLnBrk="0" hangingPunct="1">
-        <a:lnSpc>
-          <a:spcPct val="90000"/>
-        </a:lnSpc>
         <a:spcBef>
-          <a:spcPts val="500"/>
+          <a:spcPct val="20000"/>
         </a:spcBef>
-        <a:buFont typeface="Arial" panose="020B0604020202020204" pitchFamily="34" charset="0"/>
-        <a:buChar char="•"/>
+        <a:buFont typeface="Wingdings 2" pitchFamily="18" charset="2"/>
+        <a:buChar char=""/>
         <a:defRPr sz="1800" kern="1200">
           <a:solidFill>
             <a:schemeClr val="tx1"/>
@@ -2795,14 +7212,11 @@
         </a:defRPr>
       </a:lvl6pPr>
       <a:lvl7pPr marL="2971800" indent="-228600" algn="l" defTabSz="914400" rtl="0" eaLnBrk="1" latinLnBrk="0" hangingPunct="1">
-        <a:lnSpc>
-          <a:spcPct val="90000"/>
-        </a:lnSpc>
         <a:spcBef>
-          <a:spcPts val="500"/>
+          <a:spcPct val="20000"/>
         </a:spcBef>
-        <a:buFont typeface="Arial" panose="020B0604020202020204" pitchFamily="34" charset="0"/>
-        <a:buChar char="•"/>
+        <a:buFont typeface="Wingdings 2" pitchFamily="18" charset="2"/>
+        <a:buChar char=""/>
         <a:defRPr sz="1800" kern="1200">
           <a:solidFill>
             <a:schemeClr val="tx1"/>
@@ -2813,14 +7227,11 @@
         </a:defRPr>
       </a:lvl7pPr>
       <a:lvl8pPr marL="3429000" indent="-228600" algn="l" defTabSz="914400" rtl="0" eaLnBrk="1" latinLnBrk="0" hangingPunct="1">
-        <a:lnSpc>
-          <a:spcPct val="90000"/>
-        </a:lnSpc>
         <a:spcBef>
-          <a:spcPts val="500"/>
+          <a:spcPct val="20000"/>
         </a:spcBef>
-        <a:buFont typeface="Arial" panose="020B0604020202020204" pitchFamily="34" charset="0"/>
-        <a:buChar char="•"/>
+        <a:buFont typeface="Wingdings 2" pitchFamily="18" charset="2"/>
+        <a:buChar char=""/>
         <a:defRPr sz="1800" kern="1200">
           <a:solidFill>
             <a:schemeClr val="tx1"/>
@@ -2831,14 +7242,11 @@
         </a:defRPr>
       </a:lvl8pPr>
       <a:lvl9pPr marL="3886200" indent="-228600" algn="l" defTabSz="914400" rtl="0" eaLnBrk="1" latinLnBrk="0" hangingPunct="1">
-        <a:lnSpc>
-          <a:spcPct val="90000"/>
-        </a:lnSpc>
         <a:spcBef>
-          <a:spcPts val="500"/>
+          <a:spcPct val="20000"/>
         </a:spcBef>
-        <a:buFont typeface="Arial" panose="020B0604020202020204" pitchFamily="34" charset="0"/>
-        <a:buChar char="•"/>
+        <a:buFont typeface="Wingdings 2" pitchFamily="18" charset="2"/>
+        <a:buChar char=""/>
         <a:defRPr sz="1800" kern="1200">
           <a:solidFill>
             <a:schemeClr val="tx1"/>
@@ -2851,7 +7259,7 @@
     </p:bodyStyle>
     <p:otherStyle>
       <a:defPPr>
-        <a:defRPr lang="pt-BR"/>
+        <a:defRPr lang="en-US"/>
       </a:defPPr>
       <a:lvl1pPr marL="0" algn="l" defTabSz="914400" rtl="0" eaLnBrk="1" latinLnBrk="0" hangingPunct="1">
         <a:defRPr sz="1800" kern="1200">
@@ -2934,6 +7342,869 @@
         </a:defRPr>
       </a:lvl8pPr>
       <a:lvl9pPr marL="3657600" algn="l" defTabSz="914400" rtl="0" eaLnBrk="1" latinLnBrk="0" hangingPunct="1">
+        <a:defRPr sz="1800" kern="1200">
+          <a:solidFill>
+            <a:schemeClr val="tx1"/>
+          </a:solidFill>
+          <a:latin typeface="+mn-lt"/>
+          <a:ea typeface="+mn-ea"/>
+          <a:cs typeface="+mn-cs"/>
+        </a:defRPr>
+      </a:lvl9pPr>
+    </p:otherStyle>
+  </p:txStyles>
+</p:sldMaster>
+</file>
+
+<file path=ppt/slideMasters/slideMaster2.xml><?xml version="1.0" encoding="utf-8"?>
+<p:sldMaster xmlns:a="http://schemas.openxmlformats.org/drawingml/2006/main" xmlns:r="http://schemas.openxmlformats.org/officeDocument/2006/relationships" xmlns:p="http://schemas.openxmlformats.org/presentationml/2006/main">
+  <p:cSld>
+    <p:bg>
+      <p:bgRef idx="1002">
+        <a:schemeClr val="bg2"/>
+      </p:bgRef>
+    </p:bg>
+    <p:spTree>
+      <p:nvGrpSpPr>
+        <p:cNvPr id="1" name=""/>
+        <p:cNvGrpSpPr/>
+        <p:nvPr/>
+      </p:nvGrpSpPr>
+      <p:grpSpPr>
+        <a:xfrm>
+          <a:off x="0" y="0"/>
+          <a:ext cx="0" cy="0"/>
+          <a:chOff x="0" y="0"/>
+          <a:chExt cx="0" cy="0"/>
+        </a:xfrm>
+      </p:grpSpPr>
+      <p:grpSp>
+        <p:nvGrpSpPr>
+          <p:cNvPr id="7" name="Group 6"/>
+          <p:cNvGrpSpPr/>
+          <p:nvPr/>
+        </p:nvGrpSpPr>
+        <p:grpSpPr>
+          <a:xfrm>
+            <a:off x="9206969" y="2963333"/>
+            <a:ext cx="2981858" cy="3208867"/>
+            <a:chOff x="9206969" y="2963333"/>
+            <a:chExt cx="2981858" cy="3208867"/>
+          </a:xfrm>
+        </p:grpSpPr>
+        <p:cxnSp>
+          <p:nvCxnSpPr>
+            <p:cNvPr id="8" name="Straight Connector 7"/>
+            <p:cNvCxnSpPr/>
+            <p:nvPr/>
+          </p:nvCxnSpPr>
+          <p:spPr>
+            <a:xfrm flipH="1">
+              <a:off x="11276012" y="2963333"/>
+              <a:ext cx="912814" cy="912812"/>
+            </a:xfrm>
+            <a:prstGeom prst="line">
+              <a:avLst/>
+            </a:prstGeom>
+            <a:ln w="9525">
+              <a:solidFill>
+                <a:schemeClr val="tx1"/>
+              </a:solidFill>
+            </a:ln>
+          </p:spPr>
+          <p:style>
+            <a:lnRef idx="2">
+              <a:schemeClr val="accent1"/>
+            </a:lnRef>
+            <a:fillRef idx="0">
+              <a:schemeClr val="accent1"/>
+            </a:fillRef>
+            <a:effectRef idx="1">
+              <a:schemeClr val="accent1"/>
+            </a:effectRef>
+            <a:fontRef idx="minor">
+              <a:schemeClr val="tx1"/>
+            </a:fontRef>
+          </p:style>
+        </p:cxnSp>
+        <p:cxnSp>
+          <p:nvCxnSpPr>
+            <p:cNvPr id="9" name="Straight Connector 8"/>
+            <p:cNvCxnSpPr/>
+            <p:nvPr/>
+          </p:nvCxnSpPr>
+          <p:spPr>
+            <a:xfrm flipH="1">
+              <a:off x="9206969" y="3190344"/>
+              <a:ext cx="2981857" cy="2981856"/>
+            </a:xfrm>
+            <a:prstGeom prst="line">
+              <a:avLst/>
+            </a:prstGeom>
+            <a:ln w="9525">
+              <a:solidFill>
+                <a:schemeClr val="tx1"/>
+              </a:solidFill>
+            </a:ln>
+          </p:spPr>
+          <p:style>
+            <a:lnRef idx="2">
+              <a:schemeClr val="accent1"/>
+            </a:lnRef>
+            <a:fillRef idx="0">
+              <a:schemeClr val="accent1"/>
+            </a:fillRef>
+            <a:effectRef idx="1">
+              <a:schemeClr val="accent1"/>
+            </a:effectRef>
+            <a:fontRef idx="minor">
+              <a:schemeClr val="tx1"/>
+            </a:fontRef>
+          </p:style>
+        </p:cxnSp>
+        <p:cxnSp>
+          <p:nvCxnSpPr>
+            <p:cNvPr id="10" name="Straight Connector 9"/>
+            <p:cNvCxnSpPr/>
+            <p:nvPr/>
+          </p:nvCxnSpPr>
+          <p:spPr>
+            <a:xfrm flipH="1">
+              <a:off x="10292292" y="3285067"/>
+              <a:ext cx="1896534" cy="1896533"/>
+            </a:xfrm>
+            <a:prstGeom prst="line">
+              <a:avLst/>
+            </a:prstGeom>
+            <a:ln w="9525">
+              <a:solidFill>
+                <a:schemeClr val="tx1"/>
+              </a:solidFill>
+            </a:ln>
+          </p:spPr>
+          <p:style>
+            <a:lnRef idx="2">
+              <a:schemeClr val="accent1"/>
+            </a:lnRef>
+            <a:fillRef idx="0">
+              <a:schemeClr val="accent1"/>
+            </a:fillRef>
+            <a:effectRef idx="1">
+              <a:schemeClr val="accent1"/>
+            </a:effectRef>
+            <a:fontRef idx="minor">
+              <a:schemeClr val="tx1"/>
+            </a:fontRef>
+          </p:style>
+        </p:cxnSp>
+        <p:cxnSp>
+          <p:nvCxnSpPr>
+            <p:cNvPr id="11" name="Straight Connector 10"/>
+            <p:cNvCxnSpPr/>
+            <p:nvPr/>
+          </p:nvCxnSpPr>
+          <p:spPr>
+            <a:xfrm flipH="1">
+              <a:off x="10443103" y="3131080"/>
+              <a:ext cx="1745722" cy="1745720"/>
+            </a:xfrm>
+            <a:prstGeom prst="line">
+              <a:avLst/>
+            </a:prstGeom>
+            <a:ln w="28575">
+              <a:solidFill>
+                <a:schemeClr val="tx1"/>
+              </a:solidFill>
+            </a:ln>
+          </p:spPr>
+          <p:style>
+            <a:lnRef idx="2">
+              <a:schemeClr val="accent1"/>
+            </a:lnRef>
+            <a:fillRef idx="0">
+              <a:schemeClr val="accent1"/>
+            </a:fillRef>
+            <a:effectRef idx="1">
+              <a:schemeClr val="accent1"/>
+            </a:effectRef>
+            <a:fontRef idx="minor">
+              <a:schemeClr val="tx1"/>
+            </a:fontRef>
+          </p:style>
+        </p:cxnSp>
+        <p:cxnSp>
+          <p:nvCxnSpPr>
+            <p:cNvPr id="12" name="Straight Connector 11"/>
+            <p:cNvCxnSpPr/>
+            <p:nvPr/>
+          </p:nvCxnSpPr>
+          <p:spPr>
+            <a:xfrm flipH="1">
+              <a:off x="10918826" y="3683001"/>
+              <a:ext cx="1270001" cy="1269999"/>
+            </a:xfrm>
+            <a:prstGeom prst="line">
+              <a:avLst/>
+            </a:prstGeom>
+            <a:ln w="28575">
+              <a:solidFill>
+                <a:schemeClr val="tx1"/>
+              </a:solidFill>
+            </a:ln>
+          </p:spPr>
+          <p:style>
+            <a:lnRef idx="2">
+              <a:schemeClr val="accent1"/>
+            </a:lnRef>
+            <a:fillRef idx="0">
+              <a:schemeClr val="accent1"/>
+            </a:fillRef>
+            <a:effectRef idx="1">
+              <a:schemeClr val="accent1"/>
+            </a:effectRef>
+            <a:fontRef idx="minor">
+              <a:schemeClr val="tx1"/>
+            </a:fontRef>
+          </p:style>
+        </p:cxnSp>
+      </p:grpSp>
+      <p:sp>
+        <p:nvSpPr>
+          <p:cNvPr id="2" name="Title Placeholder 1"/>
+          <p:cNvSpPr>
+            <a:spLocks noGrp="1"/>
+          </p:cNvSpPr>
+          <p:nvPr>
+            <p:ph type="title"/>
+          </p:nvPr>
+        </p:nvSpPr>
+        <p:spPr>
+          <a:xfrm>
+            <a:off x="684212" y="4487332"/>
+            <a:ext cx="8534400" cy="1507067"/>
+          </a:xfrm>
+          <a:prstGeom prst="rect">
+            <a:avLst/>
+          </a:prstGeom>
+          <a:effectLst/>
+        </p:spPr>
+        <p:txBody>
+          <a:bodyPr vert="horz" lIns="91440" tIns="45720" rIns="91440" bIns="45720" rtlCol="0" anchor="ctr">
+            <a:normAutofit/>
+          </a:bodyPr>
+          <a:lstStyle/>
+          <a:p>
+            <a:r>
+              <a:rPr lang="pt-BR" smtClean="0"/>
+              <a:t>Clique para editar o título mestre</a:t>
+            </a:r>
+            <a:endParaRPr lang="en-US" dirty="0"/>
+          </a:p>
+        </p:txBody>
+      </p:sp>
+      <p:sp>
+        <p:nvSpPr>
+          <p:cNvPr id="3" name="Text Placeholder 2"/>
+          <p:cNvSpPr>
+            <a:spLocks noGrp="1"/>
+          </p:cNvSpPr>
+          <p:nvPr>
+            <p:ph type="body" idx="1"/>
+          </p:nvPr>
+        </p:nvSpPr>
+        <p:spPr>
+          <a:xfrm>
+            <a:off x="684212" y="685800"/>
+            <a:ext cx="8534400" cy="3615267"/>
+          </a:xfrm>
+          <a:prstGeom prst="rect">
+            <a:avLst/>
+          </a:prstGeom>
+        </p:spPr>
+        <p:txBody>
+          <a:bodyPr vert="horz" lIns="91440" tIns="45720" rIns="91440" bIns="45720" rtlCol="0" anchor="ctr">
+            <a:normAutofit/>
+          </a:bodyPr>
+          <a:lstStyle/>
+          <a:p>
+            <a:pPr lvl="0"/>
+            <a:r>
+              <a:rPr lang="pt-BR" smtClean="0"/>
+              <a:t>Clique para editar o texto mestre</a:t>
+            </a:r>
+          </a:p>
+          <a:p>
+            <a:pPr lvl="1"/>
+            <a:r>
+              <a:rPr lang="pt-BR" smtClean="0"/>
+              <a:t>Segundo nível</a:t>
+            </a:r>
+          </a:p>
+          <a:p>
+            <a:pPr lvl="2"/>
+            <a:r>
+              <a:rPr lang="pt-BR" smtClean="0"/>
+              <a:t>Terceiro nível</a:t>
+            </a:r>
+          </a:p>
+          <a:p>
+            <a:pPr lvl="3"/>
+            <a:r>
+              <a:rPr lang="pt-BR" smtClean="0"/>
+              <a:t>Quarto nível</a:t>
+            </a:r>
+          </a:p>
+          <a:p>
+            <a:pPr lvl="4"/>
+            <a:r>
+              <a:rPr lang="pt-BR" smtClean="0"/>
+              <a:t>Quinto nível</a:t>
+            </a:r>
+            <a:endParaRPr lang="en-US" dirty="0"/>
+          </a:p>
+        </p:txBody>
+      </p:sp>
+      <p:sp>
+        <p:nvSpPr>
+          <p:cNvPr id="4" name="Date Placeholder 3"/>
+          <p:cNvSpPr>
+            <a:spLocks noGrp="1"/>
+          </p:cNvSpPr>
+          <p:nvPr>
+            <p:ph type="dt" sz="half" idx="2"/>
+          </p:nvPr>
+        </p:nvSpPr>
+        <p:spPr>
+          <a:xfrm>
+            <a:off x="9904412" y="6172200"/>
+            <a:ext cx="1600200" cy="365125"/>
+          </a:xfrm>
+          <a:prstGeom prst="rect">
+            <a:avLst/>
+          </a:prstGeom>
+        </p:spPr>
+        <p:txBody>
+          <a:bodyPr vert="horz" lIns="91440" tIns="45720" rIns="91440" bIns="45720" rtlCol="0" anchor="t"/>
+          <a:lstStyle>
+            <a:lvl1pPr algn="r">
+              <a:defRPr sz="1000" b="0" i="0">
+                <a:solidFill>
+                  <a:schemeClr val="bg2">
+                    <a:lumMod val="50000"/>
+                  </a:schemeClr>
+                </a:solidFill>
+                <a:effectLst/>
+                <a:latin typeface="+mn-lt"/>
+              </a:defRPr>
+            </a:lvl1pPr>
+          </a:lstStyle>
+          <a:p>
+            <a:fld id="{7DF38858-3E8E-405B-AC30-EE4890007BA2}" type="datetimeFigureOut">
+              <a:rPr lang="pt-BR" smtClean="0"/>
+              <a:t>18/05/2016</a:t>
+            </a:fld>
+            <a:endParaRPr lang="pt-BR"/>
+          </a:p>
+        </p:txBody>
+      </p:sp>
+      <p:sp>
+        <p:nvSpPr>
+          <p:cNvPr id="5" name="Footer Placeholder 4"/>
+          <p:cNvSpPr>
+            <a:spLocks noGrp="1"/>
+          </p:cNvSpPr>
+          <p:nvPr>
+            <p:ph type="ftr" sz="quarter" idx="3"/>
+          </p:nvPr>
+        </p:nvSpPr>
+        <p:spPr>
+          <a:xfrm>
+            <a:off x="684212" y="6172200"/>
+            <a:ext cx="7543800" cy="365125"/>
+          </a:xfrm>
+          <a:prstGeom prst="rect">
+            <a:avLst/>
+          </a:prstGeom>
+        </p:spPr>
+        <p:txBody>
+          <a:bodyPr vert="horz" lIns="91440" tIns="45720" rIns="91440" bIns="45720" rtlCol="0" anchor="t"/>
+          <a:lstStyle>
+            <a:lvl1pPr algn="l">
+              <a:defRPr sz="1000" b="0" i="0">
+                <a:solidFill>
+                  <a:schemeClr val="bg2">
+                    <a:lumMod val="50000"/>
+                  </a:schemeClr>
+                </a:solidFill>
+                <a:effectLst/>
+                <a:latin typeface="+mn-lt"/>
+              </a:defRPr>
+            </a:lvl1pPr>
+          </a:lstStyle>
+          <a:p>
+            <a:endParaRPr lang="pt-BR"/>
+          </a:p>
+        </p:txBody>
+      </p:sp>
+      <p:sp>
+        <p:nvSpPr>
+          <p:cNvPr id="6" name="Slide Number Placeholder 5"/>
+          <p:cNvSpPr>
+            <a:spLocks noGrp="1"/>
+          </p:cNvSpPr>
+          <p:nvPr>
+            <p:ph type="sldNum" sz="quarter" idx="4"/>
+          </p:nvPr>
+        </p:nvSpPr>
+        <p:spPr>
+          <a:xfrm>
+            <a:off x="10363200" y="5578475"/>
+            <a:ext cx="1142245" cy="669925"/>
+          </a:xfrm>
+          <a:prstGeom prst="rect">
+            <a:avLst/>
+          </a:prstGeom>
+        </p:spPr>
+        <p:txBody>
+          <a:bodyPr vert="horz" lIns="91440" tIns="45720" rIns="91440" bIns="45720" rtlCol="0" anchor="b"/>
+          <a:lstStyle>
+            <a:lvl1pPr algn="r">
+              <a:defRPr sz="3200" b="0" i="0">
+                <a:solidFill>
+                  <a:schemeClr val="bg2">
+                    <a:lumMod val="50000"/>
+                  </a:schemeClr>
+                </a:solidFill>
+                <a:effectLst/>
+                <a:latin typeface="+mn-lt"/>
+              </a:defRPr>
+            </a:lvl1pPr>
+          </a:lstStyle>
+          <a:p>
+            <a:fld id="{8E6180DA-64DC-44B1-8F20-CA16BE66F0D3}" type="slidenum">
+              <a:rPr lang="pt-BR" smtClean="0"/>
+              <a:t>‹nº›</a:t>
+            </a:fld>
+            <a:endParaRPr lang="pt-BR"/>
+          </a:p>
+        </p:txBody>
+      </p:sp>
+    </p:spTree>
+    <p:extLst>
+      <p:ext uri="{BB962C8B-B14F-4D97-AF65-F5344CB8AC3E}">
+        <p14:creationId xmlns:p14="http://schemas.microsoft.com/office/powerpoint/2010/main" val="102103052"/>
+      </p:ext>
+    </p:extLst>
+  </p:cSld>
+  <p:clrMap bg1="dk1" tx1="lt1" bg2="dk2" tx2="lt2" accent1="accent1" accent2="accent2" accent3="accent3" accent4="accent4" accent5="accent5" accent6="accent6" hlink="hlink" folHlink="folHlink"/>
+  <p:sldLayoutIdLst>
+    <p:sldLayoutId id="2147483846" r:id="rId1"/>
+    <p:sldLayoutId id="2147483847" r:id="rId2"/>
+    <p:sldLayoutId id="2147483848" r:id="rId3"/>
+    <p:sldLayoutId id="2147483849" r:id="rId4"/>
+    <p:sldLayoutId id="2147483850" r:id="rId5"/>
+    <p:sldLayoutId id="2147483851" r:id="rId6"/>
+    <p:sldLayoutId id="2147483852" r:id="rId7"/>
+    <p:sldLayoutId id="2147483853" r:id="rId8"/>
+    <p:sldLayoutId id="2147483854" r:id="rId9"/>
+    <p:sldLayoutId id="2147483855" r:id="rId10"/>
+    <p:sldLayoutId id="2147483856" r:id="rId11"/>
+    <p:sldLayoutId id="2147483857" r:id="rId12"/>
+    <p:sldLayoutId id="2147483858" r:id="rId13"/>
+    <p:sldLayoutId id="2147483859" r:id="rId14"/>
+    <p:sldLayoutId id="2147483860" r:id="rId15"/>
+    <p:sldLayoutId id="2147483861" r:id="rId16"/>
+    <p:sldLayoutId id="2147483862" r:id="rId17"/>
+  </p:sldLayoutIdLst>
+  <p:txStyles>
+    <p:titleStyle>
+      <a:lvl1pPr algn="l" defTabSz="457200" rtl="0" eaLnBrk="1" latinLnBrk="0" hangingPunct="1">
+        <a:spcBef>
+          <a:spcPct val="0"/>
+        </a:spcBef>
+        <a:buNone/>
+        <a:defRPr sz="3600" kern="1200" cap="all">
+          <a:ln w="3175" cmpd="sng">
+            <a:noFill/>
+          </a:ln>
+          <a:solidFill>
+            <a:schemeClr val="tx1"/>
+          </a:solidFill>
+          <a:effectLst/>
+          <a:latin typeface="+mj-lt"/>
+          <a:ea typeface="+mj-ea"/>
+          <a:cs typeface="+mj-cs"/>
+        </a:defRPr>
+      </a:lvl1pPr>
+      <a:lvl2pPr eaLnBrk="1" hangingPunct="1">
+        <a:defRPr>
+          <a:solidFill>
+            <a:schemeClr val="tx2"/>
+          </a:solidFill>
+        </a:defRPr>
+      </a:lvl2pPr>
+      <a:lvl3pPr eaLnBrk="1" hangingPunct="1">
+        <a:defRPr>
+          <a:solidFill>
+            <a:schemeClr val="tx2"/>
+          </a:solidFill>
+        </a:defRPr>
+      </a:lvl3pPr>
+      <a:lvl4pPr eaLnBrk="1" hangingPunct="1">
+        <a:defRPr>
+          <a:solidFill>
+            <a:schemeClr val="tx2"/>
+          </a:solidFill>
+        </a:defRPr>
+      </a:lvl4pPr>
+      <a:lvl5pPr eaLnBrk="1" hangingPunct="1">
+        <a:defRPr>
+          <a:solidFill>
+            <a:schemeClr val="tx2"/>
+          </a:solidFill>
+        </a:defRPr>
+      </a:lvl5pPr>
+      <a:lvl6pPr eaLnBrk="1" hangingPunct="1">
+        <a:defRPr>
+          <a:solidFill>
+            <a:schemeClr val="tx2"/>
+          </a:solidFill>
+        </a:defRPr>
+      </a:lvl6pPr>
+      <a:lvl7pPr eaLnBrk="1" hangingPunct="1">
+        <a:defRPr>
+          <a:solidFill>
+            <a:schemeClr val="tx2"/>
+          </a:solidFill>
+        </a:defRPr>
+      </a:lvl7pPr>
+      <a:lvl8pPr eaLnBrk="1" hangingPunct="1">
+        <a:defRPr>
+          <a:solidFill>
+            <a:schemeClr val="tx2"/>
+          </a:solidFill>
+        </a:defRPr>
+      </a:lvl8pPr>
+      <a:lvl9pPr eaLnBrk="1" hangingPunct="1">
+        <a:defRPr>
+          <a:solidFill>
+            <a:schemeClr val="tx2"/>
+          </a:solidFill>
+        </a:defRPr>
+      </a:lvl9pPr>
+    </p:titleStyle>
+    <p:bodyStyle>
+      <a:lvl1pPr marL="285750" indent="-285750" algn="l" defTabSz="457200" rtl="0" eaLnBrk="1" latinLnBrk="0" hangingPunct="1">
+        <a:spcBef>
+          <a:spcPct val="20000"/>
+        </a:spcBef>
+        <a:spcAft>
+          <a:spcPts val="600"/>
+        </a:spcAft>
+        <a:buClr>
+          <a:schemeClr val="tx1"/>
+        </a:buClr>
+        <a:buSzPct val="80000"/>
+        <a:buFont typeface="Wingdings 3" panose="05040102010807070707" pitchFamily="18" charset="2"/>
+        <a:buChar char=""/>
+        <a:defRPr sz="2000" kern="1200" cap="none">
+          <a:solidFill>
+            <a:schemeClr val="bg2">
+              <a:lumMod val="75000"/>
+            </a:schemeClr>
+          </a:solidFill>
+          <a:effectLst/>
+          <a:latin typeface="+mn-lt"/>
+          <a:ea typeface="+mn-ea"/>
+          <a:cs typeface="+mn-cs"/>
+        </a:defRPr>
+      </a:lvl1pPr>
+      <a:lvl2pPr marL="742950" indent="-285750" algn="l" defTabSz="457200" rtl="0" eaLnBrk="1" latinLnBrk="0" hangingPunct="1">
+        <a:spcBef>
+          <a:spcPct val="20000"/>
+        </a:spcBef>
+        <a:spcAft>
+          <a:spcPts val="600"/>
+        </a:spcAft>
+        <a:buClr>
+          <a:schemeClr val="tx1"/>
+        </a:buClr>
+        <a:buSzPct val="80000"/>
+        <a:buFont typeface="Wingdings 3" panose="05040102010807070707" pitchFamily="18" charset="2"/>
+        <a:buChar char=""/>
+        <a:defRPr sz="1800" kern="1200" cap="none">
+          <a:solidFill>
+            <a:schemeClr val="bg2">
+              <a:lumMod val="75000"/>
+            </a:schemeClr>
+          </a:solidFill>
+          <a:effectLst/>
+          <a:latin typeface="+mn-lt"/>
+          <a:ea typeface="+mn-ea"/>
+          <a:cs typeface="+mn-cs"/>
+        </a:defRPr>
+      </a:lvl2pPr>
+      <a:lvl3pPr marL="1200150" indent="-285750" algn="l" defTabSz="457200" rtl="0" eaLnBrk="1" latinLnBrk="0" hangingPunct="1">
+        <a:spcBef>
+          <a:spcPct val="20000"/>
+        </a:spcBef>
+        <a:spcAft>
+          <a:spcPts val="600"/>
+        </a:spcAft>
+        <a:buClr>
+          <a:schemeClr val="tx1"/>
+        </a:buClr>
+        <a:buSzPct val="80000"/>
+        <a:buFont typeface="Wingdings 3" panose="05040102010807070707" pitchFamily="18" charset="2"/>
+        <a:buChar char=""/>
+        <a:defRPr sz="1600" kern="1200" cap="none">
+          <a:solidFill>
+            <a:schemeClr val="bg2">
+              <a:lumMod val="75000"/>
+            </a:schemeClr>
+          </a:solidFill>
+          <a:effectLst/>
+          <a:latin typeface="+mn-lt"/>
+          <a:ea typeface="+mn-ea"/>
+          <a:cs typeface="+mn-cs"/>
+        </a:defRPr>
+      </a:lvl3pPr>
+      <a:lvl4pPr marL="1543050" indent="-171450" algn="l" defTabSz="457200" rtl="0" eaLnBrk="1" latinLnBrk="0" hangingPunct="1">
+        <a:spcBef>
+          <a:spcPct val="20000"/>
+        </a:spcBef>
+        <a:spcAft>
+          <a:spcPts val="600"/>
+        </a:spcAft>
+        <a:buClr>
+          <a:schemeClr val="tx1"/>
+        </a:buClr>
+        <a:buSzPct val="80000"/>
+        <a:buFont typeface="Wingdings 3" panose="05040102010807070707" pitchFamily="18" charset="2"/>
+        <a:buChar char=""/>
+        <a:defRPr sz="1400" kern="1200" cap="none">
+          <a:solidFill>
+            <a:schemeClr val="bg2">
+              <a:lumMod val="75000"/>
+            </a:schemeClr>
+          </a:solidFill>
+          <a:effectLst/>
+          <a:latin typeface="+mn-lt"/>
+          <a:ea typeface="+mn-ea"/>
+          <a:cs typeface="+mn-cs"/>
+        </a:defRPr>
+      </a:lvl4pPr>
+      <a:lvl5pPr marL="2000250" indent="-171450" algn="l" defTabSz="457200" rtl="0" eaLnBrk="1" latinLnBrk="0" hangingPunct="1">
+        <a:spcBef>
+          <a:spcPct val="20000"/>
+        </a:spcBef>
+        <a:spcAft>
+          <a:spcPts val="600"/>
+        </a:spcAft>
+        <a:buClr>
+          <a:schemeClr val="tx1"/>
+        </a:buClr>
+        <a:buSzPct val="80000"/>
+        <a:buFont typeface="Wingdings 3" panose="05040102010807070707" pitchFamily="18" charset="2"/>
+        <a:buChar char=""/>
+        <a:defRPr sz="1400" kern="1200" cap="none">
+          <a:solidFill>
+            <a:schemeClr val="bg2">
+              <a:lumMod val="75000"/>
+            </a:schemeClr>
+          </a:solidFill>
+          <a:effectLst/>
+          <a:latin typeface="+mn-lt"/>
+          <a:ea typeface="+mn-ea"/>
+          <a:cs typeface="+mn-cs"/>
+        </a:defRPr>
+      </a:lvl5pPr>
+      <a:lvl6pPr marL="2514600" indent="-228600" algn="l" defTabSz="457200" rtl="0" eaLnBrk="1" latinLnBrk="0" hangingPunct="1">
+        <a:spcBef>
+          <a:spcPct val="20000"/>
+        </a:spcBef>
+        <a:spcAft>
+          <a:spcPts val="600"/>
+        </a:spcAft>
+        <a:buClr>
+          <a:schemeClr val="tx1"/>
+        </a:buClr>
+        <a:buSzPct val="80000"/>
+        <a:buFont typeface="Wingdings 3" panose="05040102010807070707" pitchFamily="18" charset="2"/>
+        <a:buChar char=""/>
+        <a:defRPr sz="1400" kern="1200" cap="none">
+          <a:solidFill>
+            <a:schemeClr val="bg2">
+              <a:lumMod val="75000"/>
+            </a:schemeClr>
+          </a:solidFill>
+          <a:effectLst/>
+          <a:latin typeface="+mn-lt"/>
+          <a:ea typeface="+mn-ea"/>
+          <a:cs typeface="+mn-cs"/>
+        </a:defRPr>
+      </a:lvl6pPr>
+      <a:lvl7pPr marL="2971800" indent="-228600" algn="l" defTabSz="457200" rtl="0" eaLnBrk="1" latinLnBrk="0" hangingPunct="1">
+        <a:spcBef>
+          <a:spcPct val="20000"/>
+        </a:spcBef>
+        <a:spcAft>
+          <a:spcPts val="600"/>
+        </a:spcAft>
+        <a:buClr>
+          <a:schemeClr val="tx1"/>
+        </a:buClr>
+        <a:buSzPct val="80000"/>
+        <a:buFont typeface="Wingdings 3" panose="05040102010807070707" pitchFamily="18" charset="2"/>
+        <a:buChar char=""/>
+        <a:defRPr sz="1400" kern="1200" cap="none">
+          <a:solidFill>
+            <a:schemeClr val="bg2">
+              <a:lumMod val="75000"/>
+            </a:schemeClr>
+          </a:solidFill>
+          <a:effectLst/>
+          <a:latin typeface="+mn-lt"/>
+          <a:ea typeface="+mn-ea"/>
+          <a:cs typeface="+mn-cs"/>
+        </a:defRPr>
+      </a:lvl7pPr>
+      <a:lvl8pPr marL="3429000" indent="-228600" algn="l" defTabSz="457200" rtl="0" eaLnBrk="1" latinLnBrk="0" hangingPunct="1">
+        <a:spcBef>
+          <a:spcPct val="20000"/>
+        </a:spcBef>
+        <a:spcAft>
+          <a:spcPts val="600"/>
+        </a:spcAft>
+        <a:buClr>
+          <a:schemeClr val="tx1"/>
+        </a:buClr>
+        <a:buSzPct val="80000"/>
+        <a:buFont typeface="Wingdings 3" panose="05040102010807070707" pitchFamily="18" charset="2"/>
+        <a:buChar char=""/>
+        <a:defRPr sz="1400" kern="1200" cap="none">
+          <a:solidFill>
+            <a:schemeClr val="bg2">
+              <a:lumMod val="75000"/>
+            </a:schemeClr>
+          </a:solidFill>
+          <a:effectLst/>
+          <a:latin typeface="+mn-lt"/>
+          <a:ea typeface="+mn-ea"/>
+          <a:cs typeface="+mn-cs"/>
+        </a:defRPr>
+      </a:lvl8pPr>
+      <a:lvl9pPr marL="3886200" indent="-228600" algn="l" defTabSz="457200" rtl="0" eaLnBrk="1" latinLnBrk="0" hangingPunct="1">
+        <a:spcBef>
+          <a:spcPct val="20000"/>
+        </a:spcBef>
+        <a:spcAft>
+          <a:spcPts val="600"/>
+        </a:spcAft>
+        <a:buClr>
+          <a:schemeClr val="tx1"/>
+        </a:buClr>
+        <a:buSzPct val="80000"/>
+        <a:buFont typeface="Wingdings 3" panose="05040102010807070707" pitchFamily="18" charset="2"/>
+        <a:buChar char=""/>
+        <a:defRPr sz="1400" kern="1200" cap="none">
+          <a:solidFill>
+            <a:schemeClr val="bg2">
+              <a:lumMod val="75000"/>
+            </a:schemeClr>
+          </a:solidFill>
+          <a:effectLst/>
+          <a:latin typeface="+mn-lt"/>
+          <a:ea typeface="+mn-ea"/>
+          <a:cs typeface="+mn-cs"/>
+        </a:defRPr>
+      </a:lvl9pPr>
+    </p:bodyStyle>
+    <p:otherStyle>
+      <a:defPPr>
+        <a:defRPr lang="en-US"/>
+      </a:defPPr>
+      <a:lvl1pPr marL="0" algn="l" defTabSz="457200" rtl="0" eaLnBrk="1" latinLnBrk="0" hangingPunct="1">
+        <a:defRPr sz="1800" kern="1200">
+          <a:solidFill>
+            <a:schemeClr val="tx1"/>
+          </a:solidFill>
+          <a:latin typeface="+mn-lt"/>
+          <a:ea typeface="+mn-ea"/>
+          <a:cs typeface="+mn-cs"/>
+        </a:defRPr>
+      </a:lvl1pPr>
+      <a:lvl2pPr marL="457200" algn="l" defTabSz="457200" rtl="0" eaLnBrk="1" latinLnBrk="0" hangingPunct="1">
+        <a:defRPr sz="1800" kern="1200">
+          <a:solidFill>
+            <a:schemeClr val="tx1"/>
+          </a:solidFill>
+          <a:latin typeface="+mn-lt"/>
+          <a:ea typeface="+mn-ea"/>
+          <a:cs typeface="+mn-cs"/>
+        </a:defRPr>
+      </a:lvl2pPr>
+      <a:lvl3pPr marL="914400" algn="l" defTabSz="457200" rtl="0" eaLnBrk="1" latinLnBrk="0" hangingPunct="1">
+        <a:defRPr sz="1800" kern="1200">
+          <a:solidFill>
+            <a:schemeClr val="tx1"/>
+          </a:solidFill>
+          <a:latin typeface="+mn-lt"/>
+          <a:ea typeface="+mn-ea"/>
+          <a:cs typeface="+mn-cs"/>
+        </a:defRPr>
+      </a:lvl3pPr>
+      <a:lvl4pPr marL="1371600" algn="l" defTabSz="457200" rtl="0" eaLnBrk="1" latinLnBrk="0" hangingPunct="1">
+        <a:defRPr sz="1800" kern="1200">
+          <a:solidFill>
+            <a:schemeClr val="tx1"/>
+          </a:solidFill>
+          <a:latin typeface="+mn-lt"/>
+          <a:ea typeface="+mn-ea"/>
+          <a:cs typeface="+mn-cs"/>
+        </a:defRPr>
+      </a:lvl4pPr>
+      <a:lvl5pPr marL="1828800" algn="l" defTabSz="457200" rtl="0" eaLnBrk="1" latinLnBrk="0" hangingPunct="1">
+        <a:defRPr sz="1800" kern="1200">
+          <a:solidFill>
+            <a:schemeClr val="tx1"/>
+          </a:solidFill>
+          <a:latin typeface="+mn-lt"/>
+          <a:ea typeface="+mn-ea"/>
+          <a:cs typeface="+mn-cs"/>
+        </a:defRPr>
+      </a:lvl5pPr>
+      <a:lvl6pPr marL="2286000" algn="l" defTabSz="457200" rtl="0" eaLnBrk="1" latinLnBrk="0" hangingPunct="1">
+        <a:defRPr sz="1800" kern="1200">
+          <a:solidFill>
+            <a:schemeClr val="tx1"/>
+          </a:solidFill>
+          <a:latin typeface="+mn-lt"/>
+          <a:ea typeface="+mn-ea"/>
+          <a:cs typeface="+mn-cs"/>
+        </a:defRPr>
+      </a:lvl6pPr>
+      <a:lvl7pPr marL="2743200" algn="l" defTabSz="457200" rtl="0" eaLnBrk="1" latinLnBrk="0" hangingPunct="1">
+        <a:defRPr sz="1800" kern="1200">
+          <a:solidFill>
+            <a:schemeClr val="tx1"/>
+          </a:solidFill>
+          <a:latin typeface="+mn-lt"/>
+          <a:ea typeface="+mn-ea"/>
+          <a:cs typeface="+mn-cs"/>
+        </a:defRPr>
+      </a:lvl7pPr>
+      <a:lvl8pPr marL="3200400" algn="l" defTabSz="457200" rtl="0" eaLnBrk="1" latinLnBrk="0" hangingPunct="1">
+        <a:defRPr sz="1800" kern="1200">
+          <a:solidFill>
+            <a:schemeClr val="tx1"/>
+          </a:solidFill>
+          <a:latin typeface="+mn-lt"/>
+          <a:ea typeface="+mn-ea"/>
+          <a:cs typeface="+mn-cs"/>
+        </a:defRPr>
+      </a:lvl8pPr>
+      <a:lvl9pPr marL="3657600" algn="l" defTabSz="457200" rtl="0" eaLnBrk="1" latinLnBrk="0" hangingPunct="1">
         <a:defRPr sz="1800" kern="1200">
           <a:solidFill>
             <a:schemeClr val="tx1"/>
@@ -3097,13 +8368,18 @@
             <p:ph idx="1"/>
           </p:nvPr>
         </p:nvSpPr>
-        <p:spPr/>
-        <p:txBody>
-          <a:bodyPr/>
-          <a:lstStyle/>
-          <a:p>
-            <a:r>
-              <a:rPr lang="pt-BR" dirty="0" smtClean="0"/>
+        <p:spPr>
+          <a:xfrm>
+            <a:off x="838200" y="1837657"/>
+            <a:ext cx="10515600" cy="4351338"/>
+          </a:xfrm>
+        </p:spPr>
+        <p:txBody>
+          <a:bodyPr/>
+          <a:lstStyle/>
+          <a:p>
+            <a:r>
+              <a:rPr lang="pt-BR" u="sng" dirty="0" smtClean="0"/>
               <a:t>UFRJ = DIFÍCIL </a:t>
             </a:r>
             <a:r>
@@ -3265,6 +8541,138 @@
           </a:prstGeom>
         </p:spPr>
       </p:pic>
+      <p:sp>
+        <p:nvSpPr>
+          <p:cNvPr id="18" name="Retângulo 17"/>
+          <p:cNvSpPr/>
+          <p:nvPr/>
+        </p:nvSpPr>
+        <p:spPr>
+          <a:xfrm>
+            <a:off x="9516979" y="3838073"/>
+            <a:ext cx="794084" cy="45719"/>
+          </a:xfrm>
+          <a:prstGeom prst="rect">
+            <a:avLst/>
+          </a:prstGeom>
+          <a:solidFill>
+            <a:schemeClr val="tx1"/>
+          </a:solidFill>
+        </p:spPr>
+        <p:style>
+          <a:lnRef idx="2">
+            <a:schemeClr val="accent1">
+              <a:shade val="50000"/>
+            </a:schemeClr>
+          </a:lnRef>
+          <a:fillRef idx="1">
+            <a:schemeClr val="accent1"/>
+          </a:fillRef>
+          <a:effectRef idx="0">
+            <a:schemeClr val="accent1"/>
+          </a:effectRef>
+          <a:fontRef idx="minor">
+            <a:schemeClr val="lt1"/>
+          </a:fontRef>
+        </p:style>
+        <p:txBody>
+          <a:bodyPr rtlCol="0" anchor="ctr"/>
+          <a:lstStyle/>
+          <a:p>
+            <a:pPr algn="ctr"/>
+            <a:endParaRPr lang="pt-BR"/>
+          </a:p>
+        </p:txBody>
+      </p:sp>
+      <p:sp>
+        <p:nvSpPr>
+          <p:cNvPr id="19" name="CaixaDeTexto 18"/>
+          <p:cNvSpPr txBox="1"/>
+          <p:nvPr/>
+        </p:nvSpPr>
+        <p:spPr>
+          <a:xfrm>
+            <a:off x="9478318" y="3854080"/>
+            <a:ext cx="1130968" cy="369332"/>
+          </a:xfrm>
+          <a:prstGeom prst="rect">
+            <a:avLst/>
+          </a:prstGeom>
+          <a:noFill/>
+        </p:spPr>
+        <p:txBody>
+          <a:bodyPr wrap="square" rtlCol="0">
+            <a:spAutoFit/>
+          </a:bodyPr>
+          <a:lstStyle/>
+          <a:p>
+            <a:r>
+              <a:rPr lang="pt-BR" b="1" dirty="0">
+                <a:solidFill>
+                  <a:schemeClr val="bg1"/>
+                </a:solidFill>
+              </a:rPr>
+              <a:t>d</a:t>
+            </a:r>
+            <a:r>
+              <a:rPr lang="pt-BR" b="1" dirty="0" smtClean="0">
+                <a:solidFill>
+                  <a:schemeClr val="bg1"/>
+                </a:solidFill>
+              </a:rPr>
+              <a:t>urante o</a:t>
+            </a:r>
+            <a:endParaRPr lang="pt-BR" b="1" dirty="0">
+              <a:solidFill>
+                <a:schemeClr val="bg1"/>
+              </a:solidFill>
+            </a:endParaRPr>
+          </a:p>
+        </p:txBody>
+      </p:sp>
+      <p:sp>
+        <p:nvSpPr>
+          <p:cNvPr id="20" name="Retângulo 19"/>
+          <p:cNvSpPr/>
+          <p:nvPr/>
+        </p:nvSpPr>
+        <p:spPr>
+          <a:xfrm>
+            <a:off x="11356234" y="3525781"/>
+            <a:ext cx="316099" cy="47598"/>
+          </a:xfrm>
+          <a:prstGeom prst="rect">
+            <a:avLst/>
+          </a:prstGeom>
+          <a:solidFill>
+            <a:schemeClr val="tx1"/>
+          </a:solidFill>
+        </p:spPr>
+        <p:style>
+          <a:lnRef idx="2">
+            <a:schemeClr val="accent1">
+              <a:shade val="50000"/>
+            </a:schemeClr>
+          </a:lnRef>
+          <a:fillRef idx="1">
+            <a:schemeClr val="accent1"/>
+          </a:fillRef>
+          <a:effectRef idx="0">
+            <a:schemeClr val="accent1"/>
+          </a:effectRef>
+          <a:fontRef idx="minor">
+            <a:schemeClr val="lt1"/>
+          </a:fontRef>
+        </p:style>
+        <p:txBody>
+          <a:bodyPr rtlCol="0" anchor="ctr"/>
+          <a:lstStyle/>
+          <a:p>
+            <a:pPr algn="ctr"/>
+            <a:endParaRPr lang="pt-BR"/>
+          </a:p>
+        </p:txBody>
+      </p:sp>
     </p:spTree>
     <p:extLst>
       <p:ext uri="{BB962C8B-B14F-4D97-AF65-F5344CB8AC3E}">
@@ -3285,8 +8693,804 @@
 </p:sld>
 </file>
 
+<file path=ppt/slides/slide3.xml><?xml version="1.0" encoding="utf-8"?>
+<p:sld xmlns:a="http://schemas.openxmlformats.org/drawingml/2006/main" xmlns:r="http://schemas.openxmlformats.org/officeDocument/2006/relationships" xmlns:p="http://schemas.openxmlformats.org/presentationml/2006/main">
+  <p:cSld>
+    <p:spTree>
+      <p:nvGrpSpPr>
+        <p:cNvPr id="1" name=""/>
+        <p:cNvGrpSpPr/>
+        <p:nvPr/>
+      </p:nvGrpSpPr>
+      <p:grpSpPr>
+        <a:xfrm>
+          <a:off x="0" y="0"/>
+          <a:ext cx="0" cy="0"/>
+          <a:chOff x="0" y="0"/>
+          <a:chExt cx="0" cy="0"/>
+        </a:xfrm>
+      </p:grpSpPr>
+      <p:sp>
+        <p:nvSpPr>
+          <p:cNvPr id="4" name="Título 3"/>
+          <p:cNvSpPr>
+            <a:spLocks noGrp="1"/>
+          </p:cNvSpPr>
+          <p:nvPr>
+            <p:ph type="title"/>
+          </p:nvPr>
+        </p:nvSpPr>
+        <p:spPr/>
+        <p:txBody>
+          <a:bodyPr/>
+          <a:lstStyle/>
+          <a:p>
+            <a:r>
+              <a:rPr lang="pt-BR" dirty="0" smtClean="0"/>
+              <a:t>Proposta</a:t>
+            </a:r>
+            <a:endParaRPr lang="pt-BR" dirty="0"/>
+          </a:p>
+        </p:txBody>
+      </p:sp>
+      <p:sp>
+        <p:nvSpPr>
+          <p:cNvPr id="3" name="Espaço Reservado para Conteúdo 2"/>
+          <p:cNvSpPr>
+            <a:spLocks noGrp="1"/>
+          </p:cNvSpPr>
+          <p:nvPr>
+            <p:ph idx="1"/>
+          </p:nvPr>
+        </p:nvSpPr>
+        <p:spPr/>
+        <p:txBody>
+          <a:bodyPr/>
+          <a:lstStyle/>
+          <a:p>
+            <a:r>
+              <a:rPr lang="pt-BR" dirty="0" smtClean="0"/>
+              <a:t>Resolver o problema do aprendizado dos alunos</a:t>
+            </a:r>
+          </a:p>
+          <a:p>
+            <a:r>
+              <a:rPr lang="pt-BR" dirty="0" smtClean="0"/>
+              <a:t>Facilitar o estudo</a:t>
+            </a:r>
+          </a:p>
+        </p:txBody>
+      </p:sp>
+    </p:spTree>
+    <p:extLst>
+      <p:ext uri="{BB962C8B-B14F-4D97-AF65-F5344CB8AC3E}">
+        <p14:creationId xmlns:p14="http://schemas.microsoft.com/office/powerpoint/2010/main" val="1411700876"/>
+      </p:ext>
+    </p:extLst>
+  </p:cSld>
+  <p:clrMapOvr>
+    <a:masterClrMapping/>
+  </p:clrMapOvr>
+  <p:timing>
+    <p:tnLst>
+      <p:par>
+        <p:cTn id="1" dur="indefinite" restart="never" nodeType="tmRoot"/>
+      </p:par>
+    </p:tnLst>
+  </p:timing>
+</p:sld>
+</file>
+
+<file path=ppt/slides/slide4.xml><?xml version="1.0" encoding="utf-8"?>
+<p:sld xmlns:a="http://schemas.openxmlformats.org/drawingml/2006/main" xmlns:r="http://schemas.openxmlformats.org/officeDocument/2006/relationships" xmlns:p="http://schemas.openxmlformats.org/presentationml/2006/main">
+  <p:cSld>
+    <p:spTree>
+      <p:nvGrpSpPr>
+        <p:cNvPr id="1" name=""/>
+        <p:cNvGrpSpPr/>
+        <p:nvPr/>
+      </p:nvGrpSpPr>
+      <p:grpSpPr>
+        <a:xfrm>
+          <a:off x="0" y="0"/>
+          <a:ext cx="0" cy="0"/>
+          <a:chOff x="0" y="0"/>
+          <a:chExt cx="0" cy="0"/>
+        </a:xfrm>
+      </p:grpSpPr>
+      <p:sp>
+        <p:nvSpPr>
+          <p:cNvPr id="2" name="Título 1"/>
+          <p:cNvSpPr>
+            <a:spLocks noGrp="1"/>
+          </p:cNvSpPr>
+          <p:nvPr>
+            <p:ph type="title"/>
+          </p:nvPr>
+        </p:nvSpPr>
+        <p:spPr/>
+        <p:txBody>
+          <a:bodyPr/>
+          <a:lstStyle/>
+          <a:p>
+            <a:r>
+              <a:rPr lang="pt-BR" dirty="0" smtClean="0"/>
+              <a:t>O que é o </a:t>
+            </a:r>
+            <a:r>
+              <a:rPr lang="pt-BR" dirty="0" err="1" smtClean="0"/>
+              <a:t>Dunno</a:t>
+            </a:r>
+            <a:r>
+              <a:rPr lang="pt-BR" dirty="0" smtClean="0"/>
+              <a:t>?</a:t>
+            </a:r>
+            <a:endParaRPr lang="pt-BR" dirty="0"/>
+          </a:p>
+        </p:txBody>
+      </p:sp>
+      <p:sp>
+        <p:nvSpPr>
+          <p:cNvPr id="3" name="Espaço Reservado para Conteúdo 2"/>
+          <p:cNvSpPr>
+            <a:spLocks noGrp="1"/>
+          </p:cNvSpPr>
+          <p:nvPr>
+            <p:ph idx="1"/>
+          </p:nvPr>
+        </p:nvSpPr>
+        <p:spPr/>
+        <p:txBody>
+          <a:bodyPr/>
+          <a:lstStyle/>
+          <a:p>
+            <a:r>
+              <a:rPr lang="pt-BR" dirty="0" smtClean="0"/>
+              <a:t>Site onde o usuário faz uma pergunta qualquer e recebe rapidamente a resposta</a:t>
+            </a:r>
+          </a:p>
+          <a:p>
+            <a:r>
+              <a:rPr lang="pt-BR" dirty="0" smtClean="0"/>
+              <a:t>Como?</a:t>
+            </a:r>
+          </a:p>
+          <a:p>
+            <a:r>
+              <a:rPr lang="pt-BR" dirty="0" err="1" smtClean="0"/>
+              <a:t>Dunno</a:t>
+            </a:r>
+            <a:r>
+              <a:rPr lang="pt-BR" dirty="0" smtClean="0"/>
+              <a:t>!</a:t>
+            </a:r>
+          </a:p>
+          <a:p>
+            <a:endParaRPr lang="pt-BR" dirty="0"/>
+          </a:p>
+        </p:txBody>
+      </p:sp>
+      <p:pic>
+        <p:nvPicPr>
+          <p:cNvPr id="4" name="Imagem 3"/>
+          <p:cNvPicPr>
+            <a:picLocks noChangeAspect="1"/>
+          </p:cNvPicPr>
+          <p:nvPr/>
+        </p:nvPicPr>
+        <p:blipFill>
+          <a:blip r:embed="rId2">
+            <a:extLst>
+              <a:ext uri="{28A0092B-C50C-407E-A947-70E740481C1C}">
+                <a14:useLocalDpi xmlns:a14="http://schemas.microsoft.com/office/drawing/2010/main" val="0"/>
+              </a:ext>
+            </a:extLst>
+          </a:blip>
+          <a:stretch>
+            <a:fillRect/>
+          </a:stretch>
+        </p:blipFill>
+        <p:spPr>
+          <a:xfrm>
+            <a:off x="4512970" y="3544174"/>
+            <a:ext cx="3166059" cy="2767726"/>
+          </a:xfrm>
+          <a:prstGeom prst="rect">
+            <a:avLst/>
+          </a:prstGeom>
+        </p:spPr>
+      </p:pic>
+    </p:spTree>
+    <p:extLst>
+      <p:ext uri="{BB962C8B-B14F-4D97-AF65-F5344CB8AC3E}">
+        <p14:creationId xmlns:p14="http://schemas.microsoft.com/office/powerpoint/2010/main" val="4136009462"/>
+      </p:ext>
+    </p:extLst>
+  </p:cSld>
+  <p:clrMapOvr>
+    <a:masterClrMapping/>
+  </p:clrMapOvr>
+  <p:timing>
+    <p:tnLst>
+      <p:par>
+        <p:cTn id="1" dur="indefinite" restart="never" nodeType="tmRoot">
+          <p:childTnLst>
+            <p:seq concurrent="1" nextAc="seek">
+              <p:cTn id="2" dur="indefinite" nodeType="mainSeq">
+                <p:childTnLst>
+                  <p:par>
+                    <p:cTn id="3" fill="hold">
+                      <p:stCondLst>
+                        <p:cond delay="indefinite"/>
+                      </p:stCondLst>
+                      <p:childTnLst>
+                        <p:par>
+                          <p:cTn id="4" fill="hold">
+                            <p:stCondLst>
+                              <p:cond delay="0"/>
+                            </p:stCondLst>
+                            <p:childTnLst>
+                              <p:par>
+                                <p:cTn id="5" presetID="1" presetClass="entr" presetSubtype="0" fill="hold" nodeType="clickEffect">
+                                  <p:stCondLst>
+                                    <p:cond delay="0"/>
+                                  </p:stCondLst>
+                                  <p:childTnLst>
+                                    <p:set>
+                                      <p:cBhvr>
+                                        <p:cTn id="6" dur="1" fill="hold">
+                                          <p:stCondLst>
+                                            <p:cond delay="0"/>
+                                          </p:stCondLst>
+                                        </p:cTn>
+                                        <p:tgtEl>
+                                          <p:spTgt spid="4"/>
+                                        </p:tgtEl>
+                                        <p:attrNameLst>
+                                          <p:attrName>style.visibility</p:attrName>
+                                        </p:attrNameLst>
+                                      </p:cBhvr>
+                                      <p:to>
+                                        <p:strVal val="visible"/>
+                                      </p:to>
+                                    </p:set>
+                                  </p:childTnLst>
+                                </p:cTn>
+                              </p:par>
+                            </p:childTnLst>
+                          </p:cTn>
+                        </p:par>
+                      </p:childTnLst>
+                    </p:cTn>
+                  </p:par>
+                </p:childTnLst>
+              </p:cTn>
+              <p:prevCondLst>
+                <p:cond evt="onPrev" delay="0">
+                  <p:tgtEl>
+                    <p:sldTgt/>
+                  </p:tgtEl>
+                </p:cond>
+              </p:prevCondLst>
+              <p:nextCondLst>
+                <p:cond evt="onNext" delay="0">
+                  <p:tgtEl>
+                    <p:sldTgt/>
+                  </p:tgtEl>
+                </p:cond>
+              </p:nextCondLst>
+            </p:seq>
+          </p:childTnLst>
+        </p:cTn>
+      </p:par>
+    </p:tnLst>
+  </p:timing>
+</p:sld>
+</file>
+
+<file path=ppt/slides/slide5.xml><?xml version="1.0" encoding="utf-8"?>
+<p:sld xmlns:a="http://schemas.openxmlformats.org/drawingml/2006/main" xmlns:r="http://schemas.openxmlformats.org/officeDocument/2006/relationships" xmlns:p="http://schemas.openxmlformats.org/presentationml/2006/main">
+  <p:cSld>
+    <p:spTree>
+      <p:nvGrpSpPr>
+        <p:cNvPr id="1" name=""/>
+        <p:cNvGrpSpPr/>
+        <p:nvPr/>
+      </p:nvGrpSpPr>
+      <p:grpSpPr>
+        <a:xfrm>
+          <a:off x="0" y="0"/>
+          <a:ext cx="0" cy="0"/>
+          <a:chOff x="0" y="0"/>
+          <a:chExt cx="0" cy="0"/>
+        </a:xfrm>
+      </p:grpSpPr>
+      <p:sp>
+        <p:nvSpPr>
+          <p:cNvPr id="2" name="Título 1"/>
+          <p:cNvSpPr>
+            <a:spLocks noGrp="1"/>
+          </p:cNvSpPr>
+          <p:nvPr>
+            <p:ph type="title"/>
+          </p:nvPr>
+        </p:nvSpPr>
+        <p:spPr/>
+        <p:txBody>
+          <a:bodyPr/>
+          <a:lstStyle/>
+          <a:p>
+            <a:r>
+              <a:rPr lang="pt-BR" dirty="0" smtClean="0"/>
+              <a:t>Outras opções</a:t>
+            </a:r>
+            <a:endParaRPr lang="pt-BR" dirty="0"/>
+          </a:p>
+        </p:txBody>
+      </p:sp>
+      <p:sp>
+        <p:nvSpPr>
+          <p:cNvPr id="3" name="Espaço Reservado para Conteúdo 2"/>
+          <p:cNvSpPr>
+            <a:spLocks noGrp="1"/>
+          </p:cNvSpPr>
+          <p:nvPr>
+            <p:ph idx="1"/>
+          </p:nvPr>
+        </p:nvSpPr>
+        <p:spPr/>
+        <p:txBody>
+          <a:bodyPr>
+            <a:normAutofit/>
+          </a:bodyPr>
+          <a:lstStyle/>
+          <a:p>
+            <a:r>
+              <a:rPr lang="pt-BR" dirty="0" err="1" smtClean="0"/>
+              <a:t>Stack</a:t>
+            </a:r>
+            <a:r>
+              <a:rPr lang="pt-BR" dirty="0" smtClean="0"/>
+              <a:t> Overflow</a:t>
+            </a:r>
+          </a:p>
+          <a:p>
+            <a:pPr lvl="1"/>
+            <a:r>
+              <a:rPr lang="pt-BR" dirty="0" smtClean="0"/>
+              <a:t>Problemas</a:t>
+            </a:r>
+          </a:p>
+          <a:p>
+            <a:pPr lvl="2"/>
+            <a:r>
+              <a:rPr lang="pt-BR" dirty="0" smtClean="0"/>
+              <a:t>Tempo</a:t>
+            </a:r>
+          </a:p>
+          <a:p>
+            <a:pPr lvl="2"/>
+            <a:r>
+              <a:rPr lang="pt-BR" dirty="0" smtClean="0"/>
+              <a:t>Exigências</a:t>
+            </a:r>
+          </a:p>
+          <a:p>
+            <a:r>
+              <a:rPr lang="pt-BR" dirty="0" err="1" smtClean="0"/>
+              <a:t>Brainly</a:t>
+            </a:r>
+            <a:endParaRPr lang="pt-BR" dirty="0" smtClean="0"/>
+          </a:p>
+          <a:p>
+            <a:pPr lvl="1"/>
+            <a:r>
+              <a:rPr lang="pt-BR" dirty="0" smtClean="0"/>
+              <a:t>Problemas</a:t>
+            </a:r>
+          </a:p>
+          <a:p>
+            <a:pPr lvl="2"/>
+            <a:r>
+              <a:rPr lang="pt-BR" dirty="0" smtClean="0"/>
+              <a:t>Conteúdo puramente acadêmico</a:t>
+            </a:r>
+          </a:p>
+          <a:p>
+            <a:pPr lvl="2"/>
+            <a:r>
+              <a:rPr lang="pt-BR" dirty="0" smtClean="0"/>
+              <a:t>Exige cadastro para perguntar</a:t>
+            </a:r>
+          </a:p>
+          <a:p>
+            <a:endParaRPr lang="pt-BR" dirty="0"/>
+          </a:p>
+        </p:txBody>
+      </p:sp>
+    </p:spTree>
+    <p:extLst>
+      <p:ext uri="{BB962C8B-B14F-4D97-AF65-F5344CB8AC3E}">
+        <p14:creationId xmlns:p14="http://schemas.microsoft.com/office/powerpoint/2010/main" val="1747880945"/>
+      </p:ext>
+    </p:extLst>
+  </p:cSld>
+  <p:clrMapOvr>
+    <a:masterClrMapping/>
+  </p:clrMapOvr>
+  <p:timing>
+    <p:tnLst>
+      <p:par>
+        <p:cTn id="1" dur="indefinite" restart="never" nodeType="tmRoot">
+          <p:childTnLst>
+            <p:seq concurrent="1" nextAc="seek">
+              <p:cTn id="2" dur="indefinite" nodeType="mainSeq">
+                <p:childTnLst>
+                  <p:par>
+                    <p:cTn id="3" fill="hold">
+                      <p:stCondLst>
+                        <p:cond delay="indefinite"/>
+                      </p:stCondLst>
+                      <p:childTnLst>
+                        <p:par>
+                          <p:cTn id="4" fill="hold">
+                            <p:stCondLst>
+                              <p:cond delay="0"/>
+                            </p:stCondLst>
+                            <p:childTnLst>
+                              <p:par>
+                                <p:cTn id="5" presetID="1" presetClass="entr" presetSubtype="0" fill="hold" nodeType="clickEffect">
+                                  <p:stCondLst>
+                                    <p:cond delay="0"/>
+                                  </p:stCondLst>
+                                  <p:childTnLst>
+                                    <p:set>
+                                      <p:cBhvr>
+                                        <p:cTn id="6" dur="1" fill="hold">
+                                          <p:stCondLst>
+                                            <p:cond delay="0"/>
+                                          </p:stCondLst>
+                                        </p:cTn>
+                                        <p:tgtEl>
+                                          <p:spTgt spid="3">
+                                            <p:txEl>
+                                              <p:pRg st="1" end="1"/>
+                                            </p:txEl>
+                                          </p:spTgt>
+                                        </p:tgtEl>
+                                        <p:attrNameLst>
+                                          <p:attrName>style.visibility</p:attrName>
+                                        </p:attrNameLst>
+                                      </p:cBhvr>
+                                      <p:to>
+                                        <p:strVal val="visible"/>
+                                      </p:to>
+                                    </p:set>
+                                  </p:childTnLst>
+                                </p:cTn>
+                              </p:par>
+                              <p:par>
+                                <p:cTn id="7" presetID="1" presetClass="entr" presetSubtype="0" fill="hold" nodeType="withEffect">
+                                  <p:stCondLst>
+                                    <p:cond delay="0"/>
+                                  </p:stCondLst>
+                                  <p:childTnLst>
+                                    <p:set>
+                                      <p:cBhvr>
+                                        <p:cTn id="8" dur="1" fill="hold">
+                                          <p:stCondLst>
+                                            <p:cond delay="0"/>
+                                          </p:stCondLst>
+                                        </p:cTn>
+                                        <p:tgtEl>
+                                          <p:spTgt spid="3">
+                                            <p:txEl>
+                                              <p:pRg st="2" end="2"/>
+                                            </p:txEl>
+                                          </p:spTgt>
+                                        </p:tgtEl>
+                                        <p:attrNameLst>
+                                          <p:attrName>style.visibility</p:attrName>
+                                        </p:attrNameLst>
+                                      </p:cBhvr>
+                                      <p:to>
+                                        <p:strVal val="visible"/>
+                                      </p:to>
+                                    </p:set>
+                                  </p:childTnLst>
+                                </p:cTn>
+                              </p:par>
+                              <p:par>
+                                <p:cTn id="9" presetID="1" presetClass="entr" presetSubtype="0" fill="hold" nodeType="withEffect">
+                                  <p:stCondLst>
+                                    <p:cond delay="0"/>
+                                  </p:stCondLst>
+                                  <p:childTnLst>
+                                    <p:set>
+                                      <p:cBhvr>
+                                        <p:cTn id="10" dur="1" fill="hold">
+                                          <p:stCondLst>
+                                            <p:cond delay="0"/>
+                                          </p:stCondLst>
+                                        </p:cTn>
+                                        <p:tgtEl>
+                                          <p:spTgt spid="3">
+                                            <p:txEl>
+                                              <p:pRg st="3" end="3"/>
+                                            </p:txEl>
+                                          </p:spTgt>
+                                        </p:tgtEl>
+                                        <p:attrNameLst>
+                                          <p:attrName>style.visibility</p:attrName>
+                                        </p:attrNameLst>
+                                      </p:cBhvr>
+                                      <p:to>
+                                        <p:strVal val="visible"/>
+                                      </p:to>
+                                    </p:set>
+                                  </p:childTnLst>
+                                </p:cTn>
+                              </p:par>
+                              <p:par>
+                                <p:cTn id="11" presetID="1" presetClass="entr" presetSubtype="0" fill="hold" nodeType="withEffect">
+                                  <p:stCondLst>
+                                    <p:cond delay="0"/>
+                                  </p:stCondLst>
+                                  <p:childTnLst>
+                                    <p:set>
+                                      <p:cBhvr>
+                                        <p:cTn id="12" dur="1" fill="hold">
+                                          <p:stCondLst>
+                                            <p:cond delay="0"/>
+                                          </p:stCondLst>
+                                        </p:cTn>
+                                        <p:tgtEl>
+                                          <p:spTgt spid="3">
+                                            <p:txEl>
+                                              <p:pRg st="4" end="4"/>
+                                            </p:txEl>
+                                          </p:spTgt>
+                                        </p:tgtEl>
+                                        <p:attrNameLst>
+                                          <p:attrName>style.visibility</p:attrName>
+                                        </p:attrNameLst>
+                                      </p:cBhvr>
+                                      <p:to>
+                                        <p:strVal val="visible"/>
+                                      </p:to>
+                                    </p:set>
+                                  </p:childTnLst>
+                                </p:cTn>
+                              </p:par>
+                              <p:par>
+                                <p:cTn id="13" presetID="1" presetClass="entr" presetSubtype="0" fill="hold" nodeType="withEffect">
+                                  <p:stCondLst>
+                                    <p:cond delay="0"/>
+                                  </p:stCondLst>
+                                  <p:childTnLst>
+                                    <p:set>
+                                      <p:cBhvr>
+                                        <p:cTn id="14" dur="1" fill="hold">
+                                          <p:stCondLst>
+                                            <p:cond delay="0"/>
+                                          </p:stCondLst>
+                                        </p:cTn>
+                                        <p:tgtEl>
+                                          <p:spTgt spid="3">
+                                            <p:txEl>
+                                              <p:pRg st="5" end="5"/>
+                                            </p:txEl>
+                                          </p:spTgt>
+                                        </p:tgtEl>
+                                        <p:attrNameLst>
+                                          <p:attrName>style.visibility</p:attrName>
+                                        </p:attrNameLst>
+                                      </p:cBhvr>
+                                      <p:to>
+                                        <p:strVal val="visible"/>
+                                      </p:to>
+                                    </p:set>
+                                  </p:childTnLst>
+                                </p:cTn>
+                              </p:par>
+                              <p:par>
+                                <p:cTn id="15" presetID="1" presetClass="entr" presetSubtype="0" fill="hold" nodeType="withEffect">
+                                  <p:stCondLst>
+                                    <p:cond delay="0"/>
+                                  </p:stCondLst>
+                                  <p:childTnLst>
+                                    <p:set>
+                                      <p:cBhvr>
+                                        <p:cTn id="16" dur="1" fill="hold">
+                                          <p:stCondLst>
+                                            <p:cond delay="0"/>
+                                          </p:stCondLst>
+                                        </p:cTn>
+                                        <p:tgtEl>
+                                          <p:spTgt spid="3">
+                                            <p:txEl>
+                                              <p:pRg st="6" end="6"/>
+                                            </p:txEl>
+                                          </p:spTgt>
+                                        </p:tgtEl>
+                                        <p:attrNameLst>
+                                          <p:attrName>style.visibility</p:attrName>
+                                        </p:attrNameLst>
+                                      </p:cBhvr>
+                                      <p:to>
+                                        <p:strVal val="visible"/>
+                                      </p:to>
+                                    </p:set>
+                                  </p:childTnLst>
+                                </p:cTn>
+                              </p:par>
+                              <p:par>
+                                <p:cTn id="17" presetID="1" presetClass="entr" presetSubtype="0" fill="hold" nodeType="withEffect">
+                                  <p:stCondLst>
+                                    <p:cond delay="0"/>
+                                  </p:stCondLst>
+                                  <p:childTnLst>
+                                    <p:set>
+                                      <p:cBhvr>
+                                        <p:cTn id="18" dur="1" fill="hold">
+                                          <p:stCondLst>
+                                            <p:cond delay="0"/>
+                                          </p:stCondLst>
+                                        </p:cTn>
+                                        <p:tgtEl>
+                                          <p:spTgt spid="3">
+                                            <p:txEl>
+                                              <p:pRg st="7" end="7"/>
+                                            </p:txEl>
+                                          </p:spTgt>
+                                        </p:tgtEl>
+                                        <p:attrNameLst>
+                                          <p:attrName>style.visibility</p:attrName>
+                                        </p:attrNameLst>
+                                      </p:cBhvr>
+                                      <p:to>
+                                        <p:strVal val="visible"/>
+                                      </p:to>
+                                    </p:set>
+                                  </p:childTnLst>
+                                </p:cTn>
+                              </p:par>
+                            </p:childTnLst>
+                          </p:cTn>
+                        </p:par>
+                      </p:childTnLst>
+                    </p:cTn>
+                  </p:par>
+                </p:childTnLst>
+              </p:cTn>
+              <p:prevCondLst>
+                <p:cond evt="onPrev" delay="0">
+                  <p:tgtEl>
+                    <p:sldTgt/>
+                  </p:tgtEl>
+                </p:cond>
+              </p:prevCondLst>
+              <p:nextCondLst>
+                <p:cond evt="onNext" delay="0">
+                  <p:tgtEl>
+                    <p:sldTgt/>
+                  </p:tgtEl>
+                </p:cond>
+              </p:nextCondLst>
+            </p:seq>
+          </p:childTnLst>
+        </p:cTn>
+      </p:par>
+    </p:tnLst>
+  </p:timing>
+</p:sld>
+</file>
+
+<file path=ppt/slides/slide6.xml><?xml version="1.0" encoding="utf-8"?>
+<p:sld xmlns:a="http://schemas.openxmlformats.org/drawingml/2006/main" xmlns:r="http://schemas.openxmlformats.org/officeDocument/2006/relationships" xmlns:p="http://schemas.openxmlformats.org/presentationml/2006/main">
+  <p:cSld>
+    <p:spTree>
+      <p:nvGrpSpPr>
+        <p:cNvPr id="1" name=""/>
+        <p:cNvGrpSpPr/>
+        <p:nvPr/>
+      </p:nvGrpSpPr>
+      <p:grpSpPr>
+        <a:xfrm>
+          <a:off x="0" y="0"/>
+          <a:ext cx="0" cy="0"/>
+          <a:chOff x="0" y="0"/>
+          <a:chExt cx="0" cy="0"/>
+        </a:xfrm>
+      </p:grpSpPr>
+      <p:sp>
+        <p:nvSpPr>
+          <p:cNvPr id="2" name="Título 1"/>
+          <p:cNvSpPr>
+            <a:spLocks noGrp="1"/>
+          </p:cNvSpPr>
+          <p:nvPr>
+            <p:ph type="title"/>
+          </p:nvPr>
+        </p:nvSpPr>
+        <p:spPr/>
+        <p:txBody>
+          <a:bodyPr/>
+          <a:lstStyle/>
+          <a:p>
+            <a:r>
+              <a:rPr lang="pt-BR" dirty="0" smtClean="0"/>
+              <a:t>O que o </a:t>
+            </a:r>
+            <a:r>
+              <a:rPr lang="pt-BR" dirty="0" err="1" smtClean="0"/>
+              <a:t>Dunno</a:t>
+            </a:r>
+            <a:r>
+              <a:rPr lang="pt-BR" dirty="0" smtClean="0"/>
+              <a:t> tem de novo?</a:t>
+            </a:r>
+            <a:endParaRPr lang="pt-BR" dirty="0"/>
+          </a:p>
+        </p:txBody>
+      </p:sp>
+      <p:sp>
+        <p:nvSpPr>
+          <p:cNvPr id="3" name="Espaço Reservado para Conteúdo 2"/>
+          <p:cNvSpPr>
+            <a:spLocks noGrp="1"/>
+          </p:cNvSpPr>
+          <p:nvPr>
+            <p:ph idx="1"/>
+          </p:nvPr>
+        </p:nvSpPr>
+        <p:spPr/>
+        <p:txBody>
+          <a:bodyPr/>
+          <a:lstStyle/>
+          <a:p>
+            <a:r>
+              <a:rPr lang="pt-BR" dirty="0" smtClean="0"/>
+              <a:t>Perguntas anônimas e curtas</a:t>
+            </a:r>
+          </a:p>
+          <a:p>
+            <a:r>
+              <a:rPr lang="pt-BR" dirty="0" smtClean="0"/>
+              <a:t>Respostas rápidas</a:t>
+            </a:r>
+          </a:p>
+          <a:p>
+            <a:r>
+              <a:rPr lang="pt-BR" dirty="0" smtClean="0"/>
+              <a:t>Roteamento de perguntas</a:t>
+            </a:r>
+            <a:endParaRPr lang="pt-BR" dirty="0"/>
+          </a:p>
+        </p:txBody>
+      </p:sp>
+    </p:spTree>
+    <p:extLst>
+      <p:ext uri="{BB962C8B-B14F-4D97-AF65-F5344CB8AC3E}">
+        <p14:creationId xmlns:p14="http://schemas.microsoft.com/office/powerpoint/2010/main" val="3357695587"/>
+      </p:ext>
+    </p:extLst>
+  </p:cSld>
+  <p:clrMapOvr>
+    <a:masterClrMapping/>
+  </p:clrMapOvr>
+  <p:timing>
+    <p:tnLst>
+      <p:par>
+        <p:cTn id="1" dur="indefinite" restart="never" nodeType="tmRoot"/>
+      </p:par>
+    </p:tnLst>
+  </p:timing>
+</p:sld>
+</file>
+
 <file path=ppt/theme/theme1.xml><?xml version="1.0" encoding="utf-8"?>
-<a:theme xmlns:a="http://schemas.openxmlformats.org/drawingml/2006/main" name="Tema do Office">
+<a:theme xmlns:a="http://schemas.openxmlformats.org/drawingml/2006/main" name="HDOfficeLightV0">
   <a:themeElements>
     <a:clrScheme name="Escritório">
       <a:dk1>
@@ -3328,7 +9532,7 @@
     </a:clrScheme>
     <a:fontScheme name="Escritório">
       <a:majorFont>
-        <a:latin typeface="Calibri Light" panose="020F0302020204030204"/>
+        <a:latin typeface="Calibri Light"/>
         <a:ea typeface=""/>
         <a:cs typeface=""/>
         <a:font script="Jpan" typeface="ＭＳ Ｐゴシック"/>
@@ -3363,7 +9567,7 @@
         <a:font script="Geor" typeface="Sylfaen"/>
       </a:majorFont>
       <a:minorFont>
-        <a:latin typeface="Calibri" panose="020F0502020204030204"/>
+        <a:latin typeface="Calibri"/>
         <a:ea typeface=""/>
         <a:cs typeface=""/>
         <a:font script="Jpan" typeface="ＭＳ Ｐゴシック"/>
@@ -3407,23 +9611,23 @@
           <a:gsLst>
             <a:gs pos="0">
               <a:schemeClr val="phClr">
+                <a:tint val="67000"/>
+                <a:satMod val="105000"/>
                 <a:lumMod val="110000"/>
-                <a:satMod val="105000"/>
-                <a:tint val="67000"/>
               </a:schemeClr>
             </a:gs>
             <a:gs pos="50000">
               <a:schemeClr val="phClr">
+                <a:tint val="73000"/>
+                <a:satMod val="103000"/>
                 <a:lumMod val="105000"/>
-                <a:satMod val="103000"/>
-                <a:tint val="73000"/>
               </a:schemeClr>
             </a:gs>
             <a:gs pos="100000">
               <a:schemeClr val="phClr">
+                <a:tint val="81000"/>
+                <a:satMod val="109000"/>
                 <a:lumMod val="105000"/>
-                <a:satMod val="109000"/>
-                <a:tint val="81000"/>
               </a:schemeClr>
             </a:gs>
           </a:gsLst>
@@ -3433,23 +9637,23 @@
           <a:gsLst>
             <a:gs pos="0">
               <a:schemeClr val="phClr">
+                <a:tint val="94000"/>
                 <a:satMod val="103000"/>
                 <a:lumMod val="102000"/>
-                <a:tint val="94000"/>
               </a:schemeClr>
             </a:gs>
             <a:gs pos="50000">
               <a:schemeClr val="phClr">
+                <a:shade val="100000"/>
                 <a:satMod val="110000"/>
                 <a:lumMod val="100000"/>
-                <a:shade val="100000"/>
               </a:schemeClr>
             </a:gs>
             <a:gs pos="100000">
               <a:schemeClr val="phClr">
+                <a:shade val="78000"/>
+                <a:satMod val="120000"/>
                 <a:lumMod val="99000"/>
-                <a:satMod val="120000"/>
-                <a:shade val="78000"/>
               </a:schemeClr>
             </a:gs>
           </a:gsLst>
@@ -3462,21 +9666,18 @@
             <a:schemeClr val="phClr"/>
           </a:solidFill>
           <a:prstDash val="solid"/>
-          <a:miter lim="800000"/>
         </a:ln>
         <a:ln w="12700" cap="flat" cmpd="sng" algn="ctr">
           <a:solidFill>
             <a:schemeClr val="phClr"/>
           </a:solidFill>
           <a:prstDash val="solid"/>
-          <a:miter lim="800000"/>
         </a:ln>
         <a:ln w="19050" cap="flat" cmpd="sng" algn="ctr">
           <a:solidFill>
             <a:schemeClr val="phClr"/>
           </a:solidFill>
           <a:prstDash val="solid"/>
-          <a:miter lim="800000"/>
         </a:ln>
       </a:lnStyleLst>
       <a:effectStyleLst>
@@ -3511,16 +9712,16 @@
             <a:gs pos="0">
               <a:schemeClr val="phClr">
                 <a:tint val="93000"/>
+                <a:shade val="98000"/>
                 <a:satMod val="150000"/>
-                <a:shade val="98000"/>
                 <a:lumMod val="102000"/>
               </a:schemeClr>
             </a:gs>
             <a:gs pos="50000">
               <a:schemeClr val="phClr">
                 <a:tint val="98000"/>
+                <a:shade val="90000"/>
                 <a:satMod val="130000"/>
-                <a:shade val="90000"/>
                 <a:lumMod val="103000"/>
               </a:schemeClr>
             </a:gs>
@@ -3538,9 +9739,278 @@
   </a:themeElements>
   <a:objectDefaults/>
   <a:extraClrSchemeLst/>
+</a:theme>
+</file>
+
+<file path=ppt/theme/theme2.xml><?xml version="1.0" encoding="utf-8"?>
+<a:theme xmlns:a="http://schemas.openxmlformats.org/drawingml/2006/main" name="Fatia">
+  <a:themeElements>
+    <a:clrScheme name="Fatia">
+      <a:dk1>
+        <a:sysClr val="windowText" lastClr="000000"/>
+      </a:dk1>
+      <a:lt1>
+        <a:sysClr val="window" lastClr="FFFFFF"/>
+      </a:lt1>
+      <a:dk2>
+        <a:srgbClr val="146194"/>
+      </a:dk2>
+      <a:lt2>
+        <a:srgbClr val="76DBF4"/>
+      </a:lt2>
+      <a:accent1>
+        <a:srgbClr val="052F61"/>
+      </a:accent1>
+      <a:accent2>
+        <a:srgbClr val="A50E82"/>
+      </a:accent2>
+      <a:accent3>
+        <a:srgbClr val="14967C"/>
+      </a:accent3>
+      <a:accent4>
+        <a:srgbClr val="6A9E1F"/>
+      </a:accent4>
+      <a:accent5>
+        <a:srgbClr val="E87D37"/>
+      </a:accent5>
+      <a:accent6>
+        <a:srgbClr val="C62324"/>
+      </a:accent6>
+      <a:hlink>
+        <a:srgbClr val="0D2E46"/>
+      </a:hlink>
+      <a:folHlink>
+        <a:srgbClr val="356A95"/>
+      </a:folHlink>
+    </a:clrScheme>
+    <a:fontScheme name="Fatia">
+      <a:majorFont>
+        <a:latin typeface="Century Gothic" panose="020B0502020202020204"/>
+        <a:ea typeface=""/>
+        <a:cs typeface=""/>
+        <a:font script="Jpan" typeface="メイリオ"/>
+        <a:font script="Hang" typeface="HY중고딕"/>
+        <a:font script="Hans" typeface="幼圆"/>
+        <a:font script="Hant" typeface="微軟正黑體"/>
+        <a:font script="Arab" typeface="Tahoma"/>
+        <a:font script="Hebr" typeface="Gisha"/>
+        <a:font script="Thai" typeface="DilleniaUPC"/>
+        <a:font script="Ethi" typeface="Nyala"/>
+        <a:font script="Beng" typeface="Vrinda"/>
+        <a:font script="Gujr" typeface="Shruti"/>
+        <a:font script="Khmr" typeface="DaunPenh"/>
+        <a:font script="Knda" typeface="Tunga"/>
+        <a:font script="Guru" typeface="Raavi"/>
+        <a:font script="Cans" typeface="Euphemia"/>
+        <a:font script="Cher" typeface="Plantagenet Cherokee"/>
+        <a:font script="Yiii" typeface="Microsoft Yi Baiti"/>
+        <a:font script="Tibt" typeface="Microsoft Himalaya"/>
+        <a:font script="Thaa" typeface="MV Boli"/>
+        <a:font script="Deva" typeface="Mangal"/>
+        <a:font script="Telu" typeface="Gautami"/>
+        <a:font script="Taml" typeface="Latha"/>
+        <a:font script="Syrc" typeface="Estrangelo Edessa"/>
+        <a:font script="Orya" typeface="Kalinga"/>
+        <a:font script="Mlym" typeface="Kartika"/>
+        <a:font script="Laoo" typeface="DokChampa"/>
+        <a:font script="Sinh" typeface="Iskoola Pota"/>
+        <a:font script="Mong" typeface="Mongolian Baiti"/>
+        <a:font script="Viet" typeface="Tahoma"/>
+        <a:font script="Uigh" typeface="Microsoft Uighur"/>
+        <a:font script="Geor" typeface="Sylfaen"/>
+      </a:majorFont>
+      <a:minorFont>
+        <a:latin typeface="Century Gothic" panose="020B0502020202020204"/>
+        <a:ea typeface=""/>
+        <a:cs typeface=""/>
+        <a:font script="Jpan" typeface="メイリオ"/>
+        <a:font script="Hang" typeface="HY중고딕"/>
+        <a:font script="Hans" typeface="幼圆"/>
+        <a:font script="Hant" typeface="微軟正黑體"/>
+        <a:font script="Arab" typeface="Tahoma"/>
+        <a:font script="Hebr" typeface="Gisha"/>
+        <a:font script="Thai" typeface="DilleniaUPC"/>
+        <a:font script="Ethi" typeface="Nyala"/>
+        <a:font script="Beng" typeface="Vrinda"/>
+        <a:font script="Gujr" typeface="Shruti"/>
+        <a:font script="Khmr" typeface="DaunPenh"/>
+        <a:font script="Knda" typeface="Tunga"/>
+        <a:font script="Guru" typeface="Raavi"/>
+        <a:font script="Cans" typeface="Euphemia"/>
+        <a:font script="Cher" typeface="Plantagenet Cherokee"/>
+        <a:font script="Yiii" typeface="Microsoft Yi Baiti"/>
+        <a:font script="Tibt" typeface="Microsoft Himalaya"/>
+        <a:font script="Thaa" typeface="MV Boli"/>
+        <a:font script="Deva" typeface="Mangal"/>
+        <a:font script="Telu" typeface="Gautami"/>
+        <a:font script="Taml" typeface="Latha"/>
+        <a:font script="Syrc" typeface="Estrangelo Edessa"/>
+        <a:font script="Orya" typeface="Kalinga"/>
+        <a:font script="Mlym" typeface="Kartika"/>
+        <a:font script="Laoo" typeface="DokChampa"/>
+        <a:font script="Sinh" typeface="Iskoola Pota"/>
+        <a:font script="Mong" typeface="Mongolian Baiti"/>
+        <a:font script="Viet" typeface="Tahoma"/>
+        <a:font script="Uigh" typeface="Microsoft Uighur"/>
+        <a:font script="Geor" typeface="Sylfaen"/>
+      </a:minorFont>
+    </a:fontScheme>
+    <a:fmtScheme name="Fatia">
+      <a:fillStyleLst>
+        <a:solidFill>
+          <a:schemeClr val="phClr"/>
+        </a:solidFill>
+        <a:gradFill rotWithShape="1">
+          <a:gsLst>
+            <a:gs pos="0">
+              <a:schemeClr val="phClr">
+                <a:tint val="62000"/>
+                <a:hueMod val="94000"/>
+                <a:satMod val="140000"/>
+                <a:lumMod val="110000"/>
+              </a:schemeClr>
+            </a:gs>
+            <a:gs pos="100000">
+              <a:schemeClr val="phClr">
+                <a:tint val="84000"/>
+                <a:satMod val="160000"/>
+              </a:schemeClr>
+            </a:gs>
+          </a:gsLst>
+          <a:lin ang="5400000" scaled="0"/>
+        </a:gradFill>
+        <a:gradFill rotWithShape="1">
+          <a:gsLst>
+            <a:gs pos="0">
+              <a:schemeClr val="phClr">
+                <a:tint val="98000"/>
+                <a:hueMod val="94000"/>
+                <a:satMod val="130000"/>
+                <a:lumMod val="128000"/>
+              </a:schemeClr>
+            </a:gs>
+            <a:gs pos="100000">
+              <a:schemeClr val="phClr">
+                <a:shade val="94000"/>
+                <a:lumMod val="88000"/>
+              </a:schemeClr>
+            </a:gs>
+          </a:gsLst>
+          <a:lin ang="5400000" scaled="0"/>
+        </a:gradFill>
+      </a:fillStyleLst>
+      <a:lnStyleLst>
+        <a:ln w="9525" cap="rnd" cmpd="sng" algn="ctr">
+          <a:solidFill>
+            <a:schemeClr val="phClr">
+              <a:tint val="76000"/>
+              <a:alpha val="60000"/>
+              <a:hueMod val="94000"/>
+            </a:schemeClr>
+          </a:solidFill>
+          <a:prstDash val="solid"/>
+        </a:ln>
+        <a:ln w="15875" cap="rnd" cmpd="sng" algn="ctr">
+          <a:solidFill>
+            <a:schemeClr val="phClr">
+              <a:hueMod val="94000"/>
+            </a:schemeClr>
+          </a:solidFill>
+          <a:prstDash val="solid"/>
+        </a:ln>
+        <a:ln w="28575" cap="rnd" cmpd="sng" algn="ctr">
+          <a:solidFill>
+            <a:schemeClr val="phClr"/>
+          </a:solidFill>
+          <a:prstDash val="solid"/>
+        </a:ln>
+      </a:lnStyleLst>
+      <a:effectStyleLst>
+        <a:effectStyle>
+          <a:effectLst/>
+        </a:effectStyle>
+        <a:effectStyle>
+          <a:effectLst>
+            <a:innerShdw blurRad="25400" dist="12700" dir="13500000">
+              <a:srgbClr val="000000">
+                <a:alpha val="45000"/>
+              </a:srgbClr>
+            </a:innerShdw>
+          </a:effectLst>
+        </a:effectStyle>
+        <a:effectStyle>
+          <a:effectLst>
+            <a:outerShdw blurRad="50800" dist="38100" dir="5400000" rotWithShape="0">
+              <a:srgbClr val="000000">
+                <a:alpha val="46000"/>
+              </a:srgbClr>
+            </a:outerShdw>
+          </a:effectLst>
+          <a:scene3d>
+            <a:camera prst="orthographicFront">
+              <a:rot lat="0" lon="0" rev="0"/>
+            </a:camera>
+            <a:lightRig rig="threePt" dir="t"/>
+          </a:scene3d>
+          <a:sp3d prstMaterial="plastic">
+            <a:bevelT w="25400" h="25400"/>
+          </a:sp3d>
+        </a:effectStyle>
+      </a:effectStyleLst>
+      <a:bgFillStyleLst>
+        <a:solidFill>
+          <a:schemeClr val="phClr"/>
+        </a:solidFill>
+        <a:gradFill rotWithShape="1">
+          <a:gsLst>
+            <a:gs pos="10000">
+              <a:schemeClr val="phClr">
+                <a:tint val="97000"/>
+                <a:hueMod val="92000"/>
+                <a:satMod val="169000"/>
+                <a:lumMod val="164000"/>
+              </a:schemeClr>
+            </a:gs>
+            <a:gs pos="100000">
+              <a:schemeClr val="phClr">
+                <a:shade val="96000"/>
+                <a:satMod val="120000"/>
+                <a:lumMod val="90000"/>
+              </a:schemeClr>
+            </a:gs>
+          </a:gsLst>
+          <a:lin ang="6120000" scaled="1"/>
+        </a:gradFill>
+        <a:gradFill rotWithShape="1">
+          <a:gsLst>
+            <a:gs pos="0">
+              <a:schemeClr val="phClr">
+                <a:tint val="97000"/>
+                <a:hueMod val="92000"/>
+                <a:satMod val="169000"/>
+                <a:lumMod val="164000"/>
+              </a:schemeClr>
+            </a:gs>
+            <a:gs pos="100000">
+              <a:schemeClr val="phClr">
+                <a:shade val="96000"/>
+                <a:satMod val="120000"/>
+                <a:lumMod val="90000"/>
+              </a:schemeClr>
+            </a:gs>
+          </a:gsLst>
+          <a:path path="circle">
+            <a:fillToRect b="100000"/>
+          </a:path>
+        </a:gradFill>
+      </a:bgFillStyleLst>
+    </a:fmtScheme>
+  </a:themeElements>
+  <a:objectDefaults/>
+  <a:extraClrSchemeLst/>
   <a:extLst>
     <a:ext uri="{05A4C25C-085E-4340-85A3-A5531E510DB2}">
-      <thm15:themeFamily xmlns:thm15="http://schemas.microsoft.com/office/thememl/2012/main" name="Office Theme" id="{62F939B6-93AF-4DB8-9C6B-D6C7DFDC589F}" vid="{4A3C46E8-61CC-4603-A589-7422A47A8E4A}"/>
+      <thm15:themeFamily xmlns:thm15="http://schemas.microsoft.com/office/thememl/2012/main" name="Slice" id="{0507925B-6AC9-4358-8E18-C330545D08F8}" vid="{13FEC7C6-62A9-40C4-99D2-581AACACAA2F}"/>
     </a:ext>
   </a:extLst>
 </a:theme>
